--- a/TrabalhoGrupo.pptx
+++ b/TrabalhoGrupo.pptx
@@ -2,10 +2,18 @@
 <file path=ppt/presentation.xml><?xml version="1.0" encoding="utf-8"?>
 <p:presentation xmlns:a="http://schemas.openxmlformats.org/drawingml/2006/main" xmlns:r="http://schemas.openxmlformats.org/officeDocument/2006/relationships" xmlns:p="http://schemas.openxmlformats.org/presentationml/2006/main" saveSubsetFonts="1">
   <p:sldMasterIdLst>
-    <p:sldMasterId id="2147483660" r:id="rId1"/>
+    <p:sldMasterId id="2147483672" r:id="rId1"/>
   </p:sldMasterIdLst>
   <p:sldIdLst>
-    <p:sldId id="256" r:id="rId2"/>
+    <p:sldId id="257" r:id="rId2"/>
+    <p:sldId id="258" r:id="rId3"/>
+    <p:sldId id="259" r:id="rId4"/>
+    <p:sldId id="260" r:id="rId5"/>
+    <p:sldId id="261" r:id="rId6"/>
+    <p:sldId id="262" r:id="rId7"/>
+    <p:sldId id="263" r:id="rId8"/>
+    <p:sldId id="264" r:id="rId9"/>
+    <p:sldId id="265" r:id="rId10"/>
   </p:sldIdLst>
   <p:sldSz cx="6858000" cy="5148263"/>
   <p:notesSz cx="6858000" cy="9144000"/>
@@ -104,6 +112,11 @@
       </a:defRPr>
     </a:lvl9pPr>
   </p:defaultTextStyle>
+  <p:extLst>
+    <p:ext uri="{EFAFB233-063F-42B5-8137-9DF3F51BA10A}">
+      <p15:sldGuideLst xmlns:p15="http://schemas.microsoft.com/office/powerpoint/2012/main"/>
+    </p:ext>
+  </p:extLst>
 </p:presentation>
 </file>
 
@@ -136,15 +149,17 @@
         </p:nvSpPr>
         <p:spPr>
           <a:xfrm>
-            <a:off x="514350" y="842552"/>
-            <a:ext cx="5829300" cy="1792358"/>
+            <a:off x="771015" y="1328385"/>
+            <a:ext cx="5310020" cy="1372871"/>
           </a:xfrm>
         </p:spPr>
         <p:txBody>
-          <a:bodyPr anchor="b"/>
+          <a:bodyPr anchor="b">
+            <a:normAutofit/>
+          </a:bodyPr>
           <a:lstStyle>
             <a:lvl1pPr algn="ctr">
-              <a:defRPr sz="4500"/>
+              <a:defRPr sz="4050"/>
             </a:lvl1pPr>
           </a:lstStyle>
           <a:p>
@@ -168,48 +183,100 @@
         </p:nvSpPr>
         <p:spPr>
           <a:xfrm>
-            <a:off x="857250" y="2704030"/>
-            <a:ext cx="5143500" cy="1242971"/>
+            <a:off x="771015" y="2701254"/>
+            <a:ext cx="5310020" cy="788129"/>
           </a:xfrm>
         </p:spPr>
         <p:txBody>
-          <a:bodyPr/>
+          <a:bodyPr anchor="t"/>
           <a:lstStyle>
             <a:lvl1pPr marL="0" indent="0" algn="ctr">
               <a:buNone/>
-              <a:defRPr sz="1800"/>
+              <a:defRPr>
+                <a:solidFill>
+                  <a:schemeClr val="tx1"/>
+                </a:solidFill>
+              </a:defRPr>
             </a:lvl1pPr>
             <a:lvl2pPr marL="342900" indent="0" algn="ctr">
               <a:buNone/>
-              <a:defRPr sz="1500"/>
+              <a:defRPr>
+                <a:solidFill>
+                  <a:schemeClr val="tx1">
+                    <a:tint val="75000"/>
+                  </a:schemeClr>
+                </a:solidFill>
+              </a:defRPr>
             </a:lvl2pPr>
             <a:lvl3pPr marL="685800" indent="0" algn="ctr">
               <a:buNone/>
-              <a:defRPr sz="1350"/>
+              <a:defRPr>
+                <a:solidFill>
+                  <a:schemeClr val="tx1">
+                    <a:tint val="75000"/>
+                  </a:schemeClr>
+                </a:solidFill>
+              </a:defRPr>
             </a:lvl3pPr>
             <a:lvl4pPr marL="1028700" indent="0" algn="ctr">
               <a:buNone/>
-              <a:defRPr sz="1200"/>
+              <a:defRPr>
+                <a:solidFill>
+                  <a:schemeClr val="tx1">
+                    <a:tint val="75000"/>
+                  </a:schemeClr>
+                </a:solidFill>
+              </a:defRPr>
             </a:lvl4pPr>
             <a:lvl5pPr marL="1371600" indent="0" algn="ctr">
               <a:buNone/>
-              <a:defRPr sz="1200"/>
+              <a:defRPr>
+                <a:solidFill>
+                  <a:schemeClr val="tx1">
+                    <a:tint val="75000"/>
+                  </a:schemeClr>
+                </a:solidFill>
+              </a:defRPr>
             </a:lvl5pPr>
             <a:lvl6pPr marL="1714500" indent="0" algn="ctr">
               <a:buNone/>
-              <a:defRPr sz="1200"/>
+              <a:defRPr>
+                <a:solidFill>
+                  <a:schemeClr val="tx1">
+                    <a:tint val="75000"/>
+                  </a:schemeClr>
+                </a:solidFill>
+              </a:defRPr>
             </a:lvl6pPr>
             <a:lvl7pPr marL="2057400" indent="0" algn="ctr">
               <a:buNone/>
-              <a:defRPr sz="1200"/>
+              <a:defRPr>
+                <a:solidFill>
+                  <a:schemeClr val="tx1">
+                    <a:tint val="75000"/>
+                  </a:schemeClr>
+                </a:solidFill>
+              </a:defRPr>
             </a:lvl7pPr>
             <a:lvl8pPr marL="2400300" indent="0" algn="ctr">
               <a:buNone/>
-              <a:defRPr sz="1200"/>
+              <a:defRPr>
+                <a:solidFill>
+                  <a:schemeClr val="tx1">
+                    <a:tint val="75000"/>
+                  </a:schemeClr>
+                </a:solidFill>
+              </a:defRPr>
             </a:lvl8pPr>
             <a:lvl9pPr marL="2743200" indent="0" algn="ctr">
               <a:buNone/>
-              <a:defRPr sz="1200"/>
+              <a:defRPr>
+                <a:solidFill>
+                  <a:schemeClr val="tx1">
+                    <a:tint val="75000"/>
+                  </a:schemeClr>
+                </a:solidFill>
+              </a:defRPr>
             </a:lvl9pPr>
           </a:lstStyle>
           <a:p>
@@ -238,7 +305,7 @@
           <a:p>
             <a:fld id="{02756A72-8CA2-4C3A-9175-0CC2DE682E18}" type="datetimeFigureOut">
               <a:rPr lang="pt-BR" smtClean="0"/>
-              <a:t>23/06/2020</a:t>
+              <a:t>23/07/2020</a:t>
             </a:fld>
             <a:endParaRPr lang="pt-BR"/>
           </a:p>
@@ -289,7 +356,7 @@
     </p:spTree>
     <p:extLst>
       <p:ext uri="{BB962C8B-B14F-4D97-AF65-F5344CB8AC3E}">
-        <p14:creationId xmlns:p14="http://schemas.microsoft.com/office/powerpoint/2010/main" val="1073737674"/>
+        <p14:creationId xmlns:p14="http://schemas.microsoft.com/office/powerpoint/2010/main" val="1271787086"/>
       </p:ext>
     </p:extLst>
   </p:cSld>
@@ -300,6 +367,2582 @@
 </file>
 
 <file path=ppt/slideLayouts/slideLayout10.xml><?xml version="1.0" encoding="utf-8"?>
+<p:sldLayout xmlns:a="http://schemas.openxmlformats.org/drawingml/2006/main" xmlns:r="http://schemas.openxmlformats.org/officeDocument/2006/relationships" xmlns:p="http://schemas.openxmlformats.org/presentationml/2006/main" preserve="1">
+  <p:cSld name="Foto Panorâmica com Legenda">
+    <p:spTree>
+      <p:nvGrpSpPr>
+        <p:cNvPr id="1" name=""/>
+        <p:cNvGrpSpPr/>
+        <p:nvPr/>
+      </p:nvGrpSpPr>
+      <p:grpSpPr>
+        <a:xfrm>
+          <a:off x="0" y="0"/>
+          <a:ext cx="0" cy="0"/>
+          <a:chOff x="0" y="0"/>
+          <a:chExt cx="0" cy="0"/>
+        </a:xfrm>
+      </p:grpSpPr>
+      <p:pic>
+        <p:nvPicPr>
+          <p:cNvPr id="8" name="Picture 7" descr="Slate-V2-SD-panoPhotoInset.png"/>
+          <p:cNvPicPr>
+            <a:picLocks noChangeAspect="1"/>
+          </p:cNvPicPr>
+          <p:nvPr/>
+        </p:nvPicPr>
+        <p:blipFill>
+          <a:blip r:embed="rId2">
+            <a:extLst>
+              <a:ext uri="{28A0092B-C50C-407E-A947-70E740481C1C}">
+                <a14:useLocalDpi xmlns:a14="http://schemas.microsoft.com/office/drawing/2010/main" val="0"/>
+              </a:ext>
+            </a:extLst>
+          </a:blip>
+          <a:stretch>
+            <a:fillRect/>
+          </a:stretch>
+        </p:blipFill>
+        <p:spPr>
+          <a:xfrm>
+            <a:off x="557996" y="405439"/>
+            <a:ext cx="5742008" cy="2878444"/>
+          </a:xfrm>
+          <a:prstGeom prst="rect">
+            <a:avLst/>
+          </a:prstGeom>
+        </p:spPr>
+      </p:pic>
+      <p:sp>
+        <p:nvSpPr>
+          <p:cNvPr id="2" name="Title 1"/>
+          <p:cNvSpPr>
+            <a:spLocks noGrp="1"/>
+          </p:cNvSpPr>
+          <p:nvPr>
+            <p:ph type="title"/>
+          </p:nvPr>
+        </p:nvSpPr>
+        <p:spPr>
+          <a:xfrm>
+            <a:off x="514016" y="3427112"/>
+            <a:ext cx="5824871" cy="407981"/>
+          </a:xfrm>
+        </p:spPr>
+        <p:txBody>
+          <a:bodyPr anchor="b">
+            <a:normAutofit/>
+          </a:bodyPr>
+          <a:lstStyle>
+            <a:lvl1pPr algn="ctr">
+              <a:defRPr sz="2100"/>
+            </a:lvl1pPr>
+          </a:lstStyle>
+          <a:p>
+            <a:r>
+              <a:rPr lang="pt-BR"/>
+              <a:t>Clique para editar o título Mestre</a:t>
+            </a:r>
+            <a:endParaRPr lang="en-US" dirty="0"/>
+          </a:p>
+        </p:txBody>
+      </p:sp>
+      <p:sp>
+        <p:nvSpPr>
+          <p:cNvPr id="3" name="Picture Placeholder 2"/>
+          <p:cNvSpPr>
+            <a:spLocks noGrp="1" noChangeAspect="1"/>
+          </p:cNvSpPr>
+          <p:nvPr>
+            <p:ph type="pic" idx="1"/>
+          </p:nvPr>
+        </p:nvSpPr>
+        <p:spPr>
+          <a:xfrm>
+            <a:off x="694663" y="521741"/>
+            <a:ext cx="5464200" cy="2646702"/>
+          </a:xfrm>
+          <a:effectLst>
+            <a:outerShdw blurRad="38100" dist="25400" dir="4440000">
+              <a:srgbClr val="000000">
+                <a:alpha val="36000"/>
+              </a:srgbClr>
+            </a:outerShdw>
+          </a:effectLst>
+        </p:spPr>
+        <p:txBody>
+          <a:bodyPr anchor="t">
+            <a:normAutofit/>
+          </a:bodyPr>
+          <a:lstStyle>
+            <a:lvl1pPr marL="0" indent="0" algn="ctr">
+              <a:buNone/>
+              <a:defRPr sz="1500"/>
+            </a:lvl1pPr>
+            <a:lvl2pPr marL="342900" indent="0">
+              <a:buNone/>
+              <a:defRPr sz="1500"/>
+            </a:lvl2pPr>
+            <a:lvl3pPr marL="685800" indent="0">
+              <a:buNone/>
+              <a:defRPr sz="1500"/>
+            </a:lvl3pPr>
+            <a:lvl4pPr marL="1028700" indent="0">
+              <a:buNone/>
+              <a:defRPr sz="1500"/>
+            </a:lvl4pPr>
+            <a:lvl5pPr marL="1371600" indent="0">
+              <a:buNone/>
+              <a:defRPr sz="1500"/>
+            </a:lvl5pPr>
+            <a:lvl6pPr marL="1714500" indent="0">
+              <a:buNone/>
+              <a:defRPr sz="1500"/>
+            </a:lvl6pPr>
+            <a:lvl7pPr marL="2057400" indent="0">
+              <a:buNone/>
+              <a:defRPr sz="1500"/>
+            </a:lvl7pPr>
+            <a:lvl8pPr marL="2400300" indent="0">
+              <a:buNone/>
+              <a:defRPr sz="1500"/>
+            </a:lvl8pPr>
+            <a:lvl9pPr marL="2743200" indent="0">
+              <a:buNone/>
+              <a:defRPr sz="1500"/>
+            </a:lvl9pPr>
+          </a:lstStyle>
+          <a:p>
+            <a:r>
+              <a:rPr lang="pt-BR"/>
+              <a:t>Clique no ícone para adicionar uma imagem</a:t>
+            </a:r>
+            <a:endParaRPr lang="en-US" dirty="0"/>
+          </a:p>
+        </p:txBody>
+      </p:sp>
+      <p:sp>
+        <p:nvSpPr>
+          <p:cNvPr id="4" name="Text Placeholder 3"/>
+          <p:cNvSpPr>
+            <a:spLocks noGrp="1"/>
+          </p:cNvSpPr>
+          <p:nvPr>
+            <p:ph type="body" sz="half" idx="2"/>
+          </p:nvPr>
+        </p:nvSpPr>
+        <p:spPr>
+          <a:xfrm>
+            <a:off x="514009" y="3835094"/>
+            <a:ext cx="5823992" cy="512328"/>
+          </a:xfrm>
+        </p:spPr>
+        <p:txBody>
+          <a:bodyPr anchor="t"/>
+          <a:lstStyle>
+            <a:lvl1pPr marL="0" indent="0" algn="ctr">
+              <a:buNone/>
+              <a:defRPr sz="1200"/>
+            </a:lvl1pPr>
+            <a:lvl2pPr marL="342900" indent="0">
+              <a:buNone/>
+              <a:defRPr sz="1050"/>
+            </a:lvl2pPr>
+            <a:lvl3pPr marL="685800" indent="0">
+              <a:buNone/>
+              <a:defRPr sz="900"/>
+            </a:lvl3pPr>
+            <a:lvl4pPr marL="1028700" indent="0">
+              <a:buNone/>
+              <a:defRPr sz="750"/>
+            </a:lvl4pPr>
+            <a:lvl5pPr marL="1371600" indent="0">
+              <a:buNone/>
+              <a:defRPr sz="750"/>
+            </a:lvl5pPr>
+            <a:lvl6pPr marL="1714500" indent="0">
+              <a:buNone/>
+              <a:defRPr sz="750"/>
+            </a:lvl6pPr>
+            <a:lvl7pPr marL="2057400" indent="0">
+              <a:buNone/>
+              <a:defRPr sz="750"/>
+            </a:lvl7pPr>
+            <a:lvl8pPr marL="2400300" indent="0">
+              <a:buNone/>
+              <a:defRPr sz="750"/>
+            </a:lvl8pPr>
+            <a:lvl9pPr marL="2743200" indent="0">
+              <a:buNone/>
+              <a:defRPr sz="750"/>
+            </a:lvl9pPr>
+          </a:lstStyle>
+          <a:p>
+            <a:pPr lvl="0"/>
+            <a:r>
+              <a:rPr lang="pt-BR"/>
+              <a:t>Clique para editar os estilos de texto Mestres</a:t>
+            </a:r>
+          </a:p>
+        </p:txBody>
+      </p:sp>
+      <p:sp>
+        <p:nvSpPr>
+          <p:cNvPr id="5" name="Date Placeholder 4"/>
+          <p:cNvSpPr>
+            <a:spLocks noGrp="1"/>
+          </p:cNvSpPr>
+          <p:nvPr>
+            <p:ph type="dt" sz="half" idx="10"/>
+          </p:nvPr>
+        </p:nvSpPr>
+        <p:spPr/>
+        <p:txBody>
+          <a:bodyPr/>
+          <a:lstStyle/>
+          <a:p>
+            <a:fld id="{02756A72-8CA2-4C3A-9175-0CC2DE682E18}" type="datetimeFigureOut">
+              <a:rPr lang="pt-BR" smtClean="0"/>
+              <a:t>23/07/2020</a:t>
+            </a:fld>
+            <a:endParaRPr lang="pt-BR"/>
+          </a:p>
+        </p:txBody>
+      </p:sp>
+      <p:sp>
+        <p:nvSpPr>
+          <p:cNvPr id="6" name="Footer Placeholder 5"/>
+          <p:cNvSpPr>
+            <a:spLocks noGrp="1"/>
+          </p:cNvSpPr>
+          <p:nvPr>
+            <p:ph type="ftr" sz="quarter" idx="11"/>
+          </p:nvPr>
+        </p:nvSpPr>
+        <p:spPr/>
+        <p:txBody>
+          <a:bodyPr/>
+          <a:lstStyle/>
+          <a:p>
+            <a:endParaRPr lang="pt-BR"/>
+          </a:p>
+        </p:txBody>
+      </p:sp>
+      <p:sp>
+        <p:nvSpPr>
+          <p:cNvPr id="7" name="Slide Number Placeholder 6"/>
+          <p:cNvSpPr>
+            <a:spLocks noGrp="1"/>
+          </p:cNvSpPr>
+          <p:nvPr>
+            <p:ph type="sldNum" sz="quarter" idx="12"/>
+          </p:nvPr>
+        </p:nvSpPr>
+        <p:spPr/>
+        <p:txBody>
+          <a:bodyPr/>
+          <a:lstStyle/>
+          <a:p>
+            <a:fld id="{8BAB0C02-9F6D-4A5A-948D-2DDEB1889612}" type="slidenum">
+              <a:rPr lang="pt-BR" smtClean="0"/>
+              <a:t>‹nº›</a:t>
+            </a:fld>
+            <a:endParaRPr lang="pt-BR"/>
+          </a:p>
+        </p:txBody>
+      </p:sp>
+    </p:spTree>
+    <p:extLst>
+      <p:ext uri="{BB962C8B-B14F-4D97-AF65-F5344CB8AC3E}">
+        <p14:creationId xmlns:p14="http://schemas.microsoft.com/office/powerpoint/2010/main" val="1046848352"/>
+      </p:ext>
+    </p:extLst>
+  </p:cSld>
+  <p:clrMapOvr>
+    <a:masterClrMapping/>
+  </p:clrMapOvr>
+</p:sldLayout>
+</file>
+
+<file path=ppt/slideLayouts/slideLayout11.xml><?xml version="1.0" encoding="utf-8"?>
+<p:sldLayout xmlns:a="http://schemas.openxmlformats.org/drawingml/2006/main" xmlns:r="http://schemas.openxmlformats.org/officeDocument/2006/relationships" xmlns:p="http://schemas.openxmlformats.org/presentationml/2006/main" preserve="1">
+  <p:cSld name="Título e Legenda">
+    <p:spTree>
+      <p:nvGrpSpPr>
+        <p:cNvPr id="1" name=""/>
+        <p:cNvGrpSpPr/>
+        <p:nvPr/>
+      </p:nvGrpSpPr>
+      <p:grpSpPr>
+        <a:xfrm>
+          <a:off x="0" y="0"/>
+          <a:ext cx="0" cy="0"/>
+          <a:chOff x="0" y="0"/>
+          <a:chExt cx="0" cy="0"/>
+        </a:xfrm>
+      </p:grpSpPr>
+      <p:sp>
+        <p:nvSpPr>
+          <p:cNvPr id="2" name="Title 1"/>
+          <p:cNvSpPr>
+            <a:spLocks noGrp="1"/>
+          </p:cNvSpPr>
+          <p:nvPr>
+            <p:ph type="title"/>
+          </p:nvPr>
+        </p:nvSpPr>
+        <p:spPr>
+          <a:xfrm>
+            <a:off x="514009" y="456750"/>
+            <a:ext cx="5823992" cy="2653213"/>
+          </a:xfrm>
+        </p:spPr>
+        <p:txBody>
+          <a:bodyPr anchor="ctr"/>
+          <a:lstStyle>
+            <a:lvl1pPr>
+              <a:defRPr sz="2400"/>
+            </a:lvl1pPr>
+          </a:lstStyle>
+          <a:p>
+            <a:r>
+              <a:rPr lang="pt-BR"/>
+              <a:t>Clique para editar o título Mestre</a:t>
+            </a:r>
+            <a:endParaRPr lang="en-US" dirty="0"/>
+          </a:p>
+        </p:txBody>
+      </p:sp>
+      <p:sp>
+        <p:nvSpPr>
+          <p:cNvPr id="4" name="Text Placeholder 3"/>
+          <p:cNvSpPr>
+            <a:spLocks noGrp="1"/>
+          </p:cNvSpPr>
+          <p:nvPr>
+            <p:ph type="body" sz="half" idx="2"/>
+          </p:nvPr>
+        </p:nvSpPr>
+        <p:spPr>
+          <a:xfrm>
+            <a:off x="514009" y="3224368"/>
+            <a:ext cx="5823992" cy="1127413"/>
+          </a:xfrm>
+        </p:spPr>
+        <p:txBody>
+          <a:bodyPr anchor="ctr"/>
+          <a:lstStyle>
+            <a:lvl1pPr marL="0" indent="0" algn="ctr">
+              <a:buNone/>
+              <a:defRPr sz="1200"/>
+            </a:lvl1pPr>
+            <a:lvl2pPr marL="342900" indent="0">
+              <a:buNone/>
+              <a:defRPr sz="1050"/>
+            </a:lvl2pPr>
+            <a:lvl3pPr marL="685800" indent="0">
+              <a:buNone/>
+              <a:defRPr sz="900"/>
+            </a:lvl3pPr>
+            <a:lvl4pPr marL="1028700" indent="0">
+              <a:buNone/>
+              <a:defRPr sz="750"/>
+            </a:lvl4pPr>
+            <a:lvl5pPr marL="1371600" indent="0">
+              <a:buNone/>
+              <a:defRPr sz="750"/>
+            </a:lvl5pPr>
+            <a:lvl6pPr marL="1714500" indent="0">
+              <a:buNone/>
+              <a:defRPr sz="750"/>
+            </a:lvl6pPr>
+            <a:lvl7pPr marL="2057400" indent="0">
+              <a:buNone/>
+              <a:defRPr sz="750"/>
+            </a:lvl7pPr>
+            <a:lvl8pPr marL="2400300" indent="0">
+              <a:buNone/>
+              <a:defRPr sz="750"/>
+            </a:lvl8pPr>
+            <a:lvl9pPr marL="2743200" indent="0">
+              <a:buNone/>
+              <a:defRPr sz="750"/>
+            </a:lvl9pPr>
+          </a:lstStyle>
+          <a:p>
+            <a:pPr lvl="0"/>
+            <a:r>
+              <a:rPr lang="pt-BR"/>
+              <a:t>Clique para editar os estilos de texto Mestres</a:t>
+            </a:r>
+          </a:p>
+        </p:txBody>
+      </p:sp>
+      <p:sp>
+        <p:nvSpPr>
+          <p:cNvPr id="5" name="Date Placeholder 4"/>
+          <p:cNvSpPr>
+            <a:spLocks noGrp="1"/>
+          </p:cNvSpPr>
+          <p:nvPr>
+            <p:ph type="dt" sz="half" idx="10"/>
+          </p:nvPr>
+        </p:nvSpPr>
+        <p:spPr/>
+        <p:txBody>
+          <a:bodyPr/>
+          <a:lstStyle/>
+          <a:p>
+            <a:fld id="{02756A72-8CA2-4C3A-9175-0CC2DE682E18}" type="datetimeFigureOut">
+              <a:rPr lang="pt-BR" smtClean="0"/>
+              <a:t>23/07/2020</a:t>
+            </a:fld>
+            <a:endParaRPr lang="pt-BR"/>
+          </a:p>
+        </p:txBody>
+      </p:sp>
+      <p:sp>
+        <p:nvSpPr>
+          <p:cNvPr id="6" name="Footer Placeholder 5"/>
+          <p:cNvSpPr>
+            <a:spLocks noGrp="1"/>
+          </p:cNvSpPr>
+          <p:nvPr>
+            <p:ph type="ftr" sz="quarter" idx="11"/>
+          </p:nvPr>
+        </p:nvSpPr>
+        <p:spPr/>
+        <p:txBody>
+          <a:bodyPr/>
+          <a:lstStyle/>
+          <a:p>
+            <a:endParaRPr lang="pt-BR"/>
+          </a:p>
+        </p:txBody>
+      </p:sp>
+      <p:sp>
+        <p:nvSpPr>
+          <p:cNvPr id="7" name="Slide Number Placeholder 6"/>
+          <p:cNvSpPr>
+            <a:spLocks noGrp="1"/>
+          </p:cNvSpPr>
+          <p:nvPr>
+            <p:ph type="sldNum" sz="quarter" idx="12"/>
+          </p:nvPr>
+        </p:nvSpPr>
+        <p:spPr/>
+        <p:txBody>
+          <a:bodyPr/>
+          <a:lstStyle/>
+          <a:p>
+            <a:fld id="{8BAB0C02-9F6D-4A5A-948D-2DDEB1889612}" type="slidenum">
+              <a:rPr lang="pt-BR" smtClean="0"/>
+              <a:t>‹nº›</a:t>
+            </a:fld>
+            <a:endParaRPr lang="pt-BR"/>
+          </a:p>
+        </p:txBody>
+      </p:sp>
+    </p:spTree>
+    <p:extLst>
+      <p:ext uri="{BB962C8B-B14F-4D97-AF65-F5344CB8AC3E}">
+        <p14:creationId xmlns:p14="http://schemas.microsoft.com/office/powerpoint/2010/main" val="2846191585"/>
+      </p:ext>
+    </p:extLst>
+  </p:cSld>
+  <p:clrMapOvr>
+    <a:masterClrMapping/>
+  </p:clrMapOvr>
+</p:sldLayout>
+</file>
+
+<file path=ppt/slideLayouts/slideLayout12.xml><?xml version="1.0" encoding="utf-8"?>
+<p:sldLayout xmlns:a="http://schemas.openxmlformats.org/drawingml/2006/main" xmlns:r="http://schemas.openxmlformats.org/officeDocument/2006/relationships" xmlns:p="http://schemas.openxmlformats.org/presentationml/2006/main" preserve="1">
+  <p:cSld name="Citação com Legenda">
+    <p:spTree>
+      <p:nvGrpSpPr>
+        <p:cNvPr id="1" name=""/>
+        <p:cNvGrpSpPr/>
+        <p:nvPr/>
+      </p:nvGrpSpPr>
+      <p:grpSpPr>
+        <a:xfrm>
+          <a:off x="0" y="0"/>
+          <a:ext cx="0" cy="0"/>
+          <a:chOff x="0" y="0"/>
+          <a:chExt cx="0" cy="0"/>
+        </a:xfrm>
+      </p:grpSpPr>
+      <p:sp>
+        <p:nvSpPr>
+          <p:cNvPr id="2" name="Title 1"/>
+          <p:cNvSpPr>
+            <a:spLocks noGrp="1"/>
+          </p:cNvSpPr>
+          <p:nvPr>
+            <p:ph type="title"/>
+          </p:nvPr>
+        </p:nvSpPr>
+        <p:spPr>
+          <a:xfrm>
+            <a:off x="813494" y="457623"/>
+            <a:ext cx="5232798" cy="2246757"/>
+          </a:xfrm>
+        </p:spPr>
+        <p:txBody>
+          <a:bodyPr anchor="ctr"/>
+          <a:lstStyle>
+            <a:lvl1pPr>
+              <a:defRPr sz="2400"/>
+            </a:lvl1pPr>
+          </a:lstStyle>
+          <a:p>
+            <a:r>
+              <a:rPr lang="pt-BR"/>
+              <a:t>Clique para editar o título Mestre</a:t>
+            </a:r>
+            <a:endParaRPr lang="en-US" dirty="0"/>
+          </a:p>
+        </p:txBody>
+      </p:sp>
+      <p:sp>
+        <p:nvSpPr>
+          <p:cNvPr id="12" name="Text Placeholder 3"/>
+          <p:cNvSpPr>
+            <a:spLocks noGrp="1"/>
+          </p:cNvSpPr>
+          <p:nvPr>
+            <p:ph type="body" sz="half" idx="13"/>
+          </p:nvPr>
+        </p:nvSpPr>
+        <p:spPr>
+          <a:xfrm>
+            <a:off x="967863" y="2710032"/>
+            <a:ext cx="4923168" cy="399932"/>
+          </a:xfrm>
+        </p:spPr>
+        <p:txBody>
+          <a:bodyPr anchor="t">
+            <a:normAutofit/>
+          </a:bodyPr>
+          <a:lstStyle>
+            <a:lvl1pPr marL="0" indent="0" algn="r">
+              <a:buNone/>
+              <a:defRPr sz="1050"/>
+            </a:lvl1pPr>
+            <a:lvl2pPr marL="342900" indent="0">
+              <a:buNone/>
+              <a:defRPr sz="1050"/>
+            </a:lvl2pPr>
+            <a:lvl3pPr marL="685800" indent="0">
+              <a:buNone/>
+              <a:defRPr sz="900"/>
+            </a:lvl3pPr>
+            <a:lvl4pPr marL="1028700" indent="0">
+              <a:buNone/>
+              <a:defRPr sz="750"/>
+            </a:lvl4pPr>
+            <a:lvl5pPr marL="1371600" indent="0">
+              <a:buNone/>
+              <a:defRPr sz="750"/>
+            </a:lvl5pPr>
+            <a:lvl6pPr marL="1714500" indent="0">
+              <a:buNone/>
+              <a:defRPr sz="750"/>
+            </a:lvl6pPr>
+            <a:lvl7pPr marL="2057400" indent="0">
+              <a:buNone/>
+              <a:defRPr sz="750"/>
+            </a:lvl7pPr>
+            <a:lvl8pPr marL="2400300" indent="0">
+              <a:buNone/>
+              <a:defRPr sz="750"/>
+            </a:lvl8pPr>
+            <a:lvl9pPr marL="2743200" indent="0">
+              <a:buNone/>
+              <a:defRPr sz="750"/>
+            </a:lvl9pPr>
+          </a:lstStyle>
+          <a:p>
+            <a:pPr lvl="0"/>
+            <a:r>
+              <a:rPr lang="pt-BR"/>
+              <a:t>Clique para editar os estilos de texto Mestres</a:t>
+            </a:r>
+          </a:p>
+        </p:txBody>
+      </p:sp>
+      <p:sp>
+        <p:nvSpPr>
+          <p:cNvPr id="4" name="Text Placeholder 3"/>
+          <p:cNvSpPr>
+            <a:spLocks noGrp="1"/>
+          </p:cNvSpPr>
+          <p:nvPr>
+            <p:ph type="body" sz="half" idx="2"/>
+          </p:nvPr>
+        </p:nvSpPr>
+        <p:spPr>
+          <a:xfrm>
+            <a:off x="514009" y="3231254"/>
+            <a:ext cx="5823992" cy="1118156"/>
+          </a:xfrm>
+        </p:spPr>
+        <p:txBody>
+          <a:bodyPr anchor="ctr">
+            <a:normAutofit/>
+          </a:bodyPr>
+          <a:lstStyle>
+            <a:lvl1pPr marL="0" indent="0" algn="ctr">
+              <a:buNone/>
+              <a:defRPr sz="1200"/>
+            </a:lvl1pPr>
+            <a:lvl2pPr marL="342900" indent="0">
+              <a:buNone/>
+              <a:defRPr sz="1050"/>
+            </a:lvl2pPr>
+            <a:lvl3pPr marL="685800" indent="0">
+              <a:buNone/>
+              <a:defRPr sz="900"/>
+            </a:lvl3pPr>
+            <a:lvl4pPr marL="1028700" indent="0">
+              <a:buNone/>
+              <a:defRPr sz="750"/>
+            </a:lvl4pPr>
+            <a:lvl5pPr marL="1371600" indent="0">
+              <a:buNone/>
+              <a:defRPr sz="750"/>
+            </a:lvl5pPr>
+            <a:lvl6pPr marL="1714500" indent="0">
+              <a:buNone/>
+              <a:defRPr sz="750"/>
+            </a:lvl6pPr>
+            <a:lvl7pPr marL="2057400" indent="0">
+              <a:buNone/>
+              <a:defRPr sz="750"/>
+            </a:lvl7pPr>
+            <a:lvl8pPr marL="2400300" indent="0">
+              <a:buNone/>
+              <a:defRPr sz="750"/>
+            </a:lvl8pPr>
+            <a:lvl9pPr marL="2743200" indent="0">
+              <a:buNone/>
+              <a:defRPr sz="750"/>
+            </a:lvl9pPr>
+          </a:lstStyle>
+          <a:p>
+            <a:pPr lvl="0"/>
+            <a:r>
+              <a:rPr lang="pt-BR"/>
+              <a:t>Clique para editar os estilos de texto Mestres</a:t>
+            </a:r>
+          </a:p>
+        </p:txBody>
+      </p:sp>
+      <p:sp>
+        <p:nvSpPr>
+          <p:cNvPr id="5" name="Date Placeholder 4"/>
+          <p:cNvSpPr>
+            <a:spLocks noGrp="1"/>
+          </p:cNvSpPr>
+          <p:nvPr>
+            <p:ph type="dt" sz="half" idx="10"/>
+          </p:nvPr>
+        </p:nvSpPr>
+        <p:spPr/>
+        <p:txBody>
+          <a:bodyPr/>
+          <a:lstStyle/>
+          <a:p>
+            <a:fld id="{02756A72-8CA2-4C3A-9175-0CC2DE682E18}" type="datetimeFigureOut">
+              <a:rPr lang="pt-BR" smtClean="0"/>
+              <a:t>23/07/2020</a:t>
+            </a:fld>
+            <a:endParaRPr lang="pt-BR"/>
+          </a:p>
+        </p:txBody>
+      </p:sp>
+      <p:sp>
+        <p:nvSpPr>
+          <p:cNvPr id="6" name="Footer Placeholder 5"/>
+          <p:cNvSpPr>
+            <a:spLocks noGrp="1"/>
+          </p:cNvSpPr>
+          <p:nvPr>
+            <p:ph type="ftr" sz="quarter" idx="11"/>
+          </p:nvPr>
+        </p:nvSpPr>
+        <p:spPr/>
+        <p:txBody>
+          <a:bodyPr/>
+          <a:lstStyle/>
+          <a:p>
+            <a:endParaRPr lang="pt-BR"/>
+          </a:p>
+        </p:txBody>
+      </p:sp>
+      <p:sp>
+        <p:nvSpPr>
+          <p:cNvPr id="7" name="Slide Number Placeholder 6"/>
+          <p:cNvSpPr>
+            <a:spLocks noGrp="1"/>
+          </p:cNvSpPr>
+          <p:nvPr>
+            <p:ph type="sldNum" sz="quarter" idx="12"/>
+          </p:nvPr>
+        </p:nvSpPr>
+        <p:spPr/>
+        <p:txBody>
+          <a:bodyPr/>
+          <a:lstStyle/>
+          <a:p>
+            <a:fld id="{8BAB0C02-9F6D-4A5A-948D-2DDEB1889612}" type="slidenum">
+              <a:rPr lang="pt-BR" smtClean="0"/>
+              <a:t>‹nº›</a:t>
+            </a:fld>
+            <a:endParaRPr lang="pt-BR"/>
+          </a:p>
+        </p:txBody>
+      </p:sp>
+      <p:sp>
+        <p:nvSpPr>
+          <p:cNvPr id="11" name="TextBox 10"/>
+          <p:cNvSpPr txBox="1"/>
+          <p:nvPr/>
+        </p:nvSpPr>
+        <p:spPr>
+          <a:xfrm>
+            <a:off x="470594" y="656041"/>
+            <a:ext cx="342900" cy="438988"/>
+          </a:xfrm>
+          <a:prstGeom prst="rect">
+            <a:avLst/>
+          </a:prstGeom>
+        </p:spPr>
+        <p:txBody>
+          <a:bodyPr vert="horz" lIns="68580" tIns="34290" rIns="68580" bIns="34290" rtlCol="0" anchor="ctr">
+            <a:noAutofit/>
+          </a:bodyPr>
+          <a:lstStyle>
+            <a:lvl1pPr>
+              <a:spcBef>
+                <a:spcPct val="0"/>
+              </a:spcBef>
+              <a:buNone/>
+              <a:defRPr sz="3200" b="0" cap="all">
+                <a:ln w="3175" cmpd="sng">
+                  <a:noFill/>
+                </a:ln>
+                <a:effectLst>
+                  <a:glow rad="38100">
+                    <a:schemeClr val="bg1">
+                      <a:lumMod val="65000"/>
+                      <a:lumOff val="35000"/>
+                      <a:alpha val="40000"/>
+                    </a:schemeClr>
+                  </a:glow>
+                  <a:outerShdw blurRad="28575" dist="38100" dir="14040000" algn="tl" rotWithShape="0">
+                    <a:srgbClr val="000000">
+                      <a:alpha val="25000"/>
+                    </a:srgbClr>
+                  </a:outerShdw>
+                </a:effectLst>
+              </a:defRPr>
+            </a:lvl1pPr>
+            <a:lvl2pPr>
+              <a:defRPr>
+                <a:solidFill>
+                  <a:schemeClr val="tx2"/>
+                </a:solidFill>
+              </a:defRPr>
+            </a:lvl2pPr>
+            <a:lvl3pPr>
+              <a:defRPr>
+                <a:solidFill>
+                  <a:schemeClr val="tx2"/>
+                </a:solidFill>
+              </a:defRPr>
+            </a:lvl3pPr>
+            <a:lvl4pPr>
+              <a:defRPr>
+                <a:solidFill>
+                  <a:schemeClr val="tx2"/>
+                </a:solidFill>
+              </a:defRPr>
+            </a:lvl4pPr>
+            <a:lvl5pPr>
+              <a:defRPr>
+                <a:solidFill>
+                  <a:schemeClr val="tx2"/>
+                </a:solidFill>
+              </a:defRPr>
+            </a:lvl5pPr>
+            <a:lvl6pPr>
+              <a:defRPr>
+                <a:solidFill>
+                  <a:schemeClr val="tx2"/>
+                </a:solidFill>
+              </a:defRPr>
+            </a:lvl6pPr>
+            <a:lvl7pPr>
+              <a:defRPr>
+                <a:solidFill>
+                  <a:schemeClr val="tx2"/>
+                </a:solidFill>
+              </a:defRPr>
+            </a:lvl7pPr>
+            <a:lvl8pPr>
+              <a:defRPr>
+                <a:solidFill>
+                  <a:schemeClr val="tx2"/>
+                </a:solidFill>
+              </a:defRPr>
+            </a:lvl8pPr>
+            <a:lvl9pPr>
+              <a:defRPr>
+                <a:solidFill>
+                  <a:schemeClr val="tx2"/>
+                </a:solidFill>
+              </a:defRPr>
+            </a:lvl9pPr>
+          </a:lstStyle>
+          <a:p>
+            <a:pPr lvl="0"/>
+            <a:r>
+              <a:rPr lang="en-US" sz="6000" dirty="0">
+                <a:solidFill>
+                  <a:schemeClr val="tx1"/>
+                </a:solidFill>
+                <a:effectLst/>
+              </a:rPr>
+              <a:t>“</a:t>
+            </a:r>
+          </a:p>
+        </p:txBody>
+      </p:sp>
+      <p:sp>
+        <p:nvSpPr>
+          <p:cNvPr id="13" name="TextBox 12"/>
+          <p:cNvSpPr txBox="1"/>
+          <p:nvPr/>
+        </p:nvSpPr>
+        <p:spPr>
+          <a:xfrm>
+            <a:off x="5871269" y="2201971"/>
+            <a:ext cx="342900" cy="438988"/>
+          </a:xfrm>
+          <a:prstGeom prst="rect">
+            <a:avLst/>
+          </a:prstGeom>
+        </p:spPr>
+        <p:txBody>
+          <a:bodyPr vert="horz" lIns="68580" tIns="34290" rIns="68580" bIns="34290" rtlCol="0" anchor="ctr">
+            <a:noAutofit/>
+          </a:bodyPr>
+          <a:lstStyle>
+            <a:lvl1pPr>
+              <a:spcBef>
+                <a:spcPct val="0"/>
+              </a:spcBef>
+              <a:buNone/>
+              <a:defRPr sz="3200" b="0" cap="all">
+                <a:ln w="3175" cmpd="sng">
+                  <a:noFill/>
+                </a:ln>
+                <a:effectLst>
+                  <a:glow rad="38100">
+                    <a:schemeClr val="bg1">
+                      <a:lumMod val="65000"/>
+                      <a:lumOff val="35000"/>
+                      <a:alpha val="40000"/>
+                    </a:schemeClr>
+                  </a:glow>
+                  <a:outerShdw blurRad="28575" dist="38100" dir="14040000" algn="tl" rotWithShape="0">
+                    <a:srgbClr val="000000">
+                      <a:alpha val="25000"/>
+                    </a:srgbClr>
+                  </a:outerShdw>
+                </a:effectLst>
+              </a:defRPr>
+            </a:lvl1pPr>
+            <a:lvl2pPr>
+              <a:defRPr>
+                <a:solidFill>
+                  <a:schemeClr val="tx2"/>
+                </a:solidFill>
+              </a:defRPr>
+            </a:lvl2pPr>
+            <a:lvl3pPr>
+              <a:defRPr>
+                <a:solidFill>
+                  <a:schemeClr val="tx2"/>
+                </a:solidFill>
+              </a:defRPr>
+            </a:lvl3pPr>
+            <a:lvl4pPr>
+              <a:defRPr>
+                <a:solidFill>
+                  <a:schemeClr val="tx2"/>
+                </a:solidFill>
+              </a:defRPr>
+            </a:lvl4pPr>
+            <a:lvl5pPr>
+              <a:defRPr>
+                <a:solidFill>
+                  <a:schemeClr val="tx2"/>
+                </a:solidFill>
+              </a:defRPr>
+            </a:lvl5pPr>
+            <a:lvl6pPr>
+              <a:defRPr>
+                <a:solidFill>
+                  <a:schemeClr val="tx2"/>
+                </a:solidFill>
+              </a:defRPr>
+            </a:lvl6pPr>
+            <a:lvl7pPr>
+              <a:defRPr>
+                <a:solidFill>
+                  <a:schemeClr val="tx2"/>
+                </a:solidFill>
+              </a:defRPr>
+            </a:lvl7pPr>
+            <a:lvl8pPr>
+              <a:defRPr>
+                <a:solidFill>
+                  <a:schemeClr val="tx2"/>
+                </a:solidFill>
+              </a:defRPr>
+            </a:lvl8pPr>
+            <a:lvl9pPr>
+              <a:defRPr>
+                <a:solidFill>
+                  <a:schemeClr val="tx2"/>
+                </a:solidFill>
+              </a:defRPr>
+            </a:lvl9pPr>
+          </a:lstStyle>
+          <a:p>
+            <a:pPr lvl="0" algn="r"/>
+            <a:r>
+              <a:rPr lang="en-US" sz="6000" dirty="0">
+                <a:solidFill>
+                  <a:schemeClr val="tx1"/>
+                </a:solidFill>
+                <a:effectLst/>
+              </a:rPr>
+              <a:t>”</a:t>
+            </a:r>
+          </a:p>
+        </p:txBody>
+      </p:sp>
+    </p:spTree>
+    <p:extLst>
+      <p:ext uri="{BB962C8B-B14F-4D97-AF65-F5344CB8AC3E}">
+        <p14:creationId xmlns:p14="http://schemas.microsoft.com/office/powerpoint/2010/main" val="416042711"/>
+      </p:ext>
+    </p:extLst>
+  </p:cSld>
+  <p:clrMapOvr>
+    <a:masterClrMapping/>
+  </p:clrMapOvr>
+</p:sldLayout>
+</file>
+
+<file path=ppt/slideLayouts/slideLayout13.xml><?xml version="1.0" encoding="utf-8"?>
+<p:sldLayout xmlns:a="http://schemas.openxmlformats.org/drawingml/2006/main" xmlns:r="http://schemas.openxmlformats.org/officeDocument/2006/relationships" xmlns:p="http://schemas.openxmlformats.org/presentationml/2006/main" preserve="1">
+  <p:cSld name="Cartão de Nome">
+    <p:spTree>
+      <p:nvGrpSpPr>
+        <p:cNvPr id="1" name=""/>
+        <p:cNvGrpSpPr/>
+        <p:nvPr/>
+      </p:nvGrpSpPr>
+      <p:grpSpPr>
+        <a:xfrm>
+          <a:off x="0" y="0"/>
+          <a:ext cx="0" cy="0"/>
+          <a:chOff x="0" y="0"/>
+          <a:chExt cx="0" cy="0"/>
+        </a:xfrm>
+      </p:grpSpPr>
+      <p:sp>
+        <p:nvSpPr>
+          <p:cNvPr id="2" name="Title 1"/>
+          <p:cNvSpPr>
+            <a:spLocks noGrp="1"/>
+          </p:cNvSpPr>
+          <p:nvPr>
+            <p:ph type="title"/>
+          </p:nvPr>
+        </p:nvSpPr>
+        <p:spPr>
+          <a:xfrm>
+            <a:off x="514009" y="1596685"/>
+            <a:ext cx="5823992" cy="1885621"/>
+          </a:xfrm>
+        </p:spPr>
+        <p:txBody>
+          <a:bodyPr anchor="b"/>
+          <a:lstStyle>
+            <a:lvl1pPr>
+              <a:defRPr sz="2400"/>
+            </a:lvl1pPr>
+          </a:lstStyle>
+          <a:p>
+            <a:r>
+              <a:rPr lang="pt-BR"/>
+              <a:t>Clique para editar o título Mestre</a:t>
+            </a:r>
+            <a:endParaRPr lang="en-US" dirty="0"/>
+          </a:p>
+        </p:txBody>
+      </p:sp>
+      <p:sp>
+        <p:nvSpPr>
+          <p:cNvPr id="4" name="Text Placeholder 3"/>
+          <p:cNvSpPr>
+            <a:spLocks noGrp="1"/>
+          </p:cNvSpPr>
+          <p:nvPr>
+            <p:ph type="body" sz="half" idx="2"/>
+          </p:nvPr>
+        </p:nvSpPr>
+        <p:spPr>
+          <a:xfrm>
+            <a:off x="514005" y="3491147"/>
+            <a:ext cx="5823112" cy="856275"/>
+          </a:xfrm>
+        </p:spPr>
+        <p:txBody>
+          <a:bodyPr anchor="t"/>
+          <a:lstStyle>
+            <a:lvl1pPr marL="0" indent="0" algn="ctr">
+              <a:buNone/>
+              <a:defRPr sz="1200"/>
+            </a:lvl1pPr>
+            <a:lvl2pPr marL="342900" indent="0">
+              <a:buNone/>
+              <a:defRPr sz="1050"/>
+            </a:lvl2pPr>
+            <a:lvl3pPr marL="685800" indent="0">
+              <a:buNone/>
+              <a:defRPr sz="900"/>
+            </a:lvl3pPr>
+            <a:lvl4pPr marL="1028700" indent="0">
+              <a:buNone/>
+              <a:defRPr sz="750"/>
+            </a:lvl4pPr>
+            <a:lvl5pPr marL="1371600" indent="0">
+              <a:buNone/>
+              <a:defRPr sz="750"/>
+            </a:lvl5pPr>
+            <a:lvl6pPr marL="1714500" indent="0">
+              <a:buNone/>
+              <a:defRPr sz="750"/>
+            </a:lvl6pPr>
+            <a:lvl7pPr marL="2057400" indent="0">
+              <a:buNone/>
+              <a:defRPr sz="750"/>
+            </a:lvl7pPr>
+            <a:lvl8pPr marL="2400300" indent="0">
+              <a:buNone/>
+              <a:defRPr sz="750"/>
+            </a:lvl8pPr>
+            <a:lvl9pPr marL="2743200" indent="0">
+              <a:buNone/>
+              <a:defRPr sz="750"/>
+            </a:lvl9pPr>
+          </a:lstStyle>
+          <a:p>
+            <a:pPr lvl="0"/>
+            <a:r>
+              <a:rPr lang="pt-BR"/>
+              <a:t>Clique para editar os estilos de texto Mestres</a:t>
+            </a:r>
+          </a:p>
+        </p:txBody>
+      </p:sp>
+      <p:sp>
+        <p:nvSpPr>
+          <p:cNvPr id="5" name="Date Placeholder 4"/>
+          <p:cNvSpPr>
+            <a:spLocks noGrp="1"/>
+          </p:cNvSpPr>
+          <p:nvPr>
+            <p:ph type="dt" sz="half" idx="10"/>
+          </p:nvPr>
+        </p:nvSpPr>
+        <p:spPr/>
+        <p:txBody>
+          <a:bodyPr/>
+          <a:lstStyle/>
+          <a:p>
+            <a:fld id="{02756A72-8CA2-4C3A-9175-0CC2DE682E18}" type="datetimeFigureOut">
+              <a:rPr lang="pt-BR" smtClean="0"/>
+              <a:t>23/07/2020</a:t>
+            </a:fld>
+            <a:endParaRPr lang="pt-BR"/>
+          </a:p>
+        </p:txBody>
+      </p:sp>
+      <p:sp>
+        <p:nvSpPr>
+          <p:cNvPr id="6" name="Footer Placeholder 5"/>
+          <p:cNvSpPr>
+            <a:spLocks noGrp="1"/>
+          </p:cNvSpPr>
+          <p:nvPr>
+            <p:ph type="ftr" sz="quarter" idx="11"/>
+          </p:nvPr>
+        </p:nvSpPr>
+        <p:spPr/>
+        <p:txBody>
+          <a:bodyPr/>
+          <a:lstStyle/>
+          <a:p>
+            <a:endParaRPr lang="pt-BR"/>
+          </a:p>
+        </p:txBody>
+      </p:sp>
+      <p:sp>
+        <p:nvSpPr>
+          <p:cNvPr id="7" name="Slide Number Placeholder 6"/>
+          <p:cNvSpPr>
+            <a:spLocks noGrp="1"/>
+          </p:cNvSpPr>
+          <p:nvPr>
+            <p:ph type="sldNum" sz="quarter" idx="12"/>
+          </p:nvPr>
+        </p:nvSpPr>
+        <p:spPr/>
+        <p:txBody>
+          <a:bodyPr/>
+          <a:lstStyle/>
+          <a:p>
+            <a:fld id="{8BAB0C02-9F6D-4A5A-948D-2DDEB1889612}" type="slidenum">
+              <a:rPr lang="pt-BR" smtClean="0"/>
+              <a:t>‹nº›</a:t>
+            </a:fld>
+            <a:endParaRPr lang="pt-BR"/>
+          </a:p>
+        </p:txBody>
+      </p:sp>
+    </p:spTree>
+    <p:extLst>
+      <p:ext uri="{BB962C8B-B14F-4D97-AF65-F5344CB8AC3E}">
+        <p14:creationId xmlns:p14="http://schemas.microsoft.com/office/powerpoint/2010/main" val="3949909485"/>
+      </p:ext>
+    </p:extLst>
+  </p:cSld>
+  <p:clrMapOvr>
+    <a:masterClrMapping/>
+  </p:clrMapOvr>
+</p:sldLayout>
+</file>
+
+<file path=ppt/slideLayouts/slideLayout14.xml><?xml version="1.0" encoding="utf-8"?>
+<p:sldLayout xmlns:a="http://schemas.openxmlformats.org/drawingml/2006/main" xmlns:r="http://schemas.openxmlformats.org/officeDocument/2006/relationships" xmlns:p="http://schemas.openxmlformats.org/presentationml/2006/main" preserve="1">
+  <p:cSld name="3 Colunas">
+    <p:spTree>
+      <p:nvGrpSpPr>
+        <p:cNvPr id="1" name=""/>
+        <p:cNvGrpSpPr/>
+        <p:nvPr/>
+      </p:nvGrpSpPr>
+      <p:grpSpPr>
+        <a:xfrm>
+          <a:off x="0" y="0"/>
+          <a:ext cx="0" cy="0"/>
+          <a:chOff x="0" y="0"/>
+          <a:chExt cx="0" cy="0"/>
+        </a:xfrm>
+      </p:grpSpPr>
+      <p:sp>
+        <p:nvSpPr>
+          <p:cNvPr id="15" name="Title 1"/>
+          <p:cNvSpPr>
+            <a:spLocks noGrp="1"/>
+          </p:cNvSpPr>
+          <p:nvPr>
+            <p:ph type="title"/>
+          </p:nvPr>
+        </p:nvSpPr>
+        <p:spPr>
+          <a:xfrm>
+            <a:off x="514009" y="457624"/>
+            <a:ext cx="5823992" cy="728511"/>
+          </a:xfrm>
+        </p:spPr>
+        <p:txBody>
+          <a:bodyPr/>
+          <a:lstStyle/>
+          <a:p>
+            <a:r>
+              <a:rPr lang="pt-BR"/>
+              <a:t>Clique para editar o título Mestre</a:t>
+            </a:r>
+            <a:endParaRPr lang="en-US" dirty="0"/>
+          </a:p>
+        </p:txBody>
+      </p:sp>
+      <p:sp>
+        <p:nvSpPr>
+          <p:cNvPr id="7" name="Text Placeholder 2"/>
+          <p:cNvSpPr>
+            <a:spLocks noGrp="1"/>
+          </p:cNvSpPr>
+          <p:nvPr>
+            <p:ph type="body" idx="1"/>
+          </p:nvPr>
+        </p:nvSpPr>
+        <p:spPr>
+          <a:xfrm>
+            <a:off x="514009" y="1415772"/>
+            <a:ext cx="1856804" cy="432597"/>
+          </a:xfrm>
+        </p:spPr>
+        <p:txBody>
+          <a:bodyPr anchor="b">
+            <a:noAutofit/>
+          </a:bodyPr>
+          <a:lstStyle>
+            <a:lvl1pPr marL="0" indent="0" algn="ctr">
+              <a:buNone/>
+              <a:defRPr sz="1800" b="0">
+                <a:solidFill>
+                  <a:schemeClr val="tx1"/>
+                </a:solidFill>
+              </a:defRPr>
+            </a:lvl1pPr>
+            <a:lvl2pPr marL="342900" indent="0">
+              <a:buNone/>
+              <a:defRPr sz="1500" b="1"/>
+            </a:lvl2pPr>
+            <a:lvl3pPr marL="685800" indent="0">
+              <a:buNone/>
+              <a:defRPr sz="1350" b="1"/>
+            </a:lvl3pPr>
+            <a:lvl4pPr marL="1028700" indent="0">
+              <a:buNone/>
+              <a:defRPr sz="1200" b="1"/>
+            </a:lvl4pPr>
+            <a:lvl5pPr marL="1371600" indent="0">
+              <a:buNone/>
+              <a:defRPr sz="1200" b="1"/>
+            </a:lvl5pPr>
+            <a:lvl6pPr marL="1714500" indent="0">
+              <a:buNone/>
+              <a:defRPr sz="1200" b="1"/>
+            </a:lvl6pPr>
+            <a:lvl7pPr marL="2057400" indent="0">
+              <a:buNone/>
+              <a:defRPr sz="1200" b="1"/>
+            </a:lvl7pPr>
+            <a:lvl8pPr marL="2400300" indent="0">
+              <a:buNone/>
+              <a:defRPr sz="1200" b="1"/>
+            </a:lvl8pPr>
+            <a:lvl9pPr marL="2743200" indent="0">
+              <a:buNone/>
+              <a:defRPr sz="1200" b="1"/>
+            </a:lvl9pPr>
+          </a:lstStyle>
+          <a:p>
+            <a:pPr lvl="0"/>
+            <a:r>
+              <a:rPr lang="pt-BR"/>
+              <a:t>Clique para editar os estilos de texto Mestres</a:t>
+            </a:r>
+          </a:p>
+        </p:txBody>
+      </p:sp>
+      <p:sp>
+        <p:nvSpPr>
+          <p:cNvPr id="8" name="Text Placeholder 3"/>
+          <p:cNvSpPr>
+            <a:spLocks noGrp="1"/>
+          </p:cNvSpPr>
+          <p:nvPr>
+            <p:ph type="body" sz="half" idx="15"/>
+          </p:nvPr>
+        </p:nvSpPr>
+        <p:spPr>
+          <a:xfrm>
+            <a:off x="514009" y="1930599"/>
+            <a:ext cx="1856804" cy="2416823"/>
+          </a:xfrm>
+        </p:spPr>
+        <p:txBody>
+          <a:bodyPr anchor="t">
+            <a:normAutofit/>
+          </a:bodyPr>
+          <a:lstStyle>
+            <a:lvl1pPr marL="0" indent="0" algn="ctr">
+              <a:buNone/>
+              <a:defRPr sz="1050"/>
+            </a:lvl1pPr>
+            <a:lvl2pPr marL="342900" indent="0">
+              <a:buNone/>
+              <a:defRPr sz="900"/>
+            </a:lvl2pPr>
+            <a:lvl3pPr marL="685800" indent="0">
+              <a:buNone/>
+              <a:defRPr sz="750"/>
+            </a:lvl3pPr>
+            <a:lvl4pPr marL="1028700" indent="0">
+              <a:buNone/>
+              <a:defRPr sz="675"/>
+            </a:lvl4pPr>
+            <a:lvl5pPr marL="1371600" indent="0">
+              <a:buNone/>
+              <a:defRPr sz="675"/>
+            </a:lvl5pPr>
+            <a:lvl6pPr marL="1714500" indent="0">
+              <a:buNone/>
+              <a:defRPr sz="675"/>
+            </a:lvl6pPr>
+            <a:lvl7pPr marL="2057400" indent="0">
+              <a:buNone/>
+              <a:defRPr sz="675"/>
+            </a:lvl7pPr>
+            <a:lvl8pPr marL="2400300" indent="0">
+              <a:buNone/>
+              <a:defRPr sz="675"/>
+            </a:lvl8pPr>
+            <a:lvl9pPr marL="2743200" indent="0">
+              <a:buNone/>
+              <a:defRPr sz="675"/>
+            </a:lvl9pPr>
+          </a:lstStyle>
+          <a:p>
+            <a:pPr lvl="0"/>
+            <a:r>
+              <a:rPr lang="pt-BR"/>
+              <a:t>Clique para editar os estilos de texto Mestres</a:t>
+            </a:r>
+          </a:p>
+        </p:txBody>
+      </p:sp>
+      <p:sp>
+        <p:nvSpPr>
+          <p:cNvPr id="9" name="Text Placeholder 4"/>
+          <p:cNvSpPr>
+            <a:spLocks noGrp="1"/>
+          </p:cNvSpPr>
+          <p:nvPr>
+            <p:ph type="body" sz="quarter" idx="3"/>
+          </p:nvPr>
+        </p:nvSpPr>
+        <p:spPr>
+          <a:xfrm>
+            <a:off x="2501275" y="1415772"/>
+            <a:ext cx="1856804" cy="432597"/>
+          </a:xfrm>
+        </p:spPr>
+        <p:txBody>
+          <a:bodyPr anchor="b">
+            <a:noAutofit/>
+          </a:bodyPr>
+          <a:lstStyle>
+            <a:lvl1pPr marL="0" indent="0" algn="ctr">
+              <a:buNone/>
+              <a:defRPr sz="1800" b="0">
+                <a:solidFill>
+                  <a:schemeClr val="tx1"/>
+                </a:solidFill>
+              </a:defRPr>
+            </a:lvl1pPr>
+            <a:lvl2pPr marL="342900" indent="0">
+              <a:buNone/>
+              <a:defRPr sz="1500" b="1"/>
+            </a:lvl2pPr>
+            <a:lvl3pPr marL="685800" indent="0">
+              <a:buNone/>
+              <a:defRPr sz="1350" b="1"/>
+            </a:lvl3pPr>
+            <a:lvl4pPr marL="1028700" indent="0">
+              <a:buNone/>
+              <a:defRPr sz="1200" b="1"/>
+            </a:lvl4pPr>
+            <a:lvl5pPr marL="1371600" indent="0">
+              <a:buNone/>
+              <a:defRPr sz="1200" b="1"/>
+            </a:lvl5pPr>
+            <a:lvl6pPr marL="1714500" indent="0">
+              <a:buNone/>
+              <a:defRPr sz="1200" b="1"/>
+            </a:lvl6pPr>
+            <a:lvl7pPr marL="2057400" indent="0">
+              <a:buNone/>
+              <a:defRPr sz="1200" b="1"/>
+            </a:lvl7pPr>
+            <a:lvl8pPr marL="2400300" indent="0">
+              <a:buNone/>
+              <a:defRPr sz="1200" b="1"/>
+            </a:lvl8pPr>
+            <a:lvl9pPr marL="2743200" indent="0">
+              <a:buNone/>
+              <a:defRPr sz="1200" b="1"/>
+            </a:lvl9pPr>
+          </a:lstStyle>
+          <a:p>
+            <a:pPr lvl="0"/>
+            <a:r>
+              <a:rPr lang="pt-BR"/>
+              <a:t>Clique para editar os estilos de texto Mestres</a:t>
+            </a:r>
+          </a:p>
+        </p:txBody>
+      </p:sp>
+      <p:sp>
+        <p:nvSpPr>
+          <p:cNvPr id="10" name="Text Placeholder 3"/>
+          <p:cNvSpPr>
+            <a:spLocks noGrp="1"/>
+          </p:cNvSpPr>
+          <p:nvPr>
+            <p:ph type="body" sz="half" idx="16"/>
+          </p:nvPr>
+        </p:nvSpPr>
+        <p:spPr>
+          <a:xfrm>
+            <a:off x="2498307" y="1930599"/>
+            <a:ext cx="1856804" cy="2416823"/>
+          </a:xfrm>
+        </p:spPr>
+        <p:txBody>
+          <a:bodyPr anchor="t">
+            <a:normAutofit/>
+          </a:bodyPr>
+          <a:lstStyle>
+            <a:lvl1pPr marL="0" indent="0" algn="ctr">
+              <a:buNone/>
+              <a:defRPr sz="1050"/>
+            </a:lvl1pPr>
+            <a:lvl2pPr marL="342900" indent="0">
+              <a:buNone/>
+              <a:defRPr sz="900"/>
+            </a:lvl2pPr>
+            <a:lvl3pPr marL="685800" indent="0">
+              <a:buNone/>
+              <a:defRPr sz="750"/>
+            </a:lvl3pPr>
+            <a:lvl4pPr marL="1028700" indent="0">
+              <a:buNone/>
+              <a:defRPr sz="675"/>
+            </a:lvl4pPr>
+            <a:lvl5pPr marL="1371600" indent="0">
+              <a:buNone/>
+              <a:defRPr sz="675"/>
+            </a:lvl5pPr>
+            <a:lvl6pPr marL="1714500" indent="0">
+              <a:buNone/>
+              <a:defRPr sz="675"/>
+            </a:lvl6pPr>
+            <a:lvl7pPr marL="2057400" indent="0">
+              <a:buNone/>
+              <a:defRPr sz="675"/>
+            </a:lvl7pPr>
+            <a:lvl8pPr marL="2400300" indent="0">
+              <a:buNone/>
+              <a:defRPr sz="675"/>
+            </a:lvl8pPr>
+            <a:lvl9pPr marL="2743200" indent="0">
+              <a:buNone/>
+              <a:defRPr sz="675"/>
+            </a:lvl9pPr>
+          </a:lstStyle>
+          <a:p>
+            <a:pPr lvl="0"/>
+            <a:r>
+              <a:rPr lang="pt-BR"/>
+              <a:t>Clique para editar os estilos de texto Mestres</a:t>
+            </a:r>
+          </a:p>
+        </p:txBody>
+      </p:sp>
+      <p:sp>
+        <p:nvSpPr>
+          <p:cNvPr id="11" name="Text Placeholder 4"/>
+          <p:cNvSpPr>
+            <a:spLocks noGrp="1"/>
+          </p:cNvSpPr>
+          <p:nvPr>
+            <p:ph type="body" sz="quarter" idx="13"/>
+          </p:nvPr>
+        </p:nvSpPr>
+        <p:spPr>
+          <a:xfrm>
+            <a:off x="4481197" y="1415772"/>
+            <a:ext cx="1856804" cy="432597"/>
+          </a:xfrm>
+        </p:spPr>
+        <p:txBody>
+          <a:bodyPr anchor="b">
+            <a:noAutofit/>
+          </a:bodyPr>
+          <a:lstStyle>
+            <a:lvl1pPr marL="0" indent="0" algn="ctr">
+              <a:buNone/>
+              <a:defRPr sz="1800" b="0">
+                <a:solidFill>
+                  <a:schemeClr val="tx1"/>
+                </a:solidFill>
+              </a:defRPr>
+            </a:lvl1pPr>
+            <a:lvl2pPr marL="342900" indent="0">
+              <a:buNone/>
+              <a:defRPr sz="1500" b="1"/>
+            </a:lvl2pPr>
+            <a:lvl3pPr marL="685800" indent="0">
+              <a:buNone/>
+              <a:defRPr sz="1350" b="1"/>
+            </a:lvl3pPr>
+            <a:lvl4pPr marL="1028700" indent="0">
+              <a:buNone/>
+              <a:defRPr sz="1200" b="1"/>
+            </a:lvl4pPr>
+            <a:lvl5pPr marL="1371600" indent="0">
+              <a:buNone/>
+              <a:defRPr sz="1200" b="1"/>
+            </a:lvl5pPr>
+            <a:lvl6pPr marL="1714500" indent="0">
+              <a:buNone/>
+              <a:defRPr sz="1200" b="1"/>
+            </a:lvl6pPr>
+            <a:lvl7pPr marL="2057400" indent="0">
+              <a:buNone/>
+              <a:defRPr sz="1200" b="1"/>
+            </a:lvl7pPr>
+            <a:lvl8pPr marL="2400300" indent="0">
+              <a:buNone/>
+              <a:defRPr sz="1200" b="1"/>
+            </a:lvl8pPr>
+            <a:lvl9pPr marL="2743200" indent="0">
+              <a:buNone/>
+              <a:defRPr sz="1200" b="1"/>
+            </a:lvl9pPr>
+          </a:lstStyle>
+          <a:p>
+            <a:pPr lvl="0"/>
+            <a:r>
+              <a:rPr lang="pt-BR"/>
+              <a:t>Clique para editar os estilos de texto Mestres</a:t>
+            </a:r>
+          </a:p>
+        </p:txBody>
+      </p:sp>
+      <p:sp>
+        <p:nvSpPr>
+          <p:cNvPr id="12" name="Text Placeholder 3"/>
+          <p:cNvSpPr>
+            <a:spLocks noGrp="1"/>
+          </p:cNvSpPr>
+          <p:nvPr>
+            <p:ph type="body" sz="half" idx="17"/>
+          </p:nvPr>
+        </p:nvSpPr>
+        <p:spPr>
+          <a:xfrm>
+            <a:off x="4481197" y="1930599"/>
+            <a:ext cx="1856804" cy="2416823"/>
+          </a:xfrm>
+        </p:spPr>
+        <p:txBody>
+          <a:bodyPr anchor="t">
+            <a:normAutofit/>
+          </a:bodyPr>
+          <a:lstStyle>
+            <a:lvl1pPr marL="0" indent="0" algn="ctr">
+              <a:buNone/>
+              <a:defRPr sz="1050"/>
+            </a:lvl1pPr>
+            <a:lvl2pPr marL="342900" indent="0">
+              <a:buNone/>
+              <a:defRPr sz="900"/>
+            </a:lvl2pPr>
+            <a:lvl3pPr marL="685800" indent="0">
+              <a:buNone/>
+              <a:defRPr sz="750"/>
+            </a:lvl3pPr>
+            <a:lvl4pPr marL="1028700" indent="0">
+              <a:buNone/>
+              <a:defRPr sz="675"/>
+            </a:lvl4pPr>
+            <a:lvl5pPr marL="1371600" indent="0">
+              <a:buNone/>
+              <a:defRPr sz="675"/>
+            </a:lvl5pPr>
+            <a:lvl6pPr marL="1714500" indent="0">
+              <a:buNone/>
+              <a:defRPr sz="675"/>
+            </a:lvl6pPr>
+            <a:lvl7pPr marL="2057400" indent="0">
+              <a:buNone/>
+              <a:defRPr sz="675"/>
+            </a:lvl7pPr>
+            <a:lvl8pPr marL="2400300" indent="0">
+              <a:buNone/>
+              <a:defRPr sz="675"/>
+            </a:lvl8pPr>
+            <a:lvl9pPr marL="2743200" indent="0">
+              <a:buNone/>
+              <a:defRPr sz="675"/>
+            </a:lvl9pPr>
+          </a:lstStyle>
+          <a:p>
+            <a:pPr lvl="0"/>
+            <a:r>
+              <a:rPr lang="pt-BR"/>
+              <a:t>Clique para editar os estilos de texto Mestres</a:t>
+            </a:r>
+          </a:p>
+        </p:txBody>
+      </p:sp>
+      <p:sp>
+        <p:nvSpPr>
+          <p:cNvPr id="3" name="Date Placeholder 2"/>
+          <p:cNvSpPr>
+            <a:spLocks noGrp="1"/>
+          </p:cNvSpPr>
+          <p:nvPr>
+            <p:ph type="dt" sz="half" idx="10"/>
+          </p:nvPr>
+        </p:nvSpPr>
+        <p:spPr/>
+        <p:txBody>
+          <a:bodyPr/>
+          <a:lstStyle/>
+          <a:p>
+            <a:fld id="{02756A72-8CA2-4C3A-9175-0CC2DE682E18}" type="datetimeFigureOut">
+              <a:rPr lang="pt-BR" smtClean="0"/>
+              <a:t>23/07/2020</a:t>
+            </a:fld>
+            <a:endParaRPr lang="pt-BR"/>
+          </a:p>
+        </p:txBody>
+      </p:sp>
+      <p:sp>
+        <p:nvSpPr>
+          <p:cNvPr id="4" name="Footer Placeholder 3"/>
+          <p:cNvSpPr>
+            <a:spLocks noGrp="1"/>
+          </p:cNvSpPr>
+          <p:nvPr>
+            <p:ph type="ftr" sz="quarter" idx="11"/>
+          </p:nvPr>
+        </p:nvSpPr>
+        <p:spPr/>
+        <p:txBody>
+          <a:bodyPr/>
+          <a:lstStyle/>
+          <a:p>
+            <a:endParaRPr lang="pt-BR"/>
+          </a:p>
+        </p:txBody>
+      </p:sp>
+      <p:sp>
+        <p:nvSpPr>
+          <p:cNvPr id="5" name="Slide Number Placeholder 4"/>
+          <p:cNvSpPr>
+            <a:spLocks noGrp="1"/>
+          </p:cNvSpPr>
+          <p:nvPr>
+            <p:ph type="sldNum" sz="quarter" idx="12"/>
+          </p:nvPr>
+        </p:nvSpPr>
+        <p:spPr/>
+        <p:txBody>
+          <a:bodyPr/>
+          <a:lstStyle/>
+          <a:p>
+            <a:fld id="{8BAB0C02-9F6D-4A5A-948D-2DDEB1889612}" type="slidenum">
+              <a:rPr lang="pt-BR" smtClean="0"/>
+              <a:t>‹nº›</a:t>
+            </a:fld>
+            <a:endParaRPr lang="pt-BR"/>
+          </a:p>
+        </p:txBody>
+      </p:sp>
+    </p:spTree>
+    <p:extLst>
+      <p:ext uri="{BB962C8B-B14F-4D97-AF65-F5344CB8AC3E}">
+        <p14:creationId xmlns:p14="http://schemas.microsoft.com/office/powerpoint/2010/main" val="2217281635"/>
+      </p:ext>
+    </p:extLst>
+  </p:cSld>
+  <p:clrMapOvr>
+    <a:masterClrMapping/>
+  </p:clrMapOvr>
+</p:sldLayout>
+</file>
+
+<file path=ppt/slideLayouts/slideLayout15.xml><?xml version="1.0" encoding="utf-8"?>
+<p:sldLayout xmlns:a="http://schemas.openxmlformats.org/drawingml/2006/main" xmlns:r="http://schemas.openxmlformats.org/officeDocument/2006/relationships" xmlns:p="http://schemas.openxmlformats.org/presentationml/2006/main" preserve="1">
+  <p:cSld name="3 Colunas de Imagem">
+    <p:spTree>
+      <p:nvGrpSpPr>
+        <p:cNvPr id="1" name=""/>
+        <p:cNvGrpSpPr/>
+        <p:nvPr/>
+      </p:nvGrpSpPr>
+      <p:grpSpPr>
+        <a:xfrm>
+          <a:off x="0" y="0"/>
+          <a:ext cx="0" cy="0"/>
+          <a:chOff x="0" y="0"/>
+          <a:chExt cx="0" cy="0"/>
+        </a:xfrm>
+      </p:grpSpPr>
+      <p:pic>
+        <p:nvPicPr>
+          <p:cNvPr id="6" name="Picture 5" descr="Slate-V2-SD-3colPhotoInset.png"/>
+          <p:cNvPicPr>
+            <a:picLocks noChangeAspect="1"/>
+          </p:cNvPicPr>
+          <p:nvPr/>
+        </p:nvPicPr>
+        <p:blipFill>
+          <a:blip r:embed="rId2">
+            <a:extLst>
+              <a:ext uri="{28A0092B-C50C-407E-A947-70E740481C1C}">
+                <a14:useLocalDpi xmlns:a14="http://schemas.microsoft.com/office/drawing/2010/main" val="0"/>
+              </a:ext>
+            </a:extLst>
+          </a:blip>
+          <a:stretch>
+            <a:fillRect/>
+          </a:stretch>
+        </p:blipFill>
+        <p:spPr>
+          <a:xfrm>
+            <a:off x="494429" y="1370802"/>
+            <a:ext cx="1896785" cy="1376442"/>
+          </a:xfrm>
+          <a:prstGeom prst="rect">
+            <a:avLst/>
+          </a:prstGeom>
+        </p:spPr>
+      </p:pic>
+      <p:pic>
+        <p:nvPicPr>
+          <p:cNvPr id="28" name="Picture 27" descr="Slate-V2-SD-3colPhotoInset.png"/>
+          <p:cNvPicPr>
+            <a:picLocks noChangeAspect="1"/>
+          </p:cNvPicPr>
+          <p:nvPr/>
+        </p:nvPicPr>
+        <p:blipFill>
+          <a:blip r:embed="rId2">
+            <a:extLst>
+              <a:ext uri="{28A0092B-C50C-407E-A947-70E740481C1C}">
+                <a14:useLocalDpi xmlns:a14="http://schemas.microsoft.com/office/drawing/2010/main" val="0"/>
+              </a:ext>
+            </a:extLst>
+          </a:blip>
+          <a:stretch>
+            <a:fillRect/>
+          </a:stretch>
+        </p:blipFill>
+        <p:spPr>
+          <a:xfrm>
+            <a:off x="2470360" y="1370802"/>
+            <a:ext cx="1896785" cy="1376442"/>
+          </a:xfrm>
+          <a:prstGeom prst="rect">
+            <a:avLst/>
+          </a:prstGeom>
+        </p:spPr>
+      </p:pic>
+      <p:pic>
+        <p:nvPicPr>
+          <p:cNvPr id="29" name="Picture 28" descr="Slate-V2-SD-3colPhotoInset.png"/>
+          <p:cNvPicPr>
+            <a:picLocks noChangeAspect="1"/>
+          </p:cNvPicPr>
+          <p:nvPr/>
+        </p:nvPicPr>
+        <p:blipFill>
+          <a:blip r:embed="rId2">
+            <a:extLst>
+              <a:ext uri="{28A0092B-C50C-407E-A947-70E740481C1C}">
+                <a14:useLocalDpi xmlns:a14="http://schemas.microsoft.com/office/drawing/2010/main" val="0"/>
+              </a:ext>
+            </a:extLst>
+          </a:blip>
+          <a:stretch>
+            <a:fillRect/>
+          </a:stretch>
+        </p:blipFill>
+        <p:spPr>
+          <a:xfrm>
+            <a:off x="4441286" y="1370802"/>
+            <a:ext cx="1896785" cy="1376442"/>
+          </a:xfrm>
+          <a:prstGeom prst="rect">
+            <a:avLst/>
+          </a:prstGeom>
+        </p:spPr>
+      </p:pic>
+      <p:sp>
+        <p:nvSpPr>
+          <p:cNvPr id="30" name="Title 1"/>
+          <p:cNvSpPr>
+            <a:spLocks noGrp="1"/>
+          </p:cNvSpPr>
+          <p:nvPr>
+            <p:ph type="title"/>
+          </p:nvPr>
+        </p:nvSpPr>
+        <p:spPr>
+          <a:xfrm>
+            <a:off x="514009" y="457624"/>
+            <a:ext cx="5823992" cy="728511"/>
+          </a:xfrm>
+        </p:spPr>
+        <p:txBody>
+          <a:bodyPr/>
+          <a:lstStyle/>
+          <a:p>
+            <a:r>
+              <a:rPr lang="pt-BR"/>
+              <a:t>Clique para editar o título Mestre</a:t>
+            </a:r>
+            <a:endParaRPr lang="en-US" dirty="0"/>
+          </a:p>
+        </p:txBody>
+      </p:sp>
+      <p:sp>
+        <p:nvSpPr>
+          <p:cNvPr id="19" name="Text Placeholder 2"/>
+          <p:cNvSpPr>
+            <a:spLocks noGrp="1"/>
+          </p:cNvSpPr>
+          <p:nvPr>
+            <p:ph type="body" idx="1"/>
+          </p:nvPr>
+        </p:nvSpPr>
+        <p:spPr>
+          <a:xfrm>
+            <a:off x="514009" y="2930791"/>
+            <a:ext cx="1856804" cy="432597"/>
+          </a:xfrm>
+        </p:spPr>
+        <p:txBody>
+          <a:bodyPr anchor="b">
+            <a:noAutofit/>
+          </a:bodyPr>
+          <a:lstStyle>
+            <a:lvl1pPr marL="0" indent="0" algn="ctr">
+              <a:buNone/>
+              <a:defRPr sz="1500" b="0">
+                <a:solidFill>
+                  <a:schemeClr val="tx1"/>
+                </a:solidFill>
+              </a:defRPr>
+            </a:lvl1pPr>
+            <a:lvl2pPr marL="342900" indent="0">
+              <a:buNone/>
+              <a:defRPr sz="1500" b="1"/>
+            </a:lvl2pPr>
+            <a:lvl3pPr marL="685800" indent="0">
+              <a:buNone/>
+              <a:defRPr sz="1350" b="1"/>
+            </a:lvl3pPr>
+            <a:lvl4pPr marL="1028700" indent="0">
+              <a:buNone/>
+              <a:defRPr sz="1200" b="1"/>
+            </a:lvl4pPr>
+            <a:lvl5pPr marL="1371600" indent="0">
+              <a:buNone/>
+              <a:defRPr sz="1200" b="1"/>
+            </a:lvl5pPr>
+            <a:lvl6pPr marL="1714500" indent="0">
+              <a:buNone/>
+              <a:defRPr sz="1200" b="1"/>
+            </a:lvl6pPr>
+            <a:lvl7pPr marL="2057400" indent="0">
+              <a:buNone/>
+              <a:defRPr sz="1200" b="1"/>
+            </a:lvl7pPr>
+            <a:lvl8pPr marL="2400300" indent="0">
+              <a:buNone/>
+              <a:defRPr sz="1200" b="1"/>
+            </a:lvl8pPr>
+            <a:lvl9pPr marL="2743200" indent="0">
+              <a:buNone/>
+              <a:defRPr sz="1200" b="1"/>
+            </a:lvl9pPr>
+          </a:lstStyle>
+          <a:p>
+            <a:pPr lvl="0"/>
+            <a:r>
+              <a:rPr lang="pt-BR"/>
+              <a:t>Clique para editar os estilos de texto Mestres</a:t>
+            </a:r>
+          </a:p>
+        </p:txBody>
+      </p:sp>
+      <p:sp>
+        <p:nvSpPr>
+          <p:cNvPr id="20" name="Picture Placeholder 2"/>
+          <p:cNvSpPr>
+            <a:spLocks noGrp="1" noChangeAspect="1"/>
+          </p:cNvSpPr>
+          <p:nvPr>
+            <p:ph type="pic" idx="15"/>
+          </p:nvPr>
+        </p:nvSpPr>
+        <p:spPr>
+          <a:xfrm>
+            <a:off x="572683" y="1455535"/>
+            <a:ext cx="1739457" cy="1203329"/>
+          </a:xfrm>
+          <a:prstGeom prst="roundRect">
+            <a:avLst>
+              <a:gd name="adj" fmla="val 1858"/>
+            </a:avLst>
+          </a:prstGeom>
+          <a:effectLst>
+            <a:outerShdw blurRad="38100" dist="25400" dir="4440000">
+              <a:srgbClr val="000000">
+                <a:alpha val="36000"/>
+              </a:srgbClr>
+            </a:outerShdw>
+          </a:effectLst>
+        </p:spPr>
+        <p:txBody>
+          <a:bodyPr anchor="t">
+            <a:normAutofit/>
+          </a:bodyPr>
+          <a:lstStyle>
+            <a:lvl1pPr marL="0" indent="0" algn="ctr">
+              <a:buNone/>
+              <a:defRPr sz="1200"/>
+            </a:lvl1pPr>
+            <a:lvl2pPr marL="342900" indent="0">
+              <a:buNone/>
+              <a:defRPr sz="1200"/>
+            </a:lvl2pPr>
+            <a:lvl3pPr marL="685800" indent="0">
+              <a:buNone/>
+              <a:defRPr sz="1200"/>
+            </a:lvl3pPr>
+            <a:lvl4pPr marL="1028700" indent="0">
+              <a:buNone/>
+              <a:defRPr sz="1200"/>
+            </a:lvl4pPr>
+            <a:lvl5pPr marL="1371600" indent="0">
+              <a:buNone/>
+              <a:defRPr sz="1200"/>
+            </a:lvl5pPr>
+            <a:lvl6pPr marL="1714500" indent="0">
+              <a:buNone/>
+              <a:defRPr sz="1200"/>
+            </a:lvl6pPr>
+            <a:lvl7pPr marL="2057400" indent="0">
+              <a:buNone/>
+              <a:defRPr sz="1200"/>
+            </a:lvl7pPr>
+            <a:lvl8pPr marL="2400300" indent="0">
+              <a:buNone/>
+              <a:defRPr sz="1200"/>
+            </a:lvl8pPr>
+            <a:lvl9pPr marL="2743200" indent="0">
+              <a:buNone/>
+              <a:defRPr sz="1200"/>
+            </a:lvl9pPr>
+          </a:lstStyle>
+          <a:p>
+            <a:r>
+              <a:rPr lang="pt-BR"/>
+              <a:t>Clique no ícone para adicionar uma imagem</a:t>
+            </a:r>
+            <a:endParaRPr lang="en-US" dirty="0"/>
+          </a:p>
+        </p:txBody>
+      </p:sp>
+      <p:sp>
+        <p:nvSpPr>
+          <p:cNvPr id="21" name="Text Placeholder 3"/>
+          <p:cNvSpPr>
+            <a:spLocks noGrp="1"/>
+          </p:cNvSpPr>
+          <p:nvPr>
+            <p:ph type="body" sz="half" idx="18"/>
+          </p:nvPr>
+        </p:nvSpPr>
+        <p:spPr>
+          <a:xfrm>
+            <a:off x="514009" y="3363389"/>
+            <a:ext cx="1856804" cy="984035"/>
+          </a:xfrm>
+        </p:spPr>
+        <p:txBody>
+          <a:bodyPr anchor="t">
+            <a:normAutofit/>
+          </a:bodyPr>
+          <a:lstStyle>
+            <a:lvl1pPr marL="0" indent="0" algn="ctr">
+              <a:buNone/>
+              <a:defRPr sz="1050"/>
+            </a:lvl1pPr>
+            <a:lvl2pPr marL="342900" indent="0">
+              <a:buNone/>
+              <a:defRPr sz="900"/>
+            </a:lvl2pPr>
+            <a:lvl3pPr marL="685800" indent="0">
+              <a:buNone/>
+              <a:defRPr sz="750"/>
+            </a:lvl3pPr>
+            <a:lvl4pPr marL="1028700" indent="0">
+              <a:buNone/>
+              <a:defRPr sz="675"/>
+            </a:lvl4pPr>
+            <a:lvl5pPr marL="1371600" indent="0">
+              <a:buNone/>
+              <a:defRPr sz="675"/>
+            </a:lvl5pPr>
+            <a:lvl6pPr marL="1714500" indent="0">
+              <a:buNone/>
+              <a:defRPr sz="675"/>
+            </a:lvl6pPr>
+            <a:lvl7pPr marL="2057400" indent="0">
+              <a:buNone/>
+              <a:defRPr sz="675"/>
+            </a:lvl7pPr>
+            <a:lvl8pPr marL="2400300" indent="0">
+              <a:buNone/>
+              <a:defRPr sz="675"/>
+            </a:lvl8pPr>
+            <a:lvl9pPr marL="2743200" indent="0">
+              <a:buNone/>
+              <a:defRPr sz="675"/>
+            </a:lvl9pPr>
+          </a:lstStyle>
+          <a:p>
+            <a:pPr lvl="0"/>
+            <a:r>
+              <a:rPr lang="pt-BR"/>
+              <a:t>Clique para editar os estilos de texto Mestres</a:t>
+            </a:r>
+          </a:p>
+        </p:txBody>
+      </p:sp>
+      <p:sp>
+        <p:nvSpPr>
+          <p:cNvPr id="22" name="Text Placeholder 4"/>
+          <p:cNvSpPr>
+            <a:spLocks noGrp="1"/>
+          </p:cNvSpPr>
+          <p:nvPr>
+            <p:ph type="body" sz="quarter" idx="3"/>
+          </p:nvPr>
+        </p:nvSpPr>
+        <p:spPr>
+          <a:xfrm>
+            <a:off x="2499068" y="2930791"/>
+            <a:ext cx="1856804" cy="432597"/>
+          </a:xfrm>
+        </p:spPr>
+        <p:txBody>
+          <a:bodyPr anchor="b">
+            <a:noAutofit/>
+          </a:bodyPr>
+          <a:lstStyle>
+            <a:lvl1pPr marL="0" indent="0" algn="ctr">
+              <a:buNone/>
+              <a:defRPr sz="1500" b="0">
+                <a:solidFill>
+                  <a:schemeClr val="tx1"/>
+                </a:solidFill>
+              </a:defRPr>
+            </a:lvl1pPr>
+            <a:lvl2pPr marL="342900" indent="0">
+              <a:buNone/>
+              <a:defRPr sz="1500" b="1"/>
+            </a:lvl2pPr>
+            <a:lvl3pPr marL="685800" indent="0">
+              <a:buNone/>
+              <a:defRPr sz="1350" b="1"/>
+            </a:lvl3pPr>
+            <a:lvl4pPr marL="1028700" indent="0">
+              <a:buNone/>
+              <a:defRPr sz="1200" b="1"/>
+            </a:lvl4pPr>
+            <a:lvl5pPr marL="1371600" indent="0">
+              <a:buNone/>
+              <a:defRPr sz="1200" b="1"/>
+            </a:lvl5pPr>
+            <a:lvl6pPr marL="1714500" indent="0">
+              <a:buNone/>
+              <a:defRPr sz="1200" b="1"/>
+            </a:lvl6pPr>
+            <a:lvl7pPr marL="2057400" indent="0">
+              <a:buNone/>
+              <a:defRPr sz="1200" b="1"/>
+            </a:lvl7pPr>
+            <a:lvl8pPr marL="2400300" indent="0">
+              <a:buNone/>
+              <a:defRPr sz="1200" b="1"/>
+            </a:lvl8pPr>
+            <a:lvl9pPr marL="2743200" indent="0">
+              <a:buNone/>
+              <a:defRPr sz="1200" b="1"/>
+            </a:lvl9pPr>
+          </a:lstStyle>
+          <a:p>
+            <a:pPr lvl="0"/>
+            <a:r>
+              <a:rPr lang="pt-BR"/>
+              <a:t>Clique para editar os estilos de texto Mestres</a:t>
+            </a:r>
+          </a:p>
+        </p:txBody>
+      </p:sp>
+      <p:sp>
+        <p:nvSpPr>
+          <p:cNvPr id="23" name="Picture Placeholder 2"/>
+          <p:cNvSpPr>
+            <a:spLocks noGrp="1" noChangeAspect="1"/>
+          </p:cNvSpPr>
+          <p:nvPr>
+            <p:ph type="pic" idx="21"/>
+          </p:nvPr>
+        </p:nvSpPr>
+        <p:spPr>
+          <a:xfrm>
+            <a:off x="2556980" y="1455667"/>
+            <a:ext cx="1739457" cy="1207240"/>
+          </a:xfrm>
+          <a:prstGeom prst="roundRect">
+            <a:avLst>
+              <a:gd name="adj" fmla="val 1858"/>
+            </a:avLst>
+          </a:prstGeom>
+          <a:effectLst>
+            <a:outerShdw blurRad="38100" dist="25400" dir="4440000">
+              <a:srgbClr val="000000">
+                <a:alpha val="36000"/>
+              </a:srgbClr>
+            </a:outerShdw>
+          </a:effectLst>
+        </p:spPr>
+        <p:txBody>
+          <a:bodyPr anchor="t">
+            <a:normAutofit/>
+          </a:bodyPr>
+          <a:lstStyle>
+            <a:lvl1pPr marL="0" indent="0" algn="ctr">
+              <a:buNone/>
+              <a:defRPr sz="1200"/>
+            </a:lvl1pPr>
+            <a:lvl2pPr marL="342900" indent="0">
+              <a:buNone/>
+              <a:defRPr sz="1200"/>
+            </a:lvl2pPr>
+            <a:lvl3pPr marL="685800" indent="0">
+              <a:buNone/>
+              <a:defRPr sz="1200"/>
+            </a:lvl3pPr>
+            <a:lvl4pPr marL="1028700" indent="0">
+              <a:buNone/>
+              <a:defRPr sz="1200"/>
+            </a:lvl4pPr>
+            <a:lvl5pPr marL="1371600" indent="0">
+              <a:buNone/>
+              <a:defRPr sz="1200"/>
+            </a:lvl5pPr>
+            <a:lvl6pPr marL="1714500" indent="0">
+              <a:buNone/>
+              <a:defRPr sz="1200"/>
+            </a:lvl6pPr>
+            <a:lvl7pPr marL="2057400" indent="0">
+              <a:buNone/>
+              <a:defRPr sz="1200"/>
+            </a:lvl7pPr>
+            <a:lvl8pPr marL="2400300" indent="0">
+              <a:buNone/>
+              <a:defRPr sz="1200"/>
+            </a:lvl8pPr>
+            <a:lvl9pPr marL="2743200" indent="0">
+              <a:buNone/>
+              <a:defRPr sz="1200"/>
+            </a:lvl9pPr>
+          </a:lstStyle>
+          <a:p>
+            <a:r>
+              <a:rPr lang="pt-BR"/>
+              <a:t>Clique no ícone para adicionar uma imagem</a:t>
+            </a:r>
+            <a:endParaRPr lang="en-US" dirty="0"/>
+          </a:p>
+        </p:txBody>
+      </p:sp>
+      <p:sp>
+        <p:nvSpPr>
+          <p:cNvPr id="24" name="Text Placeholder 3"/>
+          <p:cNvSpPr>
+            <a:spLocks noGrp="1"/>
+          </p:cNvSpPr>
+          <p:nvPr>
+            <p:ph type="body" sz="half" idx="19"/>
+          </p:nvPr>
+        </p:nvSpPr>
+        <p:spPr>
+          <a:xfrm>
+            <a:off x="2498307" y="3363388"/>
+            <a:ext cx="1857565" cy="984035"/>
+          </a:xfrm>
+        </p:spPr>
+        <p:txBody>
+          <a:bodyPr anchor="t">
+            <a:normAutofit/>
+          </a:bodyPr>
+          <a:lstStyle>
+            <a:lvl1pPr marL="0" indent="0" algn="ctr">
+              <a:buNone/>
+              <a:defRPr sz="1050"/>
+            </a:lvl1pPr>
+            <a:lvl2pPr marL="342900" indent="0">
+              <a:buNone/>
+              <a:defRPr sz="900"/>
+            </a:lvl2pPr>
+            <a:lvl3pPr marL="685800" indent="0">
+              <a:buNone/>
+              <a:defRPr sz="750"/>
+            </a:lvl3pPr>
+            <a:lvl4pPr marL="1028700" indent="0">
+              <a:buNone/>
+              <a:defRPr sz="675"/>
+            </a:lvl4pPr>
+            <a:lvl5pPr marL="1371600" indent="0">
+              <a:buNone/>
+              <a:defRPr sz="675"/>
+            </a:lvl5pPr>
+            <a:lvl6pPr marL="1714500" indent="0">
+              <a:buNone/>
+              <a:defRPr sz="675"/>
+            </a:lvl6pPr>
+            <a:lvl7pPr marL="2057400" indent="0">
+              <a:buNone/>
+              <a:defRPr sz="675"/>
+            </a:lvl7pPr>
+            <a:lvl8pPr marL="2400300" indent="0">
+              <a:buNone/>
+              <a:defRPr sz="675"/>
+            </a:lvl8pPr>
+            <a:lvl9pPr marL="2743200" indent="0">
+              <a:buNone/>
+              <a:defRPr sz="675"/>
+            </a:lvl9pPr>
+          </a:lstStyle>
+          <a:p>
+            <a:pPr lvl="0"/>
+            <a:r>
+              <a:rPr lang="pt-BR"/>
+              <a:t>Clique para editar os estilos de texto Mestres</a:t>
+            </a:r>
+          </a:p>
+        </p:txBody>
+      </p:sp>
+      <p:sp>
+        <p:nvSpPr>
+          <p:cNvPr id="25" name="Text Placeholder 4"/>
+          <p:cNvSpPr>
+            <a:spLocks noGrp="1"/>
+          </p:cNvSpPr>
+          <p:nvPr>
+            <p:ph type="body" sz="quarter" idx="13"/>
+          </p:nvPr>
+        </p:nvSpPr>
+        <p:spPr>
+          <a:xfrm>
+            <a:off x="4481267" y="2930791"/>
+            <a:ext cx="1856804" cy="432597"/>
+          </a:xfrm>
+        </p:spPr>
+        <p:txBody>
+          <a:bodyPr anchor="b">
+            <a:noAutofit/>
+          </a:bodyPr>
+          <a:lstStyle>
+            <a:lvl1pPr marL="0" indent="0" algn="ctr">
+              <a:buNone/>
+              <a:defRPr sz="1500" b="0">
+                <a:solidFill>
+                  <a:schemeClr val="tx1"/>
+                </a:solidFill>
+              </a:defRPr>
+            </a:lvl1pPr>
+            <a:lvl2pPr marL="342900" indent="0">
+              <a:buNone/>
+              <a:defRPr sz="1500" b="1"/>
+            </a:lvl2pPr>
+            <a:lvl3pPr marL="685800" indent="0">
+              <a:buNone/>
+              <a:defRPr sz="1350" b="1"/>
+            </a:lvl3pPr>
+            <a:lvl4pPr marL="1028700" indent="0">
+              <a:buNone/>
+              <a:defRPr sz="1200" b="1"/>
+            </a:lvl4pPr>
+            <a:lvl5pPr marL="1371600" indent="0">
+              <a:buNone/>
+              <a:defRPr sz="1200" b="1"/>
+            </a:lvl5pPr>
+            <a:lvl6pPr marL="1714500" indent="0">
+              <a:buNone/>
+              <a:defRPr sz="1200" b="1"/>
+            </a:lvl6pPr>
+            <a:lvl7pPr marL="2057400" indent="0">
+              <a:buNone/>
+              <a:defRPr sz="1200" b="1"/>
+            </a:lvl7pPr>
+            <a:lvl8pPr marL="2400300" indent="0">
+              <a:buNone/>
+              <a:defRPr sz="1200" b="1"/>
+            </a:lvl8pPr>
+            <a:lvl9pPr marL="2743200" indent="0">
+              <a:buNone/>
+              <a:defRPr sz="1200" b="1"/>
+            </a:lvl9pPr>
+          </a:lstStyle>
+          <a:p>
+            <a:pPr lvl="0"/>
+            <a:r>
+              <a:rPr lang="pt-BR"/>
+              <a:t>Clique para editar os estilos de texto Mestres</a:t>
+            </a:r>
+          </a:p>
+        </p:txBody>
+      </p:sp>
+      <p:sp>
+        <p:nvSpPr>
+          <p:cNvPr id="26" name="Picture Placeholder 2"/>
+          <p:cNvSpPr>
+            <a:spLocks noGrp="1" noChangeAspect="1"/>
+          </p:cNvSpPr>
+          <p:nvPr>
+            <p:ph type="pic" idx="22"/>
+          </p:nvPr>
+        </p:nvSpPr>
+        <p:spPr>
+          <a:xfrm>
+            <a:off x="4542581" y="1452167"/>
+            <a:ext cx="1739457" cy="1206587"/>
+          </a:xfrm>
+          <a:prstGeom prst="roundRect">
+            <a:avLst>
+              <a:gd name="adj" fmla="val 1858"/>
+            </a:avLst>
+          </a:prstGeom>
+          <a:effectLst>
+            <a:outerShdw blurRad="38100" dist="25400" dir="4440000">
+              <a:srgbClr val="000000">
+                <a:alpha val="36000"/>
+              </a:srgbClr>
+            </a:outerShdw>
+          </a:effectLst>
+        </p:spPr>
+        <p:txBody>
+          <a:bodyPr anchor="t">
+            <a:normAutofit/>
+          </a:bodyPr>
+          <a:lstStyle>
+            <a:lvl1pPr marL="0" indent="0" algn="ctr">
+              <a:buNone/>
+              <a:defRPr sz="1200"/>
+            </a:lvl1pPr>
+            <a:lvl2pPr marL="342900" indent="0">
+              <a:buNone/>
+              <a:defRPr sz="1200"/>
+            </a:lvl2pPr>
+            <a:lvl3pPr marL="685800" indent="0">
+              <a:buNone/>
+              <a:defRPr sz="1200"/>
+            </a:lvl3pPr>
+            <a:lvl4pPr marL="1028700" indent="0">
+              <a:buNone/>
+              <a:defRPr sz="1200"/>
+            </a:lvl4pPr>
+            <a:lvl5pPr marL="1371600" indent="0">
+              <a:buNone/>
+              <a:defRPr sz="1200"/>
+            </a:lvl5pPr>
+            <a:lvl6pPr marL="1714500" indent="0">
+              <a:buNone/>
+              <a:defRPr sz="1200"/>
+            </a:lvl6pPr>
+            <a:lvl7pPr marL="2057400" indent="0">
+              <a:buNone/>
+              <a:defRPr sz="1200"/>
+            </a:lvl7pPr>
+            <a:lvl8pPr marL="2400300" indent="0">
+              <a:buNone/>
+              <a:defRPr sz="1200"/>
+            </a:lvl8pPr>
+            <a:lvl9pPr marL="2743200" indent="0">
+              <a:buNone/>
+              <a:defRPr sz="1200"/>
+            </a:lvl9pPr>
+          </a:lstStyle>
+          <a:p>
+            <a:r>
+              <a:rPr lang="pt-BR"/>
+              <a:t>Clique no ícone para adicionar uma imagem</a:t>
+            </a:r>
+            <a:endParaRPr lang="en-US" dirty="0"/>
+          </a:p>
+        </p:txBody>
+      </p:sp>
+      <p:sp>
+        <p:nvSpPr>
+          <p:cNvPr id="27" name="Text Placeholder 3"/>
+          <p:cNvSpPr>
+            <a:spLocks noGrp="1"/>
+          </p:cNvSpPr>
+          <p:nvPr>
+            <p:ph type="body" sz="half" idx="20"/>
+          </p:nvPr>
+        </p:nvSpPr>
+        <p:spPr>
+          <a:xfrm>
+            <a:off x="4481197" y="3363386"/>
+            <a:ext cx="1856804" cy="984037"/>
+          </a:xfrm>
+        </p:spPr>
+        <p:txBody>
+          <a:bodyPr anchor="t">
+            <a:normAutofit/>
+          </a:bodyPr>
+          <a:lstStyle>
+            <a:lvl1pPr marL="0" indent="0" algn="ctr">
+              <a:buNone/>
+              <a:defRPr sz="1050"/>
+            </a:lvl1pPr>
+            <a:lvl2pPr marL="342900" indent="0">
+              <a:buNone/>
+              <a:defRPr sz="900"/>
+            </a:lvl2pPr>
+            <a:lvl3pPr marL="685800" indent="0">
+              <a:buNone/>
+              <a:defRPr sz="750"/>
+            </a:lvl3pPr>
+            <a:lvl4pPr marL="1028700" indent="0">
+              <a:buNone/>
+              <a:defRPr sz="675"/>
+            </a:lvl4pPr>
+            <a:lvl5pPr marL="1371600" indent="0">
+              <a:buNone/>
+              <a:defRPr sz="675"/>
+            </a:lvl5pPr>
+            <a:lvl6pPr marL="1714500" indent="0">
+              <a:buNone/>
+              <a:defRPr sz="675"/>
+            </a:lvl6pPr>
+            <a:lvl7pPr marL="2057400" indent="0">
+              <a:buNone/>
+              <a:defRPr sz="675"/>
+            </a:lvl7pPr>
+            <a:lvl8pPr marL="2400300" indent="0">
+              <a:buNone/>
+              <a:defRPr sz="675"/>
+            </a:lvl8pPr>
+            <a:lvl9pPr marL="2743200" indent="0">
+              <a:buNone/>
+              <a:defRPr sz="675"/>
+            </a:lvl9pPr>
+          </a:lstStyle>
+          <a:p>
+            <a:pPr lvl="0"/>
+            <a:r>
+              <a:rPr lang="pt-BR"/>
+              <a:t>Clique para editar os estilos de texto Mestres</a:t>
+            </a:r>
+          </a:p>
+        </p:txBody>
+      </p:sp>
+      <p:sp>
+        <p:nvSpPr>
+          <p:cNvPr id="3" name="Date Placeholder 2"/>
+          <p:cNvSpPr>
+            <a:spLocks noGrp="1"/>
+          </p:cNvSpPr>
+          <p:nvPr>
+            <p:ph type="dt" sz="half" idx="10"/>
+          </p:nvPr>
+        </p:nvSpPr>
+        <p:spPr/>
+        <p:txBody>
+          <a:bodyPr/>
+          <a:lstStyle/>
+          <a:p>
+            <a:fld id="{02756A72-8CA2-4C3A-9175-0CC2DE682E18}" type="datetimeFigureOut">
+              <a:rPr lang="pt-BR" smtClean="0"/>
+              <a:t>23/07/2020</a:t>
+            </a:fld>
+            <a:endParaRPr lang="pt-BR"/>
+          </a:p>
+        </p:txBody>
+      </p:sp>
+      <p:sp>
+        <p:nvSpPr>
+          <p:cNvPr id="4" name="Footer Placeholder 3"/>
+          <p:cNvSpPr>
+            <a:spLocks noGrp="1"/>
+          </p:cNvSpPr>
+          <p:nvPr>
+            <p:ph type="ftr" sz="quarter" idx="11"/>
+          </p:nvPr>
+        </p:nvSpPr>
+        <p:spPr/>
+        <p:txBody>
+          <a:bodyPr/>
+          <a:lstStyle/>
+          <a:p>
+            <a:endParaRPr lang="pt-BR"/>
+          </a:p>
+        </p:txBody>
+      </p:sp>
+      <p:sp>
+        <p:nvSpPr>
+          <p:cNvPr id="5" name="Slide Number Placeholder 4"/>
+          <p:cNvSpPr>
+            <a:spLocks noGrp="1"/>
+          </p:cNvSpPr>
+          <p:nvPr>
+            <p:ph type="sldNum" sz="quarter" idx="12"/>
+          </p:nvPr>
+        </p:nvSpPr>
+        <p:spPr/>
+        <p:txBody>
+          <a:bodyPr/>
+          <a:lstStyle/>
+          <a:p>
+            <a:fld id="{8BAB0C02-9F6D-4A5A-948D-2DDEB1889612}" type="slidenum">
+              <a:rPr lang="pt-BR" smtClean="0"/>
+              <a:t>‹nº›</a:t>
+            </a:fld>
+            <a:endParaRPr lang="pt-BR"/>
+          </a:p>
+        </p:txBody>
+      </p:sp>
+    </p:spTree>
+    <p:extLst>
+      <p:ext uri="{BB962C8B-B14F-4D97-AF65-F5344CB8AC3E}">
+        <p14:creationId xmlns:p14="http://schemas.microsoft.com/office/powerpoint/2010/main" val="2331397925"/>
+      </p:ext>
+    </p:extLst>
+  </p:cSld>
+  <p:clrMapOvr>
+    <a:masterClrMapping/>
+  </p:clrMapOvr>
+</p:sldLayout>
+</file>
+
+<file path=ppt/slideLayouts/slideLayout16.xml><?xml version="1.0" encoding="utf-8"?>
 <p:sldLayout xmlns:a="http://schemas.openxmlformats.org/drawingml/2006/main" xmlns:r="http://schemas.openxmlformats.org/officeDocument/2006/relationships" xmlns:p="http://schemas.openxmlformats.org/presentationml/2006/main" type="vertTx" preserve="1">
   <p:cSld name="Título e Texto Vertical">
     <p:spTree>
@@ -351,7 +2994,7 @@
         </p:nvSpPr>
         <p:spPr/>
         <p:txBody>
-          <a:bodyPr vert="eaVert"/>
+          <a:bodyPr vert="eaVert" anchor="t"/>
           <a:lstStyle/>
           <a:p>
             <a:pPr lvl="0"/>
@@ -408,7 +3051,7 @@
           <a:p>
             <a:fld id="{02756A72-8CA2-4C3A-9175-0CC2DE682E18}" type="datetimeFigureOut">
               <a:rPr lang="pt-BR" smtClean="0"/>
-              <a:t>23/06/2020</a:t>
+              <a:t>23/07/2020</a:t>
             </a:fld>
             <a:endParaRPr lang="pt-BR"/>
           </a:p>
@@ -459,7 +3102,7 @@
     </p:spTree>
     <p:extLst>
       <p:ext uri="{BB962C8B-B14F-4D97-AF65-F5344CB8AC3E}">
-        <p14:creationId xmlns:p14="http://schemas.microsoft.com/office/powerpoint/2010/main" val="209452417"/>
+        <p14:creationId xmlns:p14="http://schemas.microsoft.com/office/powerpoint/2010/main" val="2208362056"/>
       </p:ext>
     </p:extLst>
   </p:cSld>
@@ -469,7 +3112,7 @@
 </p:sldLayout>
 </file>
 
-<file path=ppt/slideLayouts/slideLayout11.xml><?xml version="1.0" encoding="utf-8"?>
+<file path=ppt/slideLayouts/slideLayout17.xml><?xml version="1.0" encoding="utf-8"?>
 <p:sldLayout xmlns:a="http://schemas.openxmlformats.org/drawingml/2006/main" xmlns:r="http://schemas.openxmlformats.org/officeDocument/2006/relationships" xmlns:p="http://schemas.openxmlformats.org/presentationml/2006/main" type="vertTitleAndTx" preserve="1">
   <p:cSld name="Texto e Título Vertical">
     <p:spTree>
@@ -498,13 +3141,17 @@
         </p:nvSpPr>
         <p:spPr>
           <a:xfrm>
-            <a:off x="4907757" y="274097"/>
-            <a:ext cx="1478756" cy="4362915"/>
+            <a:off x="5052977" y="457624"/>
+            <a:ext cx="1285024" cy="3889799"/>
           </a:xfrm>
         </p:spPr>
         <p:txBody>
           <a:bodyPr vert="eaVert"/>
-          <a:lstStyle/>
+          <a:lstStyle>
+            <a:lvl1pPr algn="l">
+              <a:defRPr/>
+            </a:lvl1pPr>
+          </a:lstStyle>
           <a:p>
             <a:r>
               <a:rPr lang="pt-BR"/>
@@ -526,12 +3173,12 @@
         </p:nvSpPr>
         <p:spPr>
           <a:xfrm>
-            <a:off x="471488" y="274097"/>
-            <a:ext cx="4350544" cy="4362915"/>
+            <a:off x="514010" y="457624"/>
+            <a:ext cx="4453241" cy="3889799"/>
           </a:xfrm>
         </p:spPr>
         <p:txBody>
-          <a:bodyPr vert="eaVert"/>
+          <a:bodyPr vert="eaVert" anchor="t"/>
           <a:lstStyle/>
           <a:p>
             <a:pPr lvl="0"/>
@@ -588,7 +3235,7 @@
           <a:p>
             <a:fld id="{02756A72-8CA2-4C3A-9175-0CC2DE682E18}" type="datetimeFigureOut">
               <a:rPr lang="pt-BR" smtClean="0"/>
-              <a:t>23/06/2020</a:t>
+              <a:t>23/07/2020</a:t>
             </a:fld>
             <a:endParaRPr lang="pt-BR"/>
           </a:p>
@@ -639,7 +3286,7 @@
     </p:spTree>
     <p:extLst>
       <p:ext uri="{BB962C8B-B14F-4D97-AF65-F5344CB8AC3E}">
-        <p14:creationId xmlns:p14="http://schemas.microsoft.com/office/powerpoint/2010/main" val="2293178617"/>
+        <p14:creationId xmlns:p14="http://schemas.microsoft.com/office/powerpoint/2010/main" val="265473788"/>
       </p:ext>
     </p:extLst>
   </p:cSld>
@@ -758,7 +3405,7 @@
           <a:p>
             <a:fld id="{02756A72-8CA2-4C3A-9175-0CC2DE682E18}" type="datetimeFigureOut">
               <a:rPr lang="pt-BR" smtClean="0"/>
-              <a:t>23/06/2020</a:t>
+              <a:t>23/07/2020</a:t>
             </a:fld>
             <a:endParaRPr lang="pt-BR"/>
           </a:p>
@@ -809,7 +3456,7 @@
     </p:spTree>
     <p:extLst>
       <p:ext uri="{BB962C8B-B14F-4D97-AF65-F5344CB8AC3E}">
-        <p14:creationId xmlns:p14="http://schemas.microsoft.com/office/powerpoint/2010/main" val="3210507009"/>
+        <p14:creationId xmlns:p14="http://schemas.microsoft.com/office/powerpoint/2010/main" val="1394992022"/>
       </p:ext>
     </p:extLst>
   </p:cSld>
@@ -848,15 +3495,15 @@
         </p:nvSpPr>
         <p:spPr>
           <a:xfrm>
-            <a:off x="467916" y="1283492"/>
-            <a:ext cx="5915025" cy="2141534"/>
+            <a:off x="728664" y="1322024"/>
+            <a:ext cx="5394685" cy="1372880"/>
           </a:xfrm>
         </p:spPr>
         <p:txBody>
           <a:bodyPr anchor="b"/>
           <a:lstStyle>
-            <a:lvl1pPr>
-              <a:defRPr sz="4500"/>
+            <a:lvl1pPr algn="ctr">
+              <a:defRPr sz="3000" b="0" cap="none"/>
             </a:lvl1pPr>
           </a:lstStyle>
           <a:p>
@@ -880,16 +3527,16 @@
         </p:nvSpPr>
         <p:spPr>
           <a:xfrm>
-            <a:off x="467916" y="3445286"/>
-            <a:ext cx="5915025" cy="1126182"/>
+            <a:off x="728664" y="2694903"/>
+            <a:ext cx="5394685" cy="1131337"/>
           </a:xfrm>
         </p:spPr>
         <p:txBody>
-          <a:bodyPr/>
+          <a:bodyPr anchor="t"/>
           <a:lstStyle>
-            <a:lvl1pPr marL="0" indent="0">
-              <a:buNone/>
-              <a:defRPr sz="1800">
+            <a:lvl1pPr marL="0" indent="0" algn="ctr">
+              <a:buNone/>
+              <a:defRPr sz="1500">
                 <a:solidFill>
                   <a:schemeClr val="tx1"/>
                 </a:solidFill>
@@ -897,7 +3544,7 @@
             </a:lvl1pPr>
             <a:lvl2pPr marL="342900" indent="0">
               <a:buNone/>
-              <a:defRPr sz="1500">
+              <a:defRPr sz="1350">
                 <a:solidFill>
                   <a:schemeClr val="tx1">
                     <a:tint val="75000"/>
@@ -907,7 +3554,7 @@
             </a:lvl2pPr>
             <a:lvl3pPr marL="685800" indent="0">
               <a:buNone/>
-              <a:defRPr sz="1350">
+              <a:defRPr sz="1200">
                 <a:solidFill>
                   <a:schemeClr val="tx1">
                     <a:tint val="75000"/>
@@ -917,7 +3564,7 @@
             </a:lvl3pPr>
             <a:lvl4pPr marL="1028700" indent="0">
               <a:buNone/>
-              <a:defRPr sz="1200">
+              <a:defRPr sz="1050">
                 <a:solidFill>
                   <a:schemeClr val="tx1">
                     <a:tint val="75000"/>
@@ -927,7 +3574,7 @@
             </a:lvl4pPr>
             <a:lvl5pPr marL="1371600" indent="0">
               <a:buNone/>
-              <a:defRPr sz="1200">
+              <a:defRPr sz="1050">
                 <a:solidFill>
                   <a:schemeClr val="tx1">
                     <a:tint val="75000"/>
@@ -937,7 +3584,7 @@
             </a:lvl5pPr>
             <a:lvl6pPr marL="1714500" indent="0">
               <a:buNone/>
-              <a:defRPr sz="1200">
+              <a:defRPr sz="1050">
                 <a:solidFill>
                   <a:schemeClr val="tx1">
                     <a:tint val="75000"/>
@@ -947,7 +3594,7 @@
             </a:lvl6pPr>
             <a:lvl7pPr marL="2057400" indent="0">
               <a:buNone/>
-              <a:defRPr sz="1200">
+              <a:defRPr sz="1050">
                 <a:solidFill>
                   <a:schemeClr val="tx1">
                     <a:tint val="75000"/>
@@ -957,7 +3604,7 @@
             </a:lvl7pPr>
             <a:lvl8pPr marL="2400300" indent="0">
               <a:buNone/>
-              <a:defRPr sz="1200">
+              <a:defRPr sz="1050">
                 <a:solidFill>
                   <a:schemeClr val="tx1">
                     <a:tint val="75000"/>
@@ -967,7 +3614,7 @@
             </a:lvl8pPr>
             <a:lvl9pPr marL="2743200" indent="0">
               <a:buNone/>
-              <a:defRPr sz="1200">
+              <a:defRPr sz="1050">
                 <a:solidFill>
                   <a:schemeClr val="tx1">
                     <a:tint val="75000"/>
@@ -1002,7 +3649,7 @@
           <a:p>
             <a:fld id="{02756A72-8CA2-4C3A-9175-0CC2DE682E18}" type="datetimeFigureOut">
               <a:rPr lang="pt-BR" smtClean="0"/>
-              <a:t>23/06/2020</a:t>
+              <a:t>23/07/2020</a:t>
             </a:fld>
             <a:endParaRPr lang="pt-BR"/>
           </a:p>
@@ -1053,7 +3700,7 @@
     </p:spTree>
     <p:extLst>
       <p:ext uri="{BB962C8B-B14F-4D97-AF65-F5344CB8AC3E}">
-        <p14:creationId xmlns:p14="http://schemas.microsoft.com/office/powerpoint/2010/main" val="1247230279"/>
+        <p14:creationId xmlns:p14="http://schemas.microsoft.com/office/powerpoint/2010/main" val="530330170"/>
       </p:ext>
     </p:extLst>
   </p:cSld>
@@ -1115,12 +3762,14 @@
         </p:nvSpPr>
         <p:spPr>
           <a:xfrm>
-            <a:off x="471488" y="1370486"/>
-            <a:ext cx="2914650" cy="3266526"/>
+            <a:off x="514011" y="1300540"/>
+            <a:ext cx="2846530" cy="3046881"/>
           </a:xfrm>
         </p:spPr>
         <p:txBody>
-          <a:bodyPr/>
+          <a:bodyPr anchor="t">
+            <a:normAutofit/>
+          </a:bodyPr>
           <a:lstStyle/>
           <a:p>
             <a:pPr lvl="0"/>
@@ -1172,12 +3821,14 @@
         </p:nvSpPr>
         <p:spPr>
           <a:xfrm>
-            <a:off x="3471863" y="1370486"/>
-            <a:ext cx="2914650" cy="3266526"/>
+            <a:off x="3489127" y="1300541"/>
+            <a:ext cx="2848874" cy="3046882"/>
           </a:xfrm>
         </p:spPr>
         <p:txBody>
-          <a:bodyPr/>
+          <a:bodyPr anchor="t">
+            <a:normAutofit/>
+          </a:bodyPr>
           <a:lstStyle/>
           <a:p>
             <a:pPr lvl="0"/>
@@ -1234,7 +3885,7 @@
           <a:p>
             <a:fld id="{02756A72-8CA2-4C3A-9175-0CC2DE682E18}" type="datetimeFigureOut">
               <a:rPr lang="pt-BR" smtClean="0"/>
-              <a:t>23/06/2020</a:t>
+              <a:t>23/07/2020</a:t>
             </a:fld>
             <a:endParaRPr lang="pt-BR"/>
           </a:p>
@@ -1285,7 +3936,7 @@
     </p:spTree>
     <p:extLst>
       <p:ext uri="{BB962C8B-B14F-4D97-AF65-F5344CB8AC3E}">
-        <p14:creationId xmlns:p14="http://schemas.microsoft.com/office/powerpoint/2010/main" val="3751159064"/>
+        <p14:creationId xmlns:p14="http://schemas.microsoft.com/office/powerpoint/2010/main" val="2670923992"/>
       </p:ext>
     </p:extLst>
   </p:cSld>
@@ -1312,56 +3963,117 @@
           <a:chExt cx="0" cy="0"/>
         </a:xfrm>
       </p:grpSpPr>
-      <p:sp>
-        <p:nvSpPr>
-          <p:cNvPr id="2" name="Title 1"/>
-          <p:cNvSpPr>
-            <a:spLocks noGrp="1"/>
-          </p:cNvSpPr>
-          <p:nvPr>
-            <p:ph type="title"/>
-          </p:nvPr>
-        </p:nvSpPr>
+      <p:pic>
+        <p:nvPicPr>
+          <p:cNvPr id="10" name="Picture 9" descr="Slate-V2-SD-compPhotoInset.png"/>
+          <p:cNvPicPr>
+            <a:picLocks noChangeAspect="1"/>
+          </p:cNvPicPr>
+          <p:nvPr/>
+        </p:nvPicPr>
+        <p:blipFill>
+          <a:blip r:embed="rId2">
+            <a:extLst>
+              <a:ext uri="{28A0092B-C50C-407E-A947-70E740481C1C}">
+                <a14:useLocalDpi xmlns:a14="http://schemas.microsoft.com/office/drawing/2010/main" val="0"/>
+              </a:ext>
+            </a:extLst>
+          </a:blip>
+          <a:stretch>
+            <a:fillRect/>
+          </a:stretch>
+        </p:blipFill>
         <p:spPr>
           <a:xfrm>
-            <a:off x="472381" y="274098"/>
-            <a:ext cx="5915025" cy="995093"/>
+            <a:off x="514009" y="1328972"/>
+            <a:ext cx="2840567" cy="3087571"/>
+          </a:xfrm>
+          <a:prstGeom prst="rect">
+            <a:avLst/>
+          </a:prstGeom>
+        </p:spPr>
+      </p:pic>
+      <p:pic>
+        <p:nvPicPr>
+          <p:cNvPr id="14" name="Picture 13" descr="Slate-V2-SD-compPhotoInset.png"/>
+          <p:cNvPicPr>
+            <a:picLocks noChangeAspect="1"/>
+          </p:cNvPicPr>
+          <p:nvPr/>
+        </p:nvPicPr>
+        <p:blipFill>
+          <a:blip r:embed="rId2">
+            <a:extLst>
+              <a:ext uri="{28A0092B-C50C-407E-A947-70E740481C1C}">
+                <a14:useLocalDpi xmlns:a14="http://schemas.microsoft.com/office/drawing/2010/main" val="0"/>
+              </a:ext>
+            </a:extLst>
+          </a:blip>
+          <a:stretch>
+            <a:fillRect/>
+          </a:stretch>
+        </p:blipFill>
+        <p:spPr>
+          <a:xfrm>
+            <a:off x="3497434" y="1328972"/>
+            <a:ext cx="2840567" cy="3087571"/>
+          </a:xfrm>
+          <a:prstGeom prst="rect">
+            <a:avLst/>
+          </a:prstGeom>
+        </p:spPr>
+      </p:pic>
+      <p:sp>
+        <p:nvSpPr>
+          <p:cNvPr id="2" name="Title 1"/>
+          <p:cNvSpPr>
+            <a:spLocks noGrp="1"/>
+          </p:cNvSpPr>
+          <p:nvPr>
+            <p:ph type="title"/>
+          </p:nvPr>
+        </p:nvSpPr>
+        <p:spPr/>
+        <p:txBody>
+          <a:bodyPr/>
+          <a:lstStyle>
+            <a:lvl1pPr>
+              <a:defRPr/>
+            </a:lvl1pPr>
+          </a:lstStyle>
+          <a:p>
+            <a:r>
+              <a:rPr lang="pt-BR"/>
+              <a:t>Clique para editar o título Mestre</a:t>
+            </a:r>
+            <a:endParaRPr lang="en-US" dirty="0"/>
+          </a:p>
+        </p:txBody>
+      </p:sp>
+      <p:sp>
+        <p:nvSpPr>
+          <p:cNvPr id="3" name="Text Placeholder 2"/>
+          <p:cNvSpPr>
+            <a:spLocks noGrp="1"/>
+          </p:cNvSpPr>
+          <p:nvPr>
+            <p:ph type="body" idx="1"/>
+          </p:nvPr>
+        </p:nvSpPr>
+        <p:spPr>
+          <a:xfrm>
+            <a:off x="565803" y="1377715"/>
+            <a:ext cx="2742944" cy="409041"/>
           </a:xfrm>
         </p:spPr>
         <p:txBody>
-          <a:bodyPr/>
-          <a:lstStyle/>
-          <a:p>
-            <a:r>
-              <a:rPr lang="pt-BR"/>
-              <a:t>Clique para editar o título Mestre</a:t>
-            </a:r>
-            <a:endParaRPr lang="en-US" dirty="0"/>
-          </a:p>
-        </p:txBody>
-      </p:sp>
-      <p:sp>
-        <p:nvSpPr>
-          <p:cNvPr id="3" name="Text Placeholder 2"/>
-          <p:cNvSpPr>
-            <a:spLocks noGrp="1"/>
-          </p:cNvSpPr>
-          <p:nvPr>
-            <p:ph type="body" idx="1"/>
-          </p:nvPr>
-        </p:nvSpPr>
-        <p:spPr>
-          <a:xfrm>
-            <a:off x="472381" y="1262040"/>
-            <a:ext cx="2901255" cy="618506"/>
-          </a:xfrm>
-        </p:spPr>
-        <p:txBody>
-          <a:bodyPr anchor="b"/>
+          <a:bodyPr anchor="b">
+            <a:noAutofit/>
+          </a:bodyPr>
           <a:lstStyle>
-            <a:lvl1pPr marL="0" indent="0">
-              <a:buNone/>
-              <a:defRPr sz="1800" b="1"/>
+            <a:lvl1pPr marL="0" indent="0" algn="ctr">
+              <a:buNone/>
+              <a:defRPr sz="1800" b="0"/>
             </a:lvl1pPr>
             <a:lvl2pPr marL="342900" indent="0">
               <a:buNone/>
@@ -1417,13 +4129,31 @@
         </p:nvSpPr>
         <p:spPr>
           <a:xfrm>
-            <a:off x="472381" y="1880546"/>
-            <a:ext cx="2901255" cy="2766000"/>
+            <a:off x="565803" y="1786757"/>
+            <a:ext cx="2742944" cy="2560666"/>
           </a:xfrm>
         </p:spPr>
         <p:txBody>
-          <a:bodyPr/>
-          <a:lstStyle/>
+          <a:bodyPr anchor="t">
+            <a:normAutofit/>
+          </a:bodyPr>
+          <a:lstStyle>
+            <a:lvl1pPr>
+              <a:defRPr sz="1350"/>
+            </a:lvl1pPr>
+            <a:lvl2pPr>
+              <a:defRPr sz="1200"/>
+            </a:lvl2pPr>
+            <a:lvl3pPr>
+              <a:defRPr sz="1050"/>
+            </a:lvl3pPr>
+            <a:lvl4pPr>
+              <a:defRPr sz="900"/>
+            </a:lvl4pPr>
+            <a:lvl5pPr>
+              <a:defRPr sz="900"/>
+            </a:lvl5pPr>
+          </a:lstStyle>
           <a:p>
             <a:pPr lvl="0"/>
             <a:r>
@@ -1474,16 +4204,18 @@
         </p:nvSpPr>
         <p:spPr>
           <a:xfrm>
-            <a:off x="3471863" y="1262040"/>
-            <a:ext cx="2915543" cy="618506"/>
+            <a:off x="3540919" y="1377716"/>
+            <a:ext cx="2753624" cy="409041"/>
           </a:xfrm>
         </p:spPr>
         <p:txBody>
-          <a:bodyPr anchor="b"/>
+          <a:bodyPr anchor="b">
+            <a:noAutofit/>
+          </a:bodyPr>
           <a:lstStyle>
-            <a:lvl1pPr marL="0" indent="0">
-              <a:buNone/>
-              <a:defRPr sz="1800" b="1"/>
+            <a:lvl1pPr marL="0" indent="0" algn="ctr">
+              <a:buNone/>
+              <a:defRPr sz="1800" b="0"/>
             </a:lvl1pPr>
             <a:lvl2pPr marL="342900" indent="0">
               <a:buNone/>
@@ -1539,13 +4271,31 @@
         </p:nvSpPr>
         <p:spPr>
           <a:xfrm>
-            <a:off x="3471863" y="1880546"/>
-            <a:ext cx="2915543" cy="2766000"/>
+            <a:off x="3540919" y="1786757"/>
+            <a:ext cx="2753624" cy="2560666"/>
           </a:xfrm>
         </p:spPr>
         <p:txBody>
-          <a:bodyPr/>
-          <a:lstStyle/>
+          <a:bodyPr anchor="t">
+            <a:normAutofit/>
+          </a:bodyPr>
+          <a:lstStyle>
+            <a:lvl1pPr>
+              <a:defRPr sz="1350"/>
+            </a:lvl1pPr>
+            <a:lvl2pPr>
+              <a:defRPr sz="1200"/>
+            </a:lvl2pPr>
+            <a:lvl3pPr>
+              <a:defRPr sz="1050"/>
+            </a:lvl3pPr>
+            <a:lvl4pPr>
+              <a:defRPr sz="900"/>
+            </a:lvl4pPr>
+            <a:lvl5pPr>
+              <a:defRPr sz="900"/>
+            </a:lvl5pPr>
+          </a:lstStyle>
           <a:p>
             <a:pPr lvl="0"/>
             <a:r>
@@ -1601,7 +4351,7 @@
           <a:p>
             <a:fld id="{02756A72-8CA2-4C3A-9175-0CC2DE682E18}" type="datetimeFigureOut">
               <a:rPr lang="pt-BR" smtClean="0"/>
-              <a:t>23/06/2020</a:t>
+              <a:t>23/07/2020</a:t>
             </a:fld>
             <a:endParaRPr lang="pt-BR"/>
           </a:p>
@@ -1652,7 +4402,7 @@
     </p:spTree>
     <p:extLst>
       <p:ext uri="{BB962C8B-B14F-4D97-AF65-F5344CB8AC3E}">
-        <p14:creationId xmlns:p14="http://schemas.microsoft.com/office/powerpoint/2010/main" val="1334109881"/>
+        <p14:creationId xmlns:p14="http://schemas.microsoft.com/office/powerpoint/2010/main" val="1439224424"/>
       </p:ext>
     </p:extLst>
   </p:cSld>
@@ -1719,7 +4469,7 @@
           <a:p>
             <a:fld id="{02756A72-8CA2-4C3A-9175-0CC2DE682E18}" type="datetimeFigureOut">
               <a:rPr lang="pt-BR" smtClean="0"/>
-              <a:t>23/06/2020</a:t>
+              <a:t>23/07/2020</a:t>
             </a:fld>
             <a:endParaRPr lang="pt-BR"/>
           </a:p>
@@ -1770,7 +4520,7 @@
     </p:spTree>
     <p:extLst>
       <p:ext uri="{BB962C8B-B14F-4D97-AF65-F5344CB8AC3E}">
-        <p14:creationId xmlns:p14="http://schemas.microsoft.com/office/powerpoint/2010/main" val="434487642"/>
+        <p14:creationId xmlns:p14="http://schemas.microsoft.com/office/powerpoint/2010/main" val="225715391"/>
       </p:ext>
     </p:extLst>
   </p:cSld>
@@ -1814,7 +4564,7 @@
           <a:p>
             <a:fld id="{02756A72-8CA2-4C3A-9175-0CC2DE682E18}" type="datetimeFigureOut">
               <a:rPr lang="pt-BR" smtClean="0"/>
-              <a:t>23/06/2020</a:t>
+              <a:t>23/07/2020</a:t>
             </a:fld>
             <a:endParaRPr lang="pt-BR"/>
           </a:p>
@@ -1865,7 +4615,7 @@
     </p:spTree>
     <p:extLst>
       <p:ext uri="{BB962C8B-B14F-4D97-AF65-F5344CB8AC3E}">
-        <p14:creationId xmlns:p14="http://schemas.microsoft.com/office/powerpoint/2010/main" val="3519630878"/>
+        <p14:creationId xmlns:p14="http://schemas.microsoft.com/office/powerpoint/2010/main" val="3028918786"/>
       </p:ext>
     </p:extLst>
   </p:cSld>
@@ -1904,15 +4654,17 @@
         </p:nvSpPr>
         <p:spPr>
           <a:xfrm>
-            <a:off x="472381" y="343218"/>
-            <a:ext cx="2211884" cy="1201261"/>
+            <a:off x="514011" y="457623"/>
+            <a:ext cx="2085125" cy="1367704"/>
           </a:xfrm>
         </p:spPr>
         <p:txBody>
-          <a:bodyPr anchor="b"/>
+          <a:bodyPr anchor="b">
+            <a:normAutofit/>
+          </a:bodyPr>
           <a:lstStyle>
-            <a:lvl1pPr>
-              <a:defRPr sz="2400"/>
+            <a:lvl1pPr algn="ctr">
+              <a:defRPr sz="1800" b="0"/>
             </a:lvl1pPr>
           </a:lstStyle>
           <a:p>
@@ -1936,41 +4688,15 @@
         </p:nvSpPr>
         <p:spPr>
           <a:xfrm>
-            <a:off x="2915543" y="741255"/>
-            <a:ext cx="3471863" cy="3658604"/>
+            <a:off x="2731294" y="457623"/>
+            <a:ext cx="3606707" cy="3889799"/>
           </a:xfrm>
         </p:spPr>
         <p:txBody>
-          <a:bodyPr/>
-          <a:lstStyle>
-            <a:lvl1pPr>
-              <a:defRPr sz="2400"/>
-            </a:lvl1pPr>
-            <a:lvl2pPr>
-              <a:defRPr sz="2100"/>
-            </a:lvl2pPr>
-            <a:lvl3pPr>
-              <a:defRPr sz="1800"/>
-            </a:lvl3pPr>
-            <a:lvl4pPr>
-              <a:defRPr sz="1500"/>
-            </a:lvl4pPr>
-            <a:lvl5pPr>
-              <a:defRPr sz="1500"/>
-            </a:lvl5pPr>
-            <a:lvl6pPr>
-              <a:defRPr sz="1500"/>
-            </a:lvl6pPr>
-            <a:lvl7pPr>
-              <a:defRPr sz="1500"/>
-            </a:lvl7pPr>
-            <a:lvl8pPr>
-              <a:defRPr sz="1500"/>
-            </a:lvl8pPr>
-            <a:lvl9pPr>
-              <a:defRPr sz="1500"/>
-            </a:lvl9pPr>
-          </a:lstStyle>
+          <a:bodyPr>
+            <a:normAutofit/>
+          </a:bodyPr>
+          <a:lstStyle/>
           <a:p>
             <a:pPr lvl="0"/>
             <a:r>
@@ -2021,48 +4747,50 @@
         </p:nvSpPr>
         <p:spPr>
           <a:xfrm>
-            <a:off x="472381" y="1544479"/>
-            <a:ext cx="2211884" cy="2861338"/>
+            <a:off x="514011" y="1825328"/>
+            <a:ext cx="2085125" cy="2522094"/>
           </a:xfrm>
         </p:spPr>
         <p:txBody>
-          <a:bodyPr/>
+          <a:bodyPr anchor="t">
+            <a:normAutofit/>
+          </a:bodyPr>
           <a:lstStyle>
-            <a:lvl1pPr marL="0" indent="0">
+            <a:lvl1pPr marL="0" indent="0" algn="ctr">
               <a:buNone/>
               <a:defRPr sz="1200"/>
             </a:lvl1pPr>
             <a:lvl2pPr marL="342900" indent="0">
               <a:buNone/>
-              <a:defRPr sz="1050"/>
+              <a:defRPr sz="900"/>
             </a:lvl2pPr>
             <a:lvl3pPr marL="685800" indent="0">
               <a:buNone/>
-              <a:defRPr sz="900"/>
+              <a:defRPr sz="750"/>
             </a:lvl3pPr>
             <a:lvl4pPr marL="1028700" indent="0">
               <a:buNone/>
-              <a:defRPr sz="750"/>
+              <a:defRPr sz="675"/>
             </a:lvl4pPr>
             <a:lvl5pPr marL="1371600" indent="0">
               <a:buNone/>
-              <a:defRPr sz="750"/>
+              <a:defRPr sz="675"/>
             </a:lvl5pPr>
             <a:lvl6pPr marL="1714500" indent="0">
               <a:buNone/>
-              <a:defRPr sz="750"/>
+              <a:defRPr sz="675"/>
             </a:lvl6pPr>
             <a:lvl7pPr marL="2057400" indent="0">
               <a:buNone/>
-              <a:defRPr sz="750"/>
+              <a:defRPr sz="675"/>
             </a:lvl7pPr>
             <a:lvl8pPr marL="2400300" indent="0">
               <a:buNone/>
-              <a:defRPr sz="750"/>
+              <a:defRPr sz="675"/>
             </a:lvl8pPr>
             <a:lvl9pPr marL="2743200" indent="0">
               <a:buNone/>
-              <a:defRPr sz="750"/>
+              <a:defRPr sz="675"/>
             </a:lvl9pPr>
           </a:lstStyle>
           <a:p>
@@ -2091,7 +4819,7 @@
           <a:p>
             <a:fld id="{02756A72-8CA2-4C3A-9175-0CC2DE682E18}" type="datetimeFigureOut">
               <a:rPr lang="pt-BR" smtClean="0"/>
-              <a:t>23/06/2020</a:t>
+              <a:t>23/07/2020</a:t>
             </a:fld>
             <a:endParaRPr lang="pt-BR"/>
           </a:p>
@@ -2142,7 +4870,7 @@
     </p:spTree>
     <p:extLst>
       <p:ext uri="{BB962C8B-B14F-4D97-AF65-F5344CB8AC3E}">
-        <p14:creationId xmlns:p14="http://schemas.microsoft.com/office/powerpoint/2010/main" val="2797576908"/>
+        <p14:creationId xmlns:p14="http://schemas.microsoft.com/office/powerpoint/2010/main" val="698847357"/>
       </p:ext>
     </p:extLst>
   </p:cSld>
@@ -2169,27 +4897,59 @@
           <a:chExt cx="0" cy="0"/>
         </a:xfrm>
       </p:grpSpPr>
-      <p:sp>
-        <p:nvSpPr>
-          <p:cNvPr id="2" name="Title 1"/>
-          <p:cNvSpPr>
-            <a:spLocks noGrp="1"/>
-          </p:cNvSpPr>
-          <p:nvPr>
-            <p:ph type="title"/>
-          </p:nvPr>
-        </p:nvSpPr>
+      <p:pic>
+        <p:nvPicPr>
+          <p:cNvPr id="12" name="Picture 11" descr="Slate-V2-SD-vertPhotoInset.png"/>
+          <p:cNvPicPr>
+            <a:picLocks noChangeAspect="1"/>
+          </p:cNvPicPr>
+          <p:nvPr/>
+        </p:nvPicPr>
+        <p:blipFill>
+          <a:blip r:embed="rId2">
+            <a:extLst>
+              <a:ext uri="{28A0092B-C50C-407E-A947-70E740481C1C}">
+                <a14:useLocalDpi xmlns:a14="http://schemas.microsoft.com/office/drawing/2010/main" val="0"/>
+              </a:ext>
+            </a:extLst>
+          </a:blip>
+          <a:stretch>
+            <a:fillRect/>
+          </a:stretch>
+        </p:blipFill>
         <p:spPr>
           <a:xfrm>
-            <a:off x="472381" y="343218"/>
-            <a:ext cx="2211884" cy="1201261"/>
+            <a:off x="3633740" y="457866"/>
+            <a:ext cx="2571110" cy="3907719"/>
+          </a:xfrm>
+          <a:prstGeom prst="rect">
+            <a:avLst/>
+          </a:prstGeom>
+        </p:spPr>
+      </p:pic>
+      <p:sp>
+        <p:nvSpPr>
+          <p:cNvPr id="2" name="Title 1"/>
+          <p:cNvSpPr>
+            <a:spLocks noGrp="1"/>
+          </p:cNvSpPr>
+          <p:nvPr>
+            <p:ph type="title"/>
+          </p:nvPr>
+        </p:nvSpPr>
+        <p:spPr>
+          <a:xfrm>
+            <a:off x="514010" y="457866"/>
+            <a:ext cx="2943507" cy="1373274"/>
           </a:xfrm>
         </p:spPr>
         <p:txBody>
-          <a:bodyPr anchor="b"/>
+          <a:bodyPr anchor="b">
+            <a:noAutofit/>
+          </a:bodyPr>
           <a:lstStyle>
-            <a:lvl1pPr>
-              <a:defRPr sz="2400"/>
+            <a:lvl1pPr algn="ctr">
+              <a:defRPr sz="2400" b="0"/>
             </a:lvl1pPr>
           </a:lstStyle>
           <a:p>
@@ -2213,116 +4973,127 @@
         </p:nvSpPr>
         <p:spPr>
           <a:xfrm>
-            <a:off x="2915543" y="741255"/>
-            <a:ext cx="3471863" cy="3658604"/>
+            <a:off x="3732547" y="558508"/>
+            <a:ext cx="2374031" cy="3688029"/>
           </a:xfrm>
+          <a:effectLst>
+            <a:outerShdw blurRad="38100" dist="25400" dir="4440000">
+              <a:srgbClr val="000000">
+                <a:alpha val="36000"/>
+              </a:srgbClr>
+            </a:outerShdw>
+          </a:effectLst>
         </p:spPr>
         <p:txBody>
-          <a:bodyPr anchor="t"/>
+          <a:bodyPr anchor="t">
+            <a:normAutofit/>
+          </a:bodyPr>
           <a:lstStyle>
-            <a:lvl1pPr marL="0" indent="0">
-              <a:buNone/>
-              <a:defRPr sz="2400"/>
-            </a:lvl1pPr>
-            <a:lvl2pPr marL="342900" indent="0">
-              <a:buNone/>
-              <a:defRPr sz="2100"/>
-            </a:lvl2pPr>
-            <a:lvl3pPr marL="685800" indent="0">
-              <a:buNone/>
-              <a:defRPr sz="1800"/>
-            </a:lvl3pPr>
-            <a:lvl4pPr marL="1028700" indent="0">
-              <a:buNone/>
-              <a:defRPr sz="1500"/>
-            </a:lvl4pPr>
-            <a:lvl5pPr marL="1371600" indent="0">
-              <a:buNone/>
-              <a:defRPr sz="1500"/>
-            </a:lvl5pPr>
-            <a:lvl6pPr marL="1714500" indent="0">
-              <a:buNone/>
-              <a:defRPr sz="1500"/>
-            </a:lvl6pPr>
-            <a:lvl7pPr marL="2057400" indent="0">
-              <a:buNone/>
-              <a:defRPr sz="1500"/>
-            </a:lvl7pPr>
-            <a:lvl8pPr marL="2400300" indent="0">
-              <a:buNone/>
-              <a:defRPr sz="1500"/>
-            </a:lvl8pPr>
-            <a:lvl9pPr marL="2743200" indent="0">
-              <a:buNone/>
-              <a:defRPr sz="1500"/>
-            </a:lvl9pPr>
-          </a:lstStyle>
-          <a:p>
-            <a:r>
-              <a:rPr lang="pt-BR"/>
-              <a:t>Clique no ícone para adicionar uma imagem</a:t>
-            </a:r>
-            <a:endParaRPr lang="en-US" dirty="0"/>
-          </a:p>
-        </p:txBody>
-      </p:sp>
-      <p:sp>
-        <p:nvSpPr>
-          <p:cNvPr id="4" name="Text Placeholder 3"/>
-          <p:cNvSpPr>
-            <a:spLocks noGrp="1"/>
-          </p:cNvSpPr>
-          <p:nvPr>
-            <p:ph type="body" sz="half" idx="2"/>
-          </p:nvPr>
-        </p:nvSpPr>
-        <p:spPr>
-          <a:xfrm>
-            <a:off x="472381" y="1544479"/>
-            <a:ext cx="2211884" cy="2861338"/>
-          </a:xfrm>
-        </p:spPr>
-        <p:txBody>
-          <a:bodyPr/>
-          <a:lstStyle>
-            <a:lvl1pPr marL="0" indent="0">
+            <a:lvl1pPr marL="0" indent="0" algn="ctr">
               <a:buNone/>
               <a:defRPr sz="1200"/>
             </a:lvl1pPr>
             <a:lvl2pPr marL="342900" indent="0">
               <a:buNone/>
-              <a:defRPr sz="1050"/>
+              <a:defRPr sz="1200"/>
             </a:lvl2pPr>
             <a:lvl3pPr marL="685800" indent="0">
               <a:buNone/>
-              <a:defRPr sz="900"/>
+              <a:defRPr sz="1200"/>
             </a:lvl3pPr>
             <a:lvl4pPr marL="1028700" indent="0">
               <a:buNone/>
-              <a:defRPr sz="750"/>
+              <a:defRPr sz="1200"/>
             </a:lvl4pPr>
             <a:lvl5pPr marL="1371600" indent="0">
               <a:buNone/>
-              <a:defRPr sz="750"/>
+              <a:defRPr sz="1200"/>
             </a:lvl5pPr>
             <a:lvl6pPr marL="1714500" indent="0">
               <a:buNone/>
-              <a:defRPr sz="750"/>
+              <a:defRPr sz="1200"/>
             </a:lvl6pPr>
             <a:lvl7pPr marL="2057400" indent="0">
               <a:buNone/>
-              <a:defRPr sz="750"/>
+              <a:defRPr sz="1200"/>
             </a:lvl7pPr>
             <a:lvl8pPr marL="2400300" indent="0">
               <a:buNone/>
-              <a:defRPr sz="750"/>
+              <a:defRPr sz="1200"/>
             </a:lvl8pPr>
             <a:lvl9pPr marL="2743200" indent="0">
               <a:buNone/>
-              <a:defRPr sz="750"/>
+              <a:defRPr sz="1200"/>
             </a:lvl9pPr>
           </a:lstStyle>
           <a:p>
+            <a:r>
+              <a:rPr lang="pt-BR"/>
+              <a:t>Clique no ícone para adicionar uma imagem</a:t>
+            </a:r>
+            <a:endParaRPr lang="en-US" dirty="0"/>
+          </a:p>
+        </p:txBody>
+      </p:sp>
+      <p:sp>
+        <p:nvSpPr>
+          <p:cNvPr id="4" name="Text Placeholder 3"/>
+          <p:cNvSpPr>
+            <a:spLocks noGrp="1"/>
+          </p:cNvSpPr>
+          <p:nvPr>
+            <p:ph type="body" sz="half" idx="2"/>
+          </p:nvPr>
+        </p:nvSpPr>
+        <p:spPr>
+          <a:xfrm>
+            <a:off x="514010" y="1831140"/>
+            <a:ext cx="2943507" cy="2534445"/>
+          </a:xfrm>
+        </p:spPr>
+        <p:txBody>
+          <a:bodyPr anchor="t">
+            <a:normAutofit/>
+          </a:bodyPr>
+          <a:lstStyle>
+            <a:lvl1pPr marL="0" indent="0" algn="ctr">
+              <a:buNone/>
+              <a:defRPr sz="1200"/>
+            </a:lvl1pPr>
+            <a:lvl2pPr marL="342900" indent="0">
+              <a:buNone/>
+              <a:defRPr sz="900"/>
+            </a:lvl2pPr>
+            <a:lvl3pPr marL="685800" indent="0">
+              <a:buNone/>
+              <a:defRPr sz="750"/>
+            </a:lvl3pPr>
+            <a:lvl4pPr marL="1028700" indent="0">
+              <a:buNone/>
+              <a:defRPr sz="675"/>
+            </a:lvl4pPr>
+            <a:lvl5pPr marL="1371600" indent="0">
+              <a:buNone/>
+              <a:defRPr sz="675"/>
+            </a:lvl5pPr>
+            <a:lvl6pPr marL="1714500" indent="0">
+              <a:buNone/>
+              <a:defRPr sz="675"/>
+            </a:lvl6pPr>
+            <a:lvl7pPr marL="2057400" indent="0">
+              <a:buNone/>
+              <a:defRPr sz="675"/>
+            </a:lvl7pPr>
+            <a:lvl8pPr marL="2400300" indent="0">
+              <a:buNone/>
+              <a:defRPr sz="675"/>
+            </a:lvl8pPr>
+            <a:lvl9pPr marL="2743200" indent="0">
+              <a:buNone/>
+              <a:defRPr sz="675"/>
+            </a:lvl9pPr>
+          </a:lstStyle>
+          <a:p>
             <a:pPr lvl="0"/>
             <a:r>
               <a:rPr lang="pt-BR"/>
@@ -2348,7 +5119,7 @@
           <a:p>
             <a:fld id="{02756A72-8CA2-4C3A-9175-0CC2DE682E18}" type="datetimeFigureOut">
               <a:rPr lang="pt-BR" smtClean="0"/>
-              <a:t>23/06/2020</a:t>
+              <a:t>23/07/2020</a:t>
             </a:fld>
             <a:endParaRPr lang="pt-BR"/>
           </a:p>
@@ -2399,7 +5170,7 @@
     </p:spTree>
     <p:extLst>
       <p:ext uri="{BB962C8B-B14F-4D97-AF65-F5344CB8AC3E}">
-        <p14:creationId xmlns:p14="http://schemas.microsoft.com/office/powerpoint/2010/main" val="1533401159"/>
+        <p14:creationId xmlns:p14="http://schemas.microsoft.com/office/powerpoint/2010/main" val="3150751871"/>
       </p:ext>
     </p:extLst>
   </p:cSld>
@@ -2413,8 +5184,8 @@
 <p:sldMaster xmlns:a="http://schemas.openxmlformats.org/drawingml/2006/main" xmlns:r="http://schemas.openxmlformats.org/officeDocument/2006/relationships" xmlns:p="http://schemas.openxmlformats.org/presentationml/2006/main">
   <p:cSld>
     <p:bg>
-      <p:bgRef idx="1001">
-        <a:schemeClr val="bg1"/>
+      <p:bgRef idx="1003">
+        <a:schemeClr val="bg2"/>
       </p:bgRef>
     </p:bg>
     <p:spTree>
@@ -2443,12 +5214,19 @@
         </p:nvSpPr>
         <p:spPr>
           <a:xfrm>
-            <a:off x="471488" y="274098"/>
-            <a:ext cx="5915025" cy="995093"/>
+            <a:off x="514009" y="457624"/>
+            <a:ext cx="5823992" cy="728511"/>
           </a:xfrm>
           <a:prstGeom prst="rect">
             <a:avLst/>
           </a:prstGeom>
+          <a:effectLst>
+            <a:outerShdw blurRad="25400" dir="17880000">
+              <a:srgbClr val="000000">
+                <a:alpha val="46000"/>
+              </a:srgbClr>
+            </a:outerShdw>
+          </a:effectLst>
         </p:spPr>
         <p:txBody>
           <a:bodyPr vert="horz" lIns="91440" tIns="45720" rIns="91440" bIns="45720" rtlCol="0" anchor="ctr">
@@ -2476,15 +5254,22 @@
         </p:nvSpPr>
         <p:spPr>
           <a:xfrm>
-            <a:off x="471488" y="1370486"/>
-            <a:ext cx="5915025" cy="3266526"/>
+            <a:off x="514009" y="1300541"/>
+            <a:ext cx="5823992" cy="3046882"/>
           </a:xfrm>
           <a:prstGeom prst="rect">
             <a:avLst/>
           </a:prstGeom>
+          <a:effectLst>
+            <a:outerShdw blurRad="25400" dir="17880000">
+              <a:srgbClr val="000000">
+                <a:alpha val="46000"/>
+              </a:srgbClr>
+            </a:outerShdw>
+          </a:effectLst>
         </p:spPr>
         <p:txBody>
-          <a:bodyPr vert="horz" lIns="91440" tIns="45720" rIns="91440" bIns="45720" rtlCol="0">
+          <a:bodyPr vert="horz" lIns="91440" tIns="45720" rIns="91440" bIns="45720" rtlCol="0" anchor="t">
             <a:normAutofit/>
           </a:bodyPr>
           <a:lstStyle/>
@@ -2538,7 +5323,7 @@
         </p:nvSpPr>
         <p:spPr>
           <a:xfrm>
-            <a:off x="471488" y="4771678"/>
+            <a:off x="4319289" y="4416544"/>
             <a:ext cx="1543050" cy="274097"/>
           </a:xfrm>
           <a:prstGeom prst="rect">
@@ -2548,20 +5333,27 @@
         <p:txBody>
           <a:bodyPr vert="horz" lIns="91440" tIns="45720" rIns="91440" bIns="45720" rtlCol="0" anchor="ctr"/>
           <a:lstStyle>
-            <a:lvl1pPr algn="l">
-              <a:defRPr sz="900">
+            <a:lvl1pPr algn="r">
+              <a:defRPr sz="750">
                 <a:solidFill>
                   <a:schemeClr val="tx1">
-                    <a:tint val="75000"/>
+                    <a:lumMod val="95000"/>
                   </a:schemeClr>
                 </a:solidFill>
+                <a:effectLst>
+                  <a:outerShdw blurRad="50800" dist="38100" dir="2700000" algn="tl" rotWithShape="0">
+                    <a:schemeClr val="bg1">
+                      <a:alpha val="43000"/>
+                    </a:schemeClr>
+                  </a:outerShdw>
+                </a:effectLst>
               </a:defRPr>
             </a:lvl1pPr>
           </a:lstStyle>
           <a:p>
             <a:fld id="{02756A72-8CA2-4C3A-9175-0CC2DE682E18}" type="datetimeFigureOut">
               <a:rPr lang="pt-BR" smtClean="0"/>
-              <a:t>23/06/2020</a:t>
+              <a:t>23/07/2020</a:t>
             </a:fld>
             <a:endParaRPr lang="pt-BR"/>
           </a:p>
@@ -2579,8 +5371,8 @@
         </p:nvSpPr>
         <p:spPr>
           <a:xfrm>
-            <a:off x="2271713" y="4771678"/>
-            <a:ext cx="2314575" cy="274097"/>
+            <a:off x="514011" y="4416544"/>
+            <a:ext cx="3753487" cy="274097"/>
           </a:xfrm>
           <a:prstGeom prst="rect">
             <a:avLst/>
@@ -2589,13 +5381,20 @@
         <p:txBody>
           <a:bodyPr vert="horz" lIns="91440" tIns="45720" rIns="91440" bIns="45720" rtlCol="0" anchor="ctr"/>
           <a:lstStyle>
-            <a:lvl1pPr algn="ctr">
-              <a:defRPr sz="900">
+            <a:lvl1pPr algn="l">
+              <a:defRPr sz="750">
                 <a:solidFill>
                   <a:schemeClr val="tx1">
-                    <a:tint val="75000"/>
+                    <a:lumMod val="95000"/>
                   </a:schemeClr>
                 </a:solidFill>
+                <a:effectLst>
+                  <a:outerShdw blurRad="50800" dist="38100" dir="2700000" algn="tl" rotWithShape="0">
+                    <a:schemeClr val="bg1">
+                      <a:alpha val="43000"/>
+                    </a:schemeClr>
+                  </a:outerShdw>
+                </a:effectLst>
               </a:defRPr>
             </a:lvl1pPr>
           </a:lstStyle>
@@ -2616,8 +5415,8 @@
         </p:nvSpPr>
         <p:spPr>
           <a:xfrm>
-            <a:off x="4843463" y="4771678"/>
-            <a:ext cx="1543050" cy="274097"/>
+            <a:off x="5914132" y="4416544"/>
+            <a:ext cx="423869" cy="274097"/>
           </a:xfrm>
           <a:prstGeom prst="rect">
             <a:avLst/>
@@ -2627,12 +5426,19 @@
           <a:bodyPr vert="horz" lIns="91440" tIns="45720" rIns="91440" bIns="45720" rtlCol="0" anchor="ctr"/>
           <a:lstStyle>
             <a:lvl1pPr algn="r">
-              <a:defRPr sz="900">
+              <a:defRPr sz="750">
                 <a:solidFill>
                   <a:schemeClr val="tx1">
-                    <a:tint val="75000"/>
+                    <a:lumMod val="95000"/>
                   </a:schemeClr>
                 </a:solidFill>
+                <a:effectLst>
+                  <a:outerShdw blurRad="50800" dist="38100" dir="2700000" algn="tl" rotWithShape="0">
+                    <a:schemeClr val="bg1">
+                      <a:alpha val="43000"/>
+                    </a:schemeClr>
+                  </a:outerShdw>
+                </a:effectLst>
               </a:defRPr>
             </a:lvl1pPr>
           </a:lstStyle>
@@ -2648,202 +5454,457 @@
     </p:spTree>
     <p:extLst>
       <p:ext uri="{BB962C8B-B14F-4D97-AF65-F5344CB8AC3E}">
-        <p14:creationId xmlns:p14="http://schemas.microsoft.com/office/powerpoint/2010/main" val="3438625298"/>
+        <p14:creationId xmlns:p14="http://schemas.microsoft.com/office/powerpoint/2010/main" val="3437190258"/>
       </p:ext>
     </p:extLst>
   </p:cSld>
-  <p:clrMap bg1="lt1" tx1="dk1" bg2="lt2" tx2="dk2" accent1="accent1" accent2="accent2" accent3="accent3" accent4="accent4" accent5="accent5" accent6="accent6" hlink="hlink" folHlink="folHlink"/>
+  <p:clrMap bg1="dk1" tx1="lt1" bg2="dk2" tx2="lt2" accent1="accent1" accent2="accent2" accent3="accent3" accent4="accent4" accent5="accent5" accent6="accent6" hlink="hlink" folHlink="folHlink"/>
   <p:sldLayoutIdLst>
-    <p:sldLayoutId id="2147483661" r:id="rId1"/>
-    <p:sldLayoutId id="2147483662" r:id="rId2"/>
-    <p:sldLayoutId id="2147483663" r:id="rId3"/>
-    <p:sldLayoutId id="2147483664" r:id="rId4"/>
-    <p:sldLayoutId id="2147483665" r:id="rId5"/>
-    <p:sldLayoutId id="2147483666" r:id="rId6"/>
-    <p:sldLayoutId id="2147483667" r:id="rId7"/>
-    <p:sldLayoutId id="2147483668" r:id="rId8"/>
-    <p:sldLayoutId id="2147483669" r:id="rId9"/>
-    <p:sldLayoutId id="2147483670" r:id="rId10"/>
-    <p:sldLayoutId id="2147483671" r:id="rId11"/>
+    <p:sldLayoutId id="2147483673" r:id="rId1"/>
+    <p:sldLayoutId id="2147483674" r:id="rId2"/>
+    <p:sldLayoutId id="2147483675" r:id="rId3"/>
+    <p:sldLayoutId id="2147483676" r:id="rId4"/>
+    <p:sldLayoutId id="2147483677" r:id="rId5"/>
+    <p:sldLayoutId id="2147483678" r:id="rId6"/>
+    <p:sldLayoutId id="2147483679" r:id="rId7"/>
+    <p:sldLayoutId id="2147483680" r:id="rId8"/>
+    <p:sldLayoutId id="2147483681" r:id="rId9"/>
+    <p:sldLayoutId id="2147483682" r:id="rId10"/>
+    <p:sldLayoutId id="2147483683" r:id="rId11"/>
+    <p:sldLayoutId id="2147483684" r:id="rId12"/>
+    <p:sldLayoutId id="2147483685" r:id="rId13"/>
+    <p:sldLayoutId id="2147483686" r:id="rId14"/>
+    <p:sldLayoutId id="2147483687" r:id="rId15"/>
+    <p:sldLayoutId id="2147483688" r:id="rId16"/>
+    <p:sldLayoutId id="2147483689" r:id="rId17"/>
   </p:sldLayoutIdLst>
   <p:txStyles>
     <p:titleStyle>
-      <a:lvl1pPr algn="l" defTabSz="685800" rtl="0" eaLnBrk="1" latinLnBrk="0" hangingPunct="1">
-        <a:lnSpc>
-          <a:spcPct val="90000"/>
-        </a:lnSpc>
+      <a:lvl1pPr algn="ctr" defTabSz="342900" rtl="0" eaLnBrk="1" latinLnBrk="0" hangingPunct="1">
         <a:spcBef>
           <a:spcPct val="0"/>
         </a:spcBef>
         <a:buNone/>
-        <a:defRPr sz="3300" kern="1200">
+        <a:defRPr sz="3000" kern="1200">
+          <a:ln>
+            <a:solidFill>
+              <a:schemeClr val="bg1">
+                <a:lumMod val="75000"/>
+                <a:lumOff val="25000"/>
+                <a:alpha val="10000"/>
+              </a:schemeClr>
+            </a:solidFill>
+          </a:ln>
           <a:solidFill>
-            <a:schemeClr val="tx1"/>
+            <a:schemeClr val="tx2"/>
           </a:solidFill>
+          <a:effectLst>
+            <a:outerShdw blurRad="9525" dist="25400" dir="14640000" algn="tl" rotWithShape="0">
+              <a:schemeClr val="bg1">
+                <a:alpha val="30000"/>
+              </a:schemeClr>
+            </a:outerShdw>
+          </a:effectLst>
           <a:latin typeface="+mj-lt"/>
           <a:ea typeface="+mj-ea"/>
-          <a:cs typeface="+mj-cs"/>
+          <a:cs typeface="Trebuchet MS"/>
         </a:defRPr>
       </a:lvl1pPr>
+      <a:lvl2pPr eaLnBrk="1" hangingPunct="1">
+        <a:defRPr>
+          <a:solidFill>
+            <a:schemeClr val="tx2"/>
+          </a:solidFill>
+        </a:defRPr>
+      </a:lvl2pPr>
+      <a:lvl3pPr eaLnBrk="1" hangingPunct="1">
+        <a:defRPr>
+          <a:solidFill>
+            <a:schemeClr val="tx2"/>
+          </a:solidFill>
+        </a:defRPr>
+      </a:lvl3pPr>
+      <a:lvl4pPr eaLnBrk="1" hangingPunct="1">
+        <a:defRPr>
+          <a:solidFill>
+            <a:schemeClr val="tx2"/>
+          </a:solidFill>
+        </a:defRPr>
+      </a:lvl4pPr>
+      <a:lvl5pPr eaLnBrk="1" hangingPunct="1">
+        <a:defRPr>
+          <a:solidFill>
+            <a:schemeClr val="tx2"/>
+          </a:solidFill>
+        </a:defRPr>
+      </a:lvl5pPr>
+      <a:lvl6pPr eaLnBrk="1" hangingPunct="1">
+        <a:defRPr>
+          <a:solidFill>
+            <a:schemeClr val="tx2"/>
+          </a:solidFill>
+        </a:defRPr>
+      </a:lvl6pPr>
+      <a:lvl7pPr eaLnBrk="1" hangingPunct="1">
+        <a:defRPr>
+          <a:solidFill>
+            <a:schemeClr val="tx2"/>
+          </a:solidFill>
+        </a:defRPr>
+      </a:lvl7pPr>
+      <a:lvl8pPr eaLnBrk="1" hangingPunct="1">
+        <a:defRPr>
+          <a:solidFill>
+            <a:schemeClr val="tx2"/>
+          </a:solidFill>
+        </a:defRPr>
+      </a:lvl8pPr>
+      <a:lvl9pPr eaLnBrk="1" hangingPunct="1">
+        <a:defRPr>
+          <a:solidFill>
+            <a:schemeClr val="tx2"/>
+          </a:solidFill>
+        </a:defRPr>
+      </a:lvl9pPr>
     </p:titleStyle>
     <p:bodyStyle>
-      <a:lvl1pPr marL="171450" indent="-171450" algn="l" defTabSz="685800" rtl="0" eaLnBrk="1" latinLnBrk="0" hangingPunct="1">
-        <a:lnSpc>
-          <a:spcPct val="90000"/>
-        </a:lnSpc>
+      <a:lvl1pPr marL="257175" indent="-229500" algn="l" defTabSz="342900" rtl="0" eaLnBrk="1" latinLnBrk="0" hangingPunct="1">
         <a:spcBef>
-          <a:spcPts val="750"/>
+          <a:spcPct val="20000"/>
         </a:spcBef>
-        <a:buFont typeface="Arial" panose="020B0604020202020204" pitchFamily="34" charset="0"/>
-        <a:buChar char="•"/>
-        <a:defRPr sz="2100" kern="1200">
+        <a:spcAft>
+          <a:spcPts val="450"/>
+        </a:spcAft>
+        <a:buClr>
+          <a:schemeClr val="tx2"/>
+        </a:buClr>
+        <a:buSzPct val="70000"/>
+        <a:buFont typeface="Wingdings 2" charset="2"/>
+        <a:buChar char=""/>
+        <a:defRPr sz="1500" kern="1200">
+          <a:ln>
+            <a:solidFill>
+              <a:schemeClr val="bg1">
+                <a:lumMod val="75000"/>
+                <a:lumOff val="25000"/>
+                <a:alpha val="10000"/>
+              </a:schemeClr>
+            </a:solidFill>
+          </a:ln>
           <a:solidFill>
-            <a:schemeClr val="tx1"/>
+            <a:schemeClr val="tx2"/>
           </a:solidFill>
+          <a:effectLst>
+            <a:outerShdw blurRad="9525" dist="25400" dir="14640000" algn="tl" rotWithShape="0">
+              <a:schemeClr val="bg1">
+                <a:alpha val="30000"/>
+              </a:schemeClr>
+            </a:outerShdw>
+          </a:effectLst>
           <a:latin typeface="+mn-lt"/>
           <a:ea typeface="+mn-ea"/>
           <a:cs typeface="+mn-cs"/>
         </a:defRPr>
       </a:lvl1pPr>
-      <a:lvl2pPr marL="514350" indent="-171450" algn="l" defTabSz="685800" rtl="0" eaLnBrk="1" latinLnBrk="0" hangingPunct="1">
-        <a:lnSpc>
-          <a:spcPct val="90000"/>
-        </a:lnSpc>
+      <a:lvl2pPr marL="540000" indent="-202500" algn="l" defTabSz="342900" rtl="0" eaLnBrk="1" latinLnBrk="0" hangingPunct="1">
         <a:spcBef>
-          <a:spcPts val="375"/>
+          <a:spcPct val="20000"/>
         </a:spcBef>
-        <a:buFont typeface="Arial" panose="020B0604020202020204" pitchFamily="34" charset="0"/>
-        <a:buChar char="•"/>
-        <a:defRPr sz="1800" kern="1200">
+        <a:spcAft>
+          <a:spcPts val="450"/>
+        </a:spcAft>
+        <a:buClr>
+          <a:schemeClr val="tx2"/>
+        </a:buClr>
+        <a:buSzPct val="70000"/>
+        <a:buFont typeface="Wingdings 2" charset="2"/>
+        <a:buChar char=""/>
+        <a:defRPr sz="1350" kern="1200">
+          <a:ln>
+            <a:solidFill>
+              <a:schemeClr val="bg1">
+                <a:lumMod val="75000"/>
+                <a:lumOff val="25000"/>
+                <a:alpha val="10000"/>
+              </a:schemeClr>
+            </a:solidFill>
+          </a:ln>
           <a:solidFill>
-            <a:schemeClr val="tx1"/>
+            <a:schemeClr val="tx2"/>
           </a:solidFill>
+          <a:effectLst>
+            <a:outerShdw blurRad="9525" dist="25400" dir="14640000" algn="tl" rotWithShape="0">
+              <a:schemeClr val="bg1">
+                <a:alpha val="30000"/>
+              </a:schemeClr>
+            </a:outerShdw>
+          </a:effectLst>
           <a:latin typeface="+mn-lt"/>
           <a:ea typeface="+mn-ea"/>
           <a:cs typeface="+mn-cs"/>
         </a:defRPr>
       </a:lvl2pPr>
-      <a:lvl3pPr marL="857250" indent="-171450" algn="l" defTabSz="685800" rtl="0" eaLnBrk="1" latinLnBrk="0" hangingPunct="1">
-        <a:lnSpc>
-          <a:spcPct val="90000"/>
-        </a:lnSpc>
+      <a:lvl3pPr marL="769500" indent="-162000" algn="l" defTabSz="342900" rtl="0" eaLnBrk="1" latinLnBrk="0" hangingPunct="1">
         <a:spcBef>
-          <a:spcPts val="375"/>
+          <a:spcPct val="20000"/>
         </a:spcBef>
-        <a:buFont typeface="Arial" panose="020B0604020202020204" pitchFamily="34" charset="0"/>
-        <a:buChar char="•"/>
-        <a:defRPr sz="1500" kern="1200">
+        <a:spcAft>
+          <a:spcPts val="450"/>
+        </a:spcAft>
+        <a:buClr>
+          <a:schemeClr val="tx2"/>
+        </a:buClr>
+        <a:buSzPct val="70000"/>
+        <a:buFont typeface="Wingdings 2" charset="2"/>
+        <a:buChar char=""/>
+        <a:defRPr sz="1200" kern="1200">
+          <a:ln>
+            <a:solidFill>
+              <a:schemeClr val="bg1">
+                <a:lumMod val="75000"/>
+                <a:lumOff val="25000"/>
+                <a:alpha val="10000"/>
+              </a:schemeClr>
+            </a:solidFill>
+          </a:ln>
           <a:solidFill>
-            <a:schemeClr val="tx1"/>
+            <a:schemeClr val="tx2"/>
           </a:solidFill>
+          <a:effectLst>
+            <a:outerShdw blurRad="9525" dist="25400" dir="14640000" algn="tl" rotWithShape="0">
+              <a:schemeClr val="bg1">
+                <a:alpha val="30000"/>
+              </a:schemeClr>
+            </a:outerShdw>
+          </a:effectLst>
           <a:latin typeface="+mn-lt"/>
           <a:ea typeface="+mn-ea"/>
           <a:cs typeface="+mn-cs"/>
         </a:defRPr>
       </a:lvl3pPr>
-      <a:lvl4pPr marL="1200150" indent="-171450" algn="l" defTabSz="685800" rtl="0" eaLnBrk="1" latinLnBrk="0" hangingPunct="1">
-        <a:lnSpc>
-          <a:spcPct val="90000"/>
-        </a:lnSpc>
+      <a:lvl4pPr marL="1039500" indent="-162000" algn="l" defTabSz="342900" rtl="0" eaLnBrk="1" latinLnBrk="0" hangingPunct="1">
         <a:spcBef>
-          <a:spcPts val="375"/>
+          <a:spcPct val="20000"/>
         </a:spcBef>
-        <a:buFont typeface="Arial" panose="020B0604020202020204" pitchFamily="34" charset="0"/>
-        <a:buChar char="•"/>
-        <a:defRPr sz="1350" kern="1200">
+        <a:spcAft>
+          <a:spcPts val="450"/>
+        </a:spcAft>
+        <a:buClr>
+          <a:schemeClr val="tx2"/>
+        </a:buClr>
+        <a:buSzPct val="70000"/>
+        <a:buFont typeface="Wingdings 2" charset="2"/>
+        <a:buChar char=""/>
+        <a:defRPr sz="1050" kern="1200">
+          <a:ln>
+            <a:solidFill>
+              <a:schemeClr val="bg1">
+                <a:lumMod val="75000"/>
+                <a:lumOff val="25000"/>
+                <a:alpha val="10000"/>
+              </a:schemeClr>
+            </a:solidFill>
+          </a:ln>
           <a:solidFill>
-            <a:schemeClr val="tx1"/>
+            <a:schemeClr val="tx2"/>
           </a:solidFill>
+          <a:effectLst>
+            <a:outerShdw blurRad="9525" dist="25400" dir="14640000" algn="tl" rotWithShape="0">
+              <a:schemeClr val="bg1">
+                <a:alpha val="30000"/>
+              </a:schemeClr>
+            </a:outerShdw>
+          </a:effectLst>
           <a:latin typeface="+mn-lt"/>
           <a:ea typeface="+mn-ea"/>
           <a:cs typeface="+mn-cs"/>
         </a:defRPr>
       </a:lvl4pPr>
-      <a:lvl5pPr marL="1543050" indent="-171450" algn="l" defTabSz="685800" rtl="0" eaLnBrk="1" latinLnBrk="0" hangingPunct="1">
-        <a:lnSpc>
-          <a:spcPct val="90000"/>
-        </a:lnSpc>
+      <a:lvl5pPr marL="1255500" indent="-162000" algn="l" defTabSz="342900" rtl="0" eaLnBrk="1" latinLnBrk="0" hangingPunct="1">
         <a:spcBef>
-          <a:spcPts val="375"/>
+          <a:spcPct val="20000"/>
         </a:spcBef>
-        <a:buFont typeface="Arial" panose="020B0604020202020204" pitchFamily="34" charset="0"/>
-        <a:buChar char="•"/>
-        <a:defRPr sz="1350" kern="1200">
+        <a:spcAft>
+          <a:spcPts val="450"/>
+        </a:spcAft>
+        <a:buClr>
+          <a:schemeClr val="tx2"/>
+        </a:buClr>
+        <a:buSzPct val="70000"/>
+        <a:buFont typeface="Wingdings 2" charset="2"/>
+        <a:buChar char=""/>
+        <a:defRPr sz="1050" kern="1200">
+          <a:ln>
+            <a:solidFill>
+              <a:schemeClr val="bg1">
+                <a:lumMod val="75000"/>
+                <a:lumOff val="25000"/>
+                <a:alpha val="10000"/>
+              </a:schemeClr>
+            </a:solidFill>
+          </a:ln>
           <a:solidFill>
-            <a:schemeClr val="tx1"/>
+            <a:schemeClr val="tx2"/>
           </a:solidFill>
+          <a:effectLst>
+            <a:outerShdw blurRad="9525" dist="25400" dir="14640000" algn="tl" rotWithShape="0">
+              <a:schemeClr val="bg1">
+                <a:alpha val="30000"/>
+              </a:schemeClr>
+            </a:outerShdw>
+          </a:effectLst>
           <a:latin typeface="+mn-lt"/>
           <a:ea typeface="+mn-ea"/>
           <a:cs typeface="+mn-cs"/>
         </a:defRPr>
       </a:lvl5pPr>
-      <a:lvl6pPr marL="1885950" indent="-171450" algn="l" defTabSz="685800" rtl="0" eaLnBrk="1" latinLnBrk="0" hangingPunct="1">
-        <a:lnSpc>
-          <a:spcPct val="90000"/>
-        </a:lnSpc>
+      <a:lvl6pPr marL="1510950" indent="-171450" algn="l" defTabSz="342900" rtl="0" eaLnBrk="1" latinLnBrk="0" hangingPunct="1">
         <a:spcBef>
-          <a:spcPts val="375"/>
+          <a:spcPct val="20000"/>
         </a:spcBef>
-        <a:buFont typeface="Arial" panose="020B0604020202020204" pitchFamily="34" charset="0"/>
-        <a:buChar char="•"/>
-        <a:defRPr sz="1350" kern="1200">
+        <a:spcAft>
+          <a:spcPts val="450"/>
+        </a:spcAft>
+        <a:buClr>
+          <a:schemeClr val="tx2"/>
+        </a:buClr>
+        <a:buSzPct val="70000"/>
+        <a:buFont typeface="Wingdings 2" charset="2"/>
+        <a:buChar char=""/>
+        <a:defRPr sz="1050" kern="1200">
+          <a:ln>
+            <a:solidFill>
+              <a:schemeClr val="bg1">
+                <a:lumMod val="75000"/>
+                <a:lumOff val="25000"/>
+                <a:alpha val="10000"/>
+              </a:schemeClr>
+            </a:solidFill>
+          </a:ln>
           <a:solidFill>
-            <a:schemeClr val="tx1"/>
+            <a:schemeClr val="tx2"/>
           </a:solidFill>
+          <a:effectLst>
+            <a:outerShdw blurRad="9525" dist="25400" dir="14640000" algn="tl" rotWithShape="0">
+              <a:schemeClr val="bg1">
+                <a:alpha val="30000"/>
+              </a:schemeClr>
+            </a:outerShdw>
+          </a:effectLst>
           <a:latin typeface="+mn-lt"/>
           <a:ea typeface="+mn-ea"/>
           <a:cs typeface="+mn-cs"/>
         </a:defRPr>
       </a:lvl6pPr>
-      <a:lvl7pPr marL="2228850" indent="-171450" algn="l" defTabSz="685800" rtl="0" eaLnBrk="1" latinLnBrk="0" hangingPunct="1">
-        <a:lnSpc>
-          <a:spcPct val="90000"/>
-        </a:lnSpc>
+      <a:lvl7pPr marL="1801350" indent="-171450" algn="l" defTabSz="342900" rtl="0" eaLnBrk="1" latinLnBrk="0" hangingPunct="1">
         <a:spcBef>
-          <a:spcPts val="375"/>
+          <a:spcPct val="20000"/>
         </a:spcBef>
-        <a:buFont typeface="Arial" panose="020B0604020202020204" pitchFamily="34" charset="0"/>
-        <a:buChar char="•"/>
-        <a:defRPr sz="1350" kern="1200">
+        <a:spcAft>
+          <a:spcPts val="450"/>
+        </a:spcAft>
+        <a:buClr>
+          <a:schemeClr val="tx2"/>
+        </a:buClr>
+        <a:buSzPct val="70000"/>
+        <a:buFont typeface="Wingdings 2" charset="2"/>
+        <a:buChar char=""/>
+        <a:defRPr sz="1050" kern="1200">
+          <a:ln>
+            <a:solidFill>
+              <a:schemeClr val="bg1">
+                <a:lumMod val="75000"/>
+                <a:lumOff val="25000"/>
+                <a:alpha val="10000"/>
+              </a:schemeClr>
+            </a:solidFill>
+          </a:ln>
           <a:solidFill>
-            <a:schemeClr val="tx1"/>
+            <a:schemeClr val="tx2"/>
           </a:solidFill>
+          <a:effectLst>
+            <a:outerShdw blurRad="9525" dist="25400" dir="14640000" algn="tl" rotWithShape="0">
+              <a:schemeClr val="bg1">
+                <a:alpha val="30000"/>
+              </a:schemeClr>
+            </a:outerShdw>
+          </a:effectLst>
           <a:latin typeface="+mn-lt"/>
           <a:ea typeface="+mn-ea"/>
           <a:cs typeface="+mn-cs"/>
         </a:defRPr>
       </a:lvl7pPr>
-      <a:lvl8pPr marL="2571750" indent="-171450" algn="l" defTabSz="685800" rtl="0" eaLnBrk="1" latinLnBrk="0" hangingPunct="1">
-        <a:lnSpc>
-          <a:spcPct val="90000"/>
-        </a:lnSpc>
+      <a:lvl8pPr marL="2091750" indent="-171450" algn="l" defTabSz="342900" rtl="0" eaLnBrk="1" latinLnBrk="0" hangingPunct="1">
         <a:spcBef>
-          <a:spcPts val="375"/>
+          <a:spcPct val="20000"/>
         </a:spcBef>
-        <a:buFont typeface="Arial" panose="020B0604020202020204" pitchFamily="34" charset="0"/>
-        <a:buChar char="•"/>
-        <a:defRPr sz="1350" kern="1200">
+        <a:spcAft>
+          <a:spcPts val="450"/>
+        </a:spcAft>
+        <a:buClr>
+          <a:schemeClr val="tx2"/>
+        </a:buClr>
+        <a:buSzPct val="70000"/>
+        <a:buFont typeface="Wingdings 2" charset="2"/>
+        <a:buChar char=""/>
+        <a:defRPr sz="1050" kern="1200">
+          <a:ln>
+            <a:solidFill>
+              <a:schemeClr val="bg1">
+                <a:lumMod val="75000"/>
+                <a:lumOff val="25000"/>
+                <a:alpha val="10000"/>
+              </a:schemeClr>
+            </a:solidFill>
+          </a:ln>
           <a:solidFill>
-            <a:schemeClr val="tx1"/>
+            <a:schemeClr val="tx2"/>
           </a:solidFill>
+          <a:effectLst>
+            <a:outerShdw blurRad="9525" dist="25400" dir="14640000" algn="tl" rotWithShape="0">
+              <a:schemeClr val="bg1">
+                <a:alpha val="30000"/>
+              </a:schemeClr>
+            </a:outerShdw>
+          </a:effectLst>
           <a:latin typeface="+mn-lt"/>
           <a:ea typeface="+mn-ea"/>
           <a:cs typeface="+mn-cs"/>
         </a:defRPr>
       </a:lvl8pPr>
-      <a:lvl9pPr marL="2914650" indent="-171450" algn="l" defTabSz="685800" rtl="0" eaLnBrk="1" latinLnBrk="0" hangingPunct="1">
-        <a:lnSpc>
-          <a:spcPct val="90000"/>
-        </a:lnSpc>
+      <a:lvl9pPr marL="2329650" indent="-171450" algn="l" defTabSz="342900" rtl="0" eaLnBrk="1" latinLnBrk="0" hangingPunct="1">
         <a:spcBef>
-          <a:spcPts val="375"/>
+          <a:spcPct val="20000"/>
         </a:spcBef>
-        <a:buFont typeface="Arial" panose="020B0604020202020204" pitchFamily="34" charset="0"/>
-        <a:buChar char="•"/>
-        <a:defRPr sz="1350" kern="1200">
+        <a:spcAft>
+          <a:spcPts val="450"/>
+        </a:spcAft>
+        <a:buClr>
+          <a:schemeClr val="tx2"/>
+        </a:buClr>
+        <a:buSzPct val="70000"/>
+        <a:buFont typeface="Wingdings 2" charset="2"/>
+        <a:buChar char=""/>
+        <a:defRPr sz="1050" kern="1200">
+          <a:ln>
+            <a:solidFill>
+              <a:schemeClr val="bg1">
+                <a:lumMod val="75000"/>
+                <a:lumOff val="25000"/>
+                <a:alpha val="10000"/>
+              </a:schemeClr>
+            </a:solidFill>
+          </a:ln>
           <a:solidFill>
-            <a:schemeClr val="tx1"/>
+            <a:schemeClr val="tx2"/>
           </a:solidFill>
+          <a:effectLst>
+            <a:outerShdw blurRad="9525" dist="25400" dir="14640000" algn="tl" rotWithShape="0">
+              <a:schemeClr val="bg1">
+                <a:alpha val="30000"/>
+              </a:schemeClr>
+            </a:outerShdw>
+          </a:effectLst>
           <a:latin typeface="+mn-lt"/>
           <a:ea typeface="+mn-ea"/>
           <a:cs typeface="+mn-cs"/>
@@ -2854,7 +5915,7 @@
       <a:defPPr>
         <a:defRPr lang="en-US"/>
       </a:defPPr>
-      <a:lvl1pPr marL="0" algn="l" defTabSz="685800" rtl="0" eaLnBrk="1" latinLnBrk="0" hangingPunct="1">
+      <a:lvl1pPr marL="0" algn="l" defTabSz="342900" rtl="0" eaLnBrk="1" latinLnBrk="0" hangingPunct="1">
         <a:defRPr sz="1350" kern="1200">
           <a:solidFill>
             <a:schemeClr val="tx1"/>
@@ -2864,7 +5925,7 @@
           <a:cs typeface="+mn-cs"/>
         </a:defRPr>
       </a:lvl1pPr>
-      <a:lvl2pPr marL="342900" algn="l" defTabSz="685800" rtl="0" eaLnBrk="1" latinLnBrk="0" hangingPunct="1">
+      <a:lvl2pPr marL="342900" algn="l" defTabSz="342900" rtl="0" eaLnBrk="1" latinLnBrk="0" hangingPunct="1">
         <a:defRPr sz="1350" kern="1200">
           <a:solidFill>
             <a:schemeClr val="tx1"/>
@@ -2874,7 +5935,7 @@
           <a:cs typeface="+mn-cs"/>
         </a:defRPr>
       </a:lvl2pPr>
-      <a:lvl3pPr marL="685800" algn="l" defTabSz="685800" rtl="0" eaLnBrk="1" latinLnBrk="0" hangingPunct="1">
+      <a:lvl3pPr marL="685800" algn="l" defTabSz="342900" rtl="0" eaLnBrk="1" latinLnBrk="0" hangingPunct="1">
         <a:defRPr sz="1350" kern="1200">
           <a:solidFill>
             <a:schemeClr val="tx1"/>
@@ -2884,7 +5945,7 @@
           <a:cs typeface="+mn-cs"/>
         </a:defRPr>
       </a:lvl3pPr>
-      <a:lvl4pPr marL="1028700" algn="l" defTabSz="685800" rtl="0" eaLnBrk="1" latinLnBrk="0" hangingPunct="1">
+      <a:lvl4pPr marL="1028700" algn="l" defTabSz="342900" rtl="0" eaLnBrk="1" latinLnBrk="0" hangingPunct="1">
         <a:defRPr sz="1350" kern="1200">
           <a:solidFill>
             <a:schemeClr val="tx1"/>
@@ -2894,7 +5955,7 @@
           <a:cs typeface="+mn-cs"/>
         </a:defRPr>
       </a:lvl4pPr>
-      <a:lvl5pPr marL="1371600" algn="l" defTabSz="685800" rtl="0" eaLnBrk="1" latinLnBrk="0" hangingPunct="1">
+      <a:lvl5pPr marL="1371600" algn="l" defTabSz="342900" rtl="0" eaLnBrk="1" latinLnBrk="0" hangingPunct="1">
         <a:defRPr sz="1350" kern="1200">
           <a:solidFill>
             <a:schemeClr val="tx1"/>
@@ -2904,7 +5965,7 @@
           <a:cs typeface="+mn-cs"/>
         </a:defRPr>
       </a:lvl5pPr>
-      <a:lvl6pPr marL="1714500" algn="l" defTabSz="685800" rtl="0" eaLnBrk="1" latinLnBrk="0" hangingPunct="1">
+      <a:lvl6pPr marL="1714500" algn="l" defTabSz="342900" rtl="0" eaLnBrk="1" latinLnBrk="0" hangingPunct="1">
         <a:defRPr sz="1350" kern="1200">
           <a:solidFill>
             <a:schemeClr val="tx1"/>
@@ -2914,7 +5975,7 @@
           <a:cs typeface="+mn-cs"/>
         </a:defRPr>
       </a:lvl6pPr>
-      <a:lvl7pPr marL="2057400" algn="l" defTabSz="685800" rtl="0" eaLnBrk="1" latinLnBrk="0" hangingPunct="1">
+      <a:lvl7pPr marL="2057400" algn="l" defTabSz="342900" rtl="0" eaLnBrk="1" latinLnBrk="0" hangingPunct="1">
         <a:defRPr sz="1350" kern="1200">
           <a:solidFill>
             <a:schemeClr val="tx1"/>
@@ -2924,7 +5985,7 @@
           <a:cs typeface="+mn-cs"/>
         </a:defRPr>
       </a:lvl7pPr>
-      <a:lvl8pPr marL="2400300" algn="l" defTabSz="685800" rtl="0" eaLnBrk="1" latinLnBrk="0" hangingPunct="1">
+      <a:lvl8pPr marL="2400300" algn="l" defTabSz="342900" rtl="0" eaLnBrk="1" latinLnBrk="0" hangingPunct="1">
         <a:defRPr sz="1350" kern="1200">
           <a:solidFill>
             <a:schemeClr val="tx1"/>
@@ -2934,7 +5995,7 @@
           <a:cs typeface="+mn-cs"/>
         </a:defRPr>
       </a:lvl8pPr>
-      <a:lvl9pPr marL="2743200" algn="l" defTabSz="685800" rtl="0" eaLnBrk="1" latinLnBrk="0" hangingPunct="1">
+      <a:lvl9pPr marL="2743200" algn="l" defTabSz="342900" rtl="0" eaLnBrk="1" latinLnBrk="0" hangingPunct="1">
         <a:defRPr sz="1350" kern="1200">
           <a:solidFill>
             <a:schemeClr val="tx1"/>
@@ -2966,127 +6027,1117 @@
           <a:chExt cx="0" cy="0"/>
         </a:xfrm>
       </p:grpSpPr>
-      <p:grpSp>
-        <p:nvGrpSpPr>
-          <p:cNvPr id="9" name="Agrupar 8">
+      <p:sp>
+        <p:nvSpPr>
+          <p:cNvPr id="2" name="Título 1">
             <a:extLst>
               <a:ext uri="{FF2B5EF4-FFF2-40B4-BE49-F238E27FC236}">
-                <a16:creationId xmlns:a16="http://schemas.microsoft.com/office/drawing/2014/main" id="{E34A1ADA-6668-4BB2-AC2D-6B42CAD5B256}"/>
+                <a16:creationId xmlns:a16="http://schemas.microsoft.com/office/drawing/2014/main" id="{DEBF886E-55F1-4FC9-ACE2-13FA8CF3DE03}"/>
               </a:ext>
             </a:extLst>
           </p:cNvPr>
-          <p:cNvGrpSpPr/>
-          <p:nvPr/>
-        </p:nvGrpSpPr>
-        <p:grpSpPr>
+          <p:cNvSpPr>
+            <a:spLocks noGrp="1"/>
+          </p:cNvSpPr>
+          <p:nvPr>
+            <p:ph type="ctrTitle"/>
+          </p:nvPr>
+        </p:nvSpPr>
+        <p:spPr>
           <a:xfrm>
-            <a:off x="0" y="-1"/>
-            <a:ext cx="6858000" cy="5148263"/>
-            <a:chOff x="0" y="645319"/>
-            <a:chExt cx="3857625" cy="2895898"/>
+            <a:off x="771015" y="199574"/>
+            <a:ext cx="5310020" cy="1372871"/>
           </a:xfrm>
-        </p:grpSpPr>
-        <p:pic>
-          <p:nvPicPr>
-            <p:cNvPr id="4" name="Picture 2">
-              <a:extLst>
-                <a:ext uri="{FF2B5EF4-FFF2-40B4-BE49-F238E27FC236}">
-                  <a16:creationId xmlns:a16="http://schemas.microsoft.com/office/drawing/2014/main" id="{1F89A7F3-A16F-4AC5-A06D-47C1820FF6F9}"/>
-                </a:ext>
-              </a:extLst>
-            </p:cNvPr>
-            <p:cNvPicPr>
-              <a:picLocks noChangeAspect="1"/>
-            </p:cNvPicPr>
-            <p:nvPr/>
-          </p:nvPicPr>
-          <p:blipFill>
-            <a:blip r:embed="rId2"/>
-            <a:stretch>
-              <a:fillRect/>
-            </a:stretch>
-          </p:blipFill>
-          <p:spPr>
-            <a:xfrm>
-              <a:off x="0" y="645319"/>
-              <a:ext cx="3857625" cy="2895898"/>
-            </a:xfrm>
-            <a:prstGeom prst="rect">
-              <a:avLst/>
-            </a:prstGeom>
-          </p:spPr>
-        </p:pic>
-        <p:pic>
-          <p:nvPicPr>
-            <p:cNvPr id="5" name="Imagem 1">
-              <a:extLst>
-                <a:ext uri="{FF2B5EF4-FFF2-40B4-BE49-F238E27FC236}">
-                  <a16:creationId xmlns:a16="http://schemas.microsoft.com/office/drawing/2014/main" id="{BF83E57A-1288-4938-962A-F0FC92DF78D0}"/>
-                </a:ext>
-              </a:extLst>
-            </p:cNvPr>
-            <p:cNvPicPr>
-              <a:picLocks noChangeAspect="1"/>
-            </p:cNvPicPr>
-            <p:nvPr/>
-          </p:nvPicPr>
-          <p:blipFill>
-            <a:blip r:embed="rId3">
-              <a:extLst>
-                <a:ext uri="{28A0092B-C50C-407E-A947-70E740481C1C}">
-                  <a14:useLocalDpi xmlns:a14="http://schemas.microsoft.com/office/drawing/2010/main" val="0"/>
-                </a:ext>
-              </a:extLst>
-            </a:blip>
-            <a:stretch>
-              <a:fillRect/>
-            </a:stretch>
-          </p:blipFill>
-          <p:spPr>
-            <a:xfrm>
-              <a:off x="1420006" y="1218101"/>
-              <a:ext cx="1017614" cy="273738"/>
-            </a:xfrm>
-            <a:prstGeom prst="rect">
-              <a:avLst/>
-            </a:prstGeom>
-          </p:spPr>
-        </p:pic>
-        <p:pic>
-          <p:nvPicPr>
-            <p:cNvPr id="6" name="Picture 4">
-              <a:extLst>
-                <a:ext uri="{FF2B5EF4-FFF2-40B4-BE49-F238E27FC236}">
-                  <a16:creationId xmlns:a16="http://schemas.microsoft.com/office/drawing/2014/main" id="{1896986F-4366-436E-9D67-D2EAD9D6FE4D}"/>
-                </a:ext>
-              </a:extLst>
-            </p:cNvPr>
-            <p:cNvPicPr>
-              <a:picLocks noChangeAspect="1"/>
-            </p:cNvPicPr>
-            <p:nvPr/>
-          </p:nvPicPr>
-          <p:blipFill>
-            <a:blip r:embed="rId4"/>
-            <a:stretch>
-              <a:fillRect/>
-            </a:stretch>
-          </p:blipFill>
-          <p:spPr>
-            <a:xfrm>
-              <a:off x="128708" y="788184"/>
-              <a:ext cx="3600210" cy="2597448"/>
-            </a:xfrm>
-            <a:prstGeom prst="rect">
-              <a:avLst/>
-            </a:prstGeom>
-          </p:spPr>
-        </p:pic>
-      </p:grpSp>
+        </p:spPr>
+        <p:txBody>
+          <a:bodyPr/>
+          <a:lstStyle/>
+          <a:p>
+            <a:r>
+              <a:rPr lang="pt-BR" dirty="0"/>
+              <a:t>Trabalho de </a:t>
+            </a:r>
+            <a:r>
+              <a:rPr lang="pt-BR" dirty="0" err="1"/>
+              <a:t>Advanced</a:t>
+            </a:r>
+            <a:r>
+              <a:rPr lang="pt-BR" dirty="0"/>
+              <a:t> Data </a:t>
+            </a:r>
+            <a:r>
+              <a:rPr lang="pt-BR" dirty="0" err="1"/>
+              <a:t>Modeling</a:t>
+            </a:r>
+            <a:endParaRPr lang="pt-BR" dirty="0"/>
+          </a:p>
+        </p:txBody>
+      </p:sp>
+      <p:sp>
+        <p:nvSpPr>
+          <p:cNvPr id="4" name="Subtítulo 3">
+            <a:extLst>
+              <a:ext uri="{FF2B5EF4-FFF2-40B4-BE49-F238E27FC236}">
+                <a16:creationId xmlns:a16="http://schemas.microsoft.com/office/drawing/2014/main" id="{84C09762-9E14-4460-A41A-274CD2332A11}"/>
+              </a:ext>
+            </a:extLst>
+          </p:cNvPr>
+          <p:cNvSpPr>
+            <a:spLocks noGrp="1"/>
+          </p:cNvSpPr>
+          <p:nvPr>
+            <p:ph type="subTitle" idx="1"/>
+          </p:nvPr>
+        </p:nvSpPr>
+        <p:spPr>
+          <a:xfrm>
+            <a:off x="771015" y="1749017"/>
+            <a:ext cx="5310020" cy="3314867"/>
+          </a:xfrm>
+        </p:spPr>
+        <p:txBody>
+          <a:bodyPr>
+            <a:normAutofit lnSpcReduction="10000"/>
+          </a:bodyPr>
+          <a:lstStyle/>
+          <a:p>
+            <a:pPr algn="l"/>
+            <a:r>
+              <a:rPr lang="pt-BR" sz="1200" dirty="0" err="1"/>
+              <a:t>Profª</a:t>
+            </a:r>
+            <a:r>
+              <a:rPr lang="pt-BR" sz="1200" dirty="0"/>
+              <a:t> </a:t>
+            </a:r>
+            <a:r>
+              <a:rPr lang="pt-BR" sz="1200" dirty="0" err="1"/>
+              <a:t>Keyla</a:t>
+            </a:r>
+            <a:r>
+              <a:rPr lang="pt-BR" sz="1200" dirty="0"/>
+              <a:t> </a:t>
+            </a:r>
+            <a:r>
+              <a:rPr lang="pt-BR" sz="1200" dirty="0" err="1"/>
+              <a:t>Saes</a:t>
+            </a:r>
+            <a:endParaRPr lang="pt-BR" sz="1200" dirty="0"/>
+          </a:p>
+          <a:p>
+            <a:pPr algn="l"/>
+            <a:endParaRPr lang="pt-BR" sz="1200" dirty="0"/>
+          </a:p>
+          <a:p>
+            <a:pPr algn="l"/>
+            <a:r>
+              <a:rPr lang="pt-BR" sz="1200" dirty="0"/>
+              <a:t>Ferramentas: </a:t>
+            </a:r>
+          </a:p>
+          <a:p>
+            <a:pPr algn="l"/>
+            <a:r>
+              <a:rPr lang="pt-BR" sz="1200" dirty="0"/>
+              <a:t>Oracle SQL </a:t>
+            </a:r>
+            <a:r>
+              <a:rPr lang="pt-BR" sz="1200" dirty="0" err="1"/>
+              <a:t>Developer</a:t>
+            </a:r>
+            <a:r>
+              <a:rPr lang="pt-BR" sz="1200" dirty="0"/>
+              <a:t> Data </a:t>
+            </a:r>
+            <a:r>
+              <a:rPr lang="pt-BR" sz="1200" dirty="0" err="1"/>
+              <a:t>Modeler</a:t>
+            </a:r>
+            <a:r>
+              <a:rPr lang="pt-BR" sz="1200" dirty="0"/>
+              <a:t> (19.4.0.350)</a:t>
+            </a:r>
+          </a:p>
+          <a:p>
+            <a:pPr algn="l"/>
+            <a:r>
+              <a:rPr lang="pt-BR" sz="1200" dirty="0" err="1"/>
+              <a:t>Hackolade</a:t>
+            </a:r>
+            <a:r>
+              <a:rPr lang="pt-BR" sz="1200" dirty="0"/>
+              <a:t> Studio (4.1.9)</a:t>
+            </a:r>
+          </a:p>
+          <a:p>
+            <a:pPr algn="l"/>
+            <a:endParaRPr lang="pt-BR" sz="1200" dirty="0"/>
+          </a:p>
+          <a:p>
+            <a:pPr algn="l"/>
+            <a:r>
+              <a:rPr lang="pt-BR" sz="1200" dirty="0"/>
+              <a:t>Componentes:</a:t>
+            </a:r>
+          </a:p>
+          <a:p>
+            <a:pPr marL="285750" indent="-285750" algn="l">
+              <a:buFont typeface="Arial" panose="020B0604020202020204" pitchFamily="34" charset="0"/>
+              <a:buChar char="•"/>
+            </a:pPr>
+            <a:r>
+              <a:rPr lang="pt-BR" dirty="0"/>
+              <a:t>Carlos Eduardo de Almeida (337011)</a:t>
+            </a:r>
+          </a:p>
+          <a:p>
+            <a:pPr marL="285750" indent="-285750" algn="l">
+              <a:buFont typeface="Arial" panose="020B0604020202020204" pitchFamily="34" charset="0"/>
+              <a:buChar char="•"/>
+            </a:pPr>
+            <a:r>
+              <a:rPr lang="pt-BR" dirty="0"/>
+              <a:t>Gabriel Zoneti Figueira Peres (338951)</a:t>
+            </a:r>
+          </a:p>
+          <a:p>
+            <a:pPr marL="285750" indent="-285750" algn="l">
+              <a:buFont typeface="Arial" panose="020B0604020202020204" pitchFamily="34" charset="0"/>
+              <a:buChar char="•"/>
+            </a:pPr>
+            <a:r>
+              <a:rPr lang="pt-BR" dirty="0"/>
+              <a:t>Márcio da Silva Penna (338542)</a:t>
+            </a:r>
+          </a:p>
+          <a:p>
+            <a:pPr marL="285750" indent="-285750" algn="l">
+              <a:buFont typeface="Arial" panose="020B0604020202020204" pitchFamily="34" charset="0"/>
+              <a:buChar char="•"/>
+            </a:pPr>
+            <a:r>
+              <a:rPr lang="pt-BR" dirty="0"/>
+              <a:t>Victor Ferreira </a:t>
+            </a:r>
+            <a:r>
+              <a:rPr lang="pt-BR" dirty="0" err="1"/>
+              <a:t>Telezynski</a:t>
+            </a:r>
+            <a:r>
+              <a:rPr lang="pt-BR" dirty="0"/>
+              <a:t> Lopes (338496)</a:t>
+            </a:r>
+          </a:p>
+        </p:txBody>
+      </p:sp>
     </p:spTree>
     <p:extLst>
       <p:ext uri="{BB962C8B-B14F-4D97-AF65-F5344CB8AC3E}">
-        <p14:creationId xmlns:p14="http://schemas.microsoft.com/office/powerpoint/2010/main" val="765174930"/>
+        <p14:creationId xmlns:p14="http://schemas.microsoft.com/office/powerpoint/2010/main" val="3139094457"/>
+      </p:ext>
+    </p:extLst>
+  </p:cSld>
+  <p:clrMapOvr>
+    <a:masterClrMapping/>
+  </p:clrMapOvr>
+</p:sld>
+</file>
+
+<file path=ppt/slides/slide2.xml><?xml version="1.0" encoding="utf-8"?>
+<p:sld xmlns:a="http://schemas.openxmlformats.org/drawingml/2006/main" xmlns:r="http://schemas.openxmlformats.org/officeDocument/2006/relationships" xmlns:p="http://schemas.openxmlformats.org/presentationml/2006/main">
+  <p:cSld>
+    <p:spTree>
+      <p:nvGrpSpPr>
+        <p:cNvPr id="1" name=""/>
+        <p:cNvGrpSpPr/>
+        <p:nvPr/>
+      </p:nvGrpSpPr>
+      <p:grpSpPr>
+        <a:xfrm>
+          <a:off x="0" y="0"/>
+          <a:ext cx="0" cy="0"/>
+          <a:chOff x="0" y="0"/>
+          <a:chExt cx="0" cy="0"/>
+        </a:xfrm>
+      </p:grpSpPr>
+      <p:sp>
+        <p:nvSpPr>
+          <p:cNvPr id="2" name="Título 1">
+            <a:extLst>
+              <a:ext uri="{FF2B5EF4-FFF2-40B4-BE49-F238E27FC236}">
+                <a16:creationId xmlns:a16="http://schemas.microsoft.com/office/drawing/2014/main" id="{710E00A3-D055-4EBE-A756-02DC0EAA480D}"/>
+              </a:ext>
+            </a:extLst>
+          </p:cNvPr>
+          <p:cNvSpPr>
+            <a:spLocks noGrp="1"/>
+          </p:cNvSpPr>
+          <p:nvPr>
+            <p:ph type="title"/>
+          </p:nvPr>
+        </p:nvSpPr>
+        <p:spPr/>
+        <p:txBody>
+          <a:bodyPr>
+            <a:normAutofit fontScale="90000"/>
+          </a:bodyPr>
+          <a:lstStyle/>
+          <a:p>
+            <a:r>
+              <a:rPr lang="pt-BR" dirty="0"/>
+              <a:t>Aula 1 – Modelo Relacional (Lógico)</a:t>
+            </a:r>
+          </a:p>
+        </p:txBody>
+      </p:sp>
+      <p:pic>
+        <p:nvPicPr>
+          <p:cNvPr id="4" name="Imagem 3">
+            <a:extLst>
+              <a:ext uri="{FF2B5EF4-FFF2-40B4-BE49-F238E27FC236}">
+                <a16:creationId xmlns:a16="http://schemas.microsoft.com/office/drawing/2014/main" id="{D31A73FF-E8FB-4FB9-B28B-EDA961BECBC8}"/>
+              </a:ext>
+            </a:extLst>
+          </p:cNvPr>
+          <p:cNvPicPr>
+            <a:picLocks noChangeAspect="1"/>
+          </p:cNvPicPr>
+          <p:nvPr/>
+        </p:nvPicPr>
+        <p:blipFill rotWithShape="1">
+          <a:blip r:embed="rId2"/>
+          <a:srcRect r="689"/>
+          <a:stretch/>
+        </p:blipFill>
+        <p:spPr>
+          <a:xfrm>
+            <a:off x="20653" y="1330890"/>
+            <a:ext cx="6810703" cy="3545924"/>
+          </a:xfrm>
+          <a:prstGeom prst="rect">
+            <a:avLst/>
+          </a:prstGeom>
+        </p:spPr>
+      </p:pic>
+    </p:spTree>
+    <p:extLst>
+      <p:ext uri="{BB962C8B-B14F-4D97-AF65-F5344CB8AC3E}">
+        <p14:creationId xmlns:p14="http://schemas.microsoft.com/office/powerpoint/2010/main" val="3011342230"/>
+      </p:ext>
+    </p:extLst>
+  </p:cSld>
+  <p:clrMapOvr>
+    <a:masterClrMapping/>
+  </p:clrMapOvr>
+</p:sld>
+</file>
+
+<file path=ppt/slides/slide3.xml><?xml version="1.0" encoding="utf-8"?>
+<p:sld xmlns:a="http://schemas.openxmlformats.org/drawingml/2006/main" xmlns:r="http://schemas.openxmlformats.org/officeDocument/2006/relationships" xmlns:p="http://schemas.openxmlformats.org/presentationml/2006/main">
+  <p:cSld>
+    <p:spTree>
+      <p:nvGrpSpPr>
+        <p:cNvPr id="1" name=""/>
+        <p:cNvGrpSpPr/>
+        <p:nvPr/>
+      </p:nvGrpSpPr>
+      <p:grpSpPr>
+        <a:xfrm>
+          <a:off x="0" y="0"/>
+          <a:ext cx="0" cy="0"/>
+          <a:chOff x="0" y="0"/>
+          <a:chExt cx="0" cy="0"/>
+        </a:xfrm>
+      </p:grpSpPr>
+      <p:sp>
+        <p:nvSpPr>
+          <p:cNvPr id="2" name="Título 1">
+            <a:extLst>
+              <a:ext uri="{FF2B5EF4-FFF2-40B4-BE49-F238E27FC236}">
+                <a16:creationId xmlns:a16="http://schemas.microsoft.com/office/drawing/2014/main" id="{B528F806-65EC-43C2-9FD7-A64695C1FA9D}"/>
+              </a:ext>
+            </a:extLst>
+          </p:cNvPr>
+          <p:cNvSpPr>
+            <a:spLocks noGrp="1"/>
+          </p:cNvSpPr>
+          <p:nvPr>
+            <p:ph type="title"/>
+          </p:nvPr>
+        </p:nvSpPr>
+        <p:spPr/>
+        <p:txBody>
+          <a:bodyPr>
+            <a:normAutofit fontScale="90000"/>
+          </a:bodyPr>
+          <a:lstStyle/>
+          <a:p>
+            <a:r>
+              <a:rPr lang="pt-BR" dirty="0"/>
+              <a:t>Aula 2 – Modelo Relacional (lógico) – Pesquisa</a:t>
+            </a:r>
+          </a:p>
+        </p:txBody>
+      </p:sp>
+      <p:pic>
+        <p:nvPicPr>
+          <p:cNvPr id="4" name="Imagem 3">
+            <a:extLst>
+              <a:ext uri="{FF2B5EF4-FFF2-40B4-BE49-F238E27FC236}">
+                <a16:creationId xmlns:a16="http://schemas.microsoft.com/office/drawing/2014/main" id="{AFA948DA-1ED4-421F-AA75-5B3E25EA4573}"/>
+              </a:ext>
+            </a:extLst>
+          </p:cNvPr>
+          <p:cNvPicPr>
+            <a:picLocks noChangeAspect="1"/>
+          </p:cNvPicPr>
+          <p:nvPr/>
+        </p:nvPicPr>
+        <p:blipFill>
+          <a:blip r:embed="rId2"/>
+          <a:stretch>
+            <a:fillRect/>
+          </a:stretch>
+        </p:blipFill>
+        <p:spPr>
+          <a:xfrm>
+            <a:off x="0" y="1503321"/>
+            <a:ext cx="6858000" cy="3478536"/>
+          </a:xfrm>
+          <a:prstGeom prst="rect">
+            <a:avLst/>
+          </a:prstGeom>
+        </p:spPr>
+      </p:pic>
+    </p:spTree>
+    <p:extLst>
+      <p:ext uri="{BB962C8B-B14F-4D97-AF65-F5344CB8AC3E}">
+        <p14:creationId xmlns:p14="http://schemas.microsoft.com/office/powerpoint/2010/main" val="439941453"/>
+      </p:ext>
+    </p:extLst>
+  </p:cSld>
+  <p:clrMapOvr>
+    <a:masterClrMapping/>
+  </p:clrMapOvr>
+</p:sld>
+</file>
+
+<file path=ppt/slides/slide4.xml><?xml version="1.0" encoding="utf-8"?>
+<p:sld xmlns:a="http://schemas.openxmlformats.org/drawingml/2006/main" xmlns:r="http://schemas.openxmlformats.org/officeDocument/2006/relationships" xmlns:p="http://schemas.openxmlformats.org/presentationml/2006/main">
+  <p:cSld>
+    <p:spTree>
+      <p:nvGrpSpPr>
+        <p:cNvPr id="1" name=""/>
+        <p:cNvGrpSpPr/>
+        <p:nvPr/>
+      </p:nvGrpSpPr>
+      <p:grpSpPr>
+        <a:xfrm>
+          <a:off x="0" y="0"/>
+          <a:ext cx="0" cy="0"/>
+          <a:chOff x="0" y="0"/>
+          <a:chExt cx="0" cy="0"/>
+        </a:xfrm>
+      </p:grpSpPr>
+      <p:sp>
+        <p:nvSpPr>
+          <p:cNvPr id="2" name="Título 1">
+            <a:extLst>
+              <a:ext uri="{FF2B5EF4-FFF2-40B4-BE49-F238E27FC236}">
+                <a16:creationId xmlns:a16="http://schemas.microsoft.com/office/drawing/2014/main" id="{0678BB51-4D93-455B-855B-27294CA26B4D}"/>
+              </a:ext>
+            </a:extLst>
+          </p:cNvPr>
+          <p:cNvSpPr>
+            <a:spLocks noGrp="1"/>
+          </p:cNvSpPr>
+          <p:nvPr>
+            <p:ph type="title"/>
+          </p:nvPr>
+        </p:nvSpPr>
+        <p:spPr/>
+        <p:txBody>
+          <a:bodyPr/>
+          <a:lstStyle/>
+          <a:p>
+            <a:r>
+              <a:rPr lang="pt-BR" dirty="0"/>
+              <a:t>Aula 2 – Dimensional (lógico)</a:t>
+            </a:r>
+          </a:p>
+        </p:txBody>
+      </p:sp>
+      <p:pic>
+        <p:nvPicPr>
+          <p:cNvPr id="4" name="Imagem 3">
+            <a:extLst>
+              <a:ext uri="{FF2B5EF4-FFF2-40B4-BE49-F238E27FC236}">
+                <a16:creationId xmlns:a16="http://schemas.microsoft.com/office/drawing/2014/main" id="{70224373-01FE-4DFA-93EC-001B6504B7D0}"/>
+              </a:ext>
+            </a:extLst>
+          </p:cNvPr>
+          <p:cNvPicPr>
+            <a:picLocks noChangeAspect="1"/>
+          </p:cNvPicPr>
+          <p:nvPr/>
+        </p:nvPicPr>
+        <p:blipFill>
+          <a:blip r:embed="rId2"/>
+          <a:stretch>
+            <a:fillRect/>
+          </a:stretch>
+        </p:blipFill>
+        <p:spPr>
+          <a:xfrm>
+            <a:off x="0" y="1186135"/>
+            <a:ext cx="6858000" cy="3865518"/>
+          </a:xfrm>
+          <a:prstGeom prst="rect">
+            <a:avLst/>
+          </a:prstGeom>
+        </p:spPr>
+      </p:pic>
+    </p:spTree>
+    <p:extLst>
+      <p:ext uri="{BB962C8B-B14F-4D97-AF65-F5344CB8AC3E}">
+        <p14:creationId xmlns:p14="http://schemas.microsoft.com/office/powerpoint/2010/main" val="3560566247"/>
+      </p:ext>
+    </p:extLst>
+  </p:cSld>
+  <p:clrMapOvr>
+    <a:masterClrMapping/>
+  </p:clrMapOvr>
+</p:sld>
+</file>
+
+<file path=ppt/slides/slide5.xml><?xml version="1.0" encoding="utf-8"?>
+<p:sld xmlns:a="http://schemas.openxmlformats.org/drawingml/2006/main" xmlns:r="http://schemas.openxmlformats.org/officeDocument/2006/relationships" xmlns:p="http://schemas.openxmlformats.org/presentationml/2006/main">
+  <p:cSld>
+    <p:spTree>
+      <p:nvGrpSpPr>
+        <p:cNvPr id="1" name=""/>
+        <p:cNvGrpSpPr/>
+        <p:nvPr/>
+      </p:nvGrpSpPr>
+      <p:grpSpPr>
+        <a:xfrm>
+          <a:off x="0" y="0"/>
+          <a:ext cx="0" cy="0"/>
+          <a:chOff x="0" y="0"/>
+          <a:chExt cx="0" cy="0"/>
+        </a:xfrm>
+      </p:grpSpPr>
+      <p:sp>
+        <p:nvSpPr>
+          <p:cNvPr id="2" name="Título 1">
+            <a:extLst>
+              <a:ext uri="{FF2B5EF4-FFF2-40B4-BE49-F238E27FC236}">
+                <a16:creationId xmlns:a16="http://schemas.microsoft.com/office/drawing/2014/main" id="{7CE876DD-7288-4B16-851E-C167AF5A833A}"/>
+              </a:ext>
+            </a:extLst>
+          </p:cNvPr>
+          <p:cNvSpPr>
+            <a:spLocks noGrp="1"/>
+          </p:cNvSpPr>
+          <p:nvPr>
+            <p:ph type="title"/>
+          </p:nvPr>
+        </p:nvSpPr>
+        <p:spPr/>
+        <p:txBody>
+          <a:bodyPr>
+            <a:normAutofit fontScale="90000"/>
+          </a:bodyPr>
+          <a:lstStyle/>
+          <a:p>
+            <a:r>
+              <a:rPr lang="pt-BR" dirty="0"/>
+              <a:t>Aula 4 – Banco </a:t>
+            </a:r>
+            <a:r>
+              <a:rPr lang="pt-BR" dirty="0" err="1"/>
+              <a:t>NoSQL</a:t>
+            </a:r>
+            <a:r>
+              <a:rPr lang="pt-BR" dirty="0"/>
+              <a:t>: Modelo Chave e Valor ou Colunar</a:t>
+            </a:r>
+          </a:p>
+        </p:txBody>
+      </p:sp>
+      <p:pic>
+        <p:nvPicPr>
+          <p:cNvPr id="4" name="Imagem 3">
+            <a:extLst>
+              <a:ext uri="{FF2B5EF4-FFF2-40B4-BE49-F238E27FC236}">
+                <a16:creationId xmlns:a16="http://schemas.microsoft.com/office/drawing/2014/main" id="{DAC16D2E-CC50-4147-B378-1BB1B800714B}"/>
+              </a:ext>
+            </a:extLst>
+          </p:cNvPr>
+          <p:cNvPicPr>
+            <a:picLocks noChangeAspect="1"/>
+          </p:cNvPicPr>
+          <p:nvPr/>
+        </p:nvPicPr>
+        <p:blipFill>
+          <a:blip r:embed="rId2"/>
+          <a:stretch>
+            <a:fillRect/>
+          </a:stretch>
+        </p:blipFill>
+        <p:spPr>
+          <a:xfrm>
+            <a:off x="-2995" y="1751219"/>
+            <a:ext cx="6858000" cy="2818780"/>
+          </a:xfrm>
+          <a:prstGeom prst="rect">
+            <a:avLst/>
+          </a:prstGeom>
+        </p:spPr>
+      </p:pic>
+    </p:spTree>
+    <p:extLst>
+      <p:ext uri="{BB962C8B-B14F-4D97-AF65-F5344CB8AC3E}">
+        <p14:creationId xmlns:p14="http://schemas.microsoft.com/office/powerpoint/2010/main" val="3792607829"/>
+      </p:ext>
+    </p:extLst>
+  </p:cSld>
+  <p:clrMapOvr>
+    <a:masterClrMapping/>
+  </p:clrMapOvr>
+</p:sld>
+</file>
+
+<file path=ppt/slides/slide6.xml><?xml version="1.0" encoding="utf-8"?>
+<p:sld xmlns:a="http://schemas.openxmlformats.org/drawingml/2006/main" xmlns:r="http://schemas.openxmlformats.org/officeDocument/2006/relationships" xmlns:p="http://schemas.openxmlformats.org/presentationml/2006/main">
+  <p:cSld>
+    <p:spTree>
+      <p:nvGrpSpPr>
+        <p:cNvPr id="1" name=""/>
+        <p:cNvGrpSpPr/>
+        <p:nvPr/>
+      </p:nvGrpSpPr>
+      <p:grpSpPr>
+        <a:xfrm>
+          <a:off x="0" y="0"/>
+          <a:ext cx="0" cy="0"/>
+          <a:chOff x="0" y="0"/>
+          <a:chExt cx="0" cy="0"/>
+        </a:xfrm>
+      </p:grpSpPr>
+      <p:sp>
+        <p:nvSpPr>
+          <p:cNvPr id="2" name="Título 1">
+            <a:extLst>
+              <a:ext uri="{FF2B5EF4-FFF2-40B4-BE49-F238E27FC236}">
+                <a16:creationId xmlns:a16="http://schemas.microsoft.com/office/drawing/2014/main" id="{08BCF2DD-A274-4EFF-9149-EAD7C956C38E}"/>
+              </a:ext>
+            </a:extLst>
+          </p:cNvPr>
+          <p:cNvSpPr>
+            <a:spLocks noGrp="1"/>
+          </p:cNvSpPr>
+          <p:nvPr>
+            <p:ph type="title"/>
+          </p:nvPr>
+        </p:nvSpPr>
+        <p:spPr/>
+        <p:txBody>
+          <a:bodyPr>
+            <a:normAutofit fontScale="90000"/>
+          </a:bodyPr>
+          <a:lstStyle/>
+          <a:p>
+            <a:r>
+              <a:rPr lang="pt-BR" dirty="0"/>
+              <a:t>Aula 4 – Banco </a:t>
+            </a:r>
+            <a:r>
+              <a:rPr lang="pt-BR" dirty="0" err="1"/>
+              <a:t>NoSQL</a:t>
+            </a:r>
+            <a:r>
+              <a:rPr lang="pt-BR" dirty="0"/>
+              <a:t>: Modelo de Documento (Cadastro de Cliente)</a:t>
+            </a:r>
+          </a:p>
+        </p:txBody>
+      </p:sp>
+      <p:pic>
+        <p:nvPicPr>
+          <p:cNvPr id="4" name="Imagem 3">
+            <a:extLst>
+              <a:ext uri="{FF2B5EF4-FFF2-40B4-BE49-F238E27FC236}">
+                <a16:creationId xmlns:a16="http://schemas.microsoft.com/office/drawing/2014/main" id="{5D11846E-50E9-4EC3-8AF6-42974E37185D}"/>
+              </a:ext>
+            </a:extLst>
+          </p:cNvPr>
+          <p:cNvPicPr>
+            <a:picLocks noChangeAspect="1"/>
+          </p:cNvPicPr>
+          <p:nvPr/>
+        </p:nvPicPr>
+        <p:blipFill>
+          <a:blip r:embed="rId2"/>
+          <a:stretch>
+            <a:fillRect/>
+          </a:stretch>
+        </p:blipFill>
+        <p:spPr>
+          <a:xfrm>
+            <a:off x="1695541" y="1439272"/>
+            <a:ext cx="3460928" cy="3251367"/>
+          </a:xfrm>
+          <a:prstGeom prst="rect">
+            <a:avLst/>
+          </a:prstGeom>
+        </p:spPr>
+      </p:pic>
+    </p:spTree>
+    <p:extLst>
+      <p:ext uri="{BB962C8B-B14F-4D97-AF65-F5344CB8AC3E}">
+        <p14:creationId xmlns:p14="http://schemas.microsoft.com/office/powerpoint/2010/main" val="1693724947"/>
+      </p:ext>
+    </p:extLst>
+  </p:cSld>
+  <p:clrMapOvr>
+    <a:masterClrMapping/>
+  </p:clrMapOvr>
+</p:sld>
+</file>
+
+<file path=ppt/slides/slide7.xml><?xml version="1.0" encoding="utf-8"?>
+<p:sld xmlns:a="http://schemas.openxmlformats.org/drawingml/2006/main" xmlns:r="http://schemas.openxmlformats.org/officeDocument/2006/relationships" xmlns:p="http://schemas.openxmlformats.org/presentationml/2006/main">
+  <p:cSld>
+    <p:spTree>
+      <p:nvGrpSpPr>
+        <p:cNvPr id="1" name=""/>
+        <p:cNvGrpSpPr/>
+        <p:nvPr/>
+      </p:nvGrpSpPr>
+      <p:grpSpPr>
+        <a:xfrm>
+          <a:off x="0" y="0"/>
+          <a:ext cx="0" cy="0"/>
+          <a:chOff x="0" y="0"/>
+          <a:chExt cx="0" cy="0"/>
+        </a:xfrm>
+      </p:grpSpPr>
+      <p:sp>
+        <p:nvSpPr>
+          <p:cNvPr id="2" name="Título 1">
+            <a:extLst>
+              <a:ext uri="{FF2B5EF4-FFF2-40B4-BE49-F238E27FC236}">
+                <a16:creationId xmlns:a16="http://schemas.microsoft.com/office/drawing/2014/main" id="{43013A4E-1F44-44A5-B66D-697BB41E347C}"/>
+              </a:ext>
+            </a:extLst>
+          </p:cNvPr>
+          <p:cNvSpPr>
+            <a:spLocks noGrp="1"/>
+          </p:cNvSpPr>
+          <p:nvPr>
+            <p:ph type="title"/>
+          </p:nvPr>
+        </p:nvSpPr>
+        <p:spPr/>
+        <p:txBody>
+          <a:bodyPr>
+            <a:normAutofit fontScale="90000"/>
+          </a:bodyPr>
+          <a:lstStyle/>
+          <a:p>
+            <a:r>
+              <a:rPr lang="pt-BR" dirty="0"/>
+              <a:t>Aula 4 – Banco </a:t>
+            </a:r>
+            <a:r>
+              <a:rPr lang="pt-BR" dirty="0" err="1"/>
+              <a:t>NoSQL</a:t>
+            </a:r>
+            <a:r>
+              <a:rPr lang="pt-BR" dirty="0"/>
+              <a:t>: Modelo de Documento (Pesquisa)</a:t>
+            </a:r>
+          </a:p>
+        </p:txBody>
+      </p:sp>
+      <p:pic>
+        <p:nvPicPr>
+          <p:cNvPr id="4" name="Imagem 3">
+            <a:extLst>
+              <a:ext uri="{FF2B5EF4-FFF2-40B4-BE49-F238E27FC236}">
+                <a16:creationId xmlns:a16="http://schemas.microsoft.com/office/drawing/2014/main" id="{11A55A6F-403E-4637-8F35-D19ABC60AE5A}"/>
+              </a:ext>
+            </a:extLst>
+          </p:cNvPr>
+          <p:cNvPicPr>
+            <a:picLocks noChangeAspect="1"/>
+          </p:cNvPicPr>
+          <p:nvPr/>
+        </p:nvPicPr>
+        <p:blipFill>
+          <a:blip r:embed="rId2"/>
+          <a:stretch>
+            <a:fillRect/>
+          </a:stretch>
+        </p:blipFill>
+        <p:spPr>
+          <a:xfrm>
+            <a:off x="514009" y="1289717"/>
+            <a:ext cx="5823992" cy="3858546"/>
+          </a:xfrm>
+          <a:prstGeom prst="rect">
+            <a:avLst/>
+          </a:prstGeom>
+        </p:spPr>
+      </p:pic>
+    </p:spTree>
+    <p:extLst>
+      <p:ext uri="{BB962C8B-B14F-4D97-AF65-F5344CB8AC3E}">
+        <p14:creationId xmlns:p14="http://schemas.microsoft.com/office/powerpoint/2010/main" val="1208005518"/>
+      </p:ext>
+    </p:extLst>
+  </p:cSld>
+  <p:clrMapOvr>
+    <a:masterClrMapping/>
+  </p:clrMapOvr>
+</p:sld>
+</file>
+
+<file path=ppt/slides/slide8.xml><?xml version="1.0" encoding="utf-8"?>
+<p:sld xmlns:a="http://schemas.openxmlformats.org/drawingml/2006/main" xmlns:r="http://schemas.openxmlformats.org/officeDocument/2006/relationships" xmlns:p="http://schemas.openxmlformats.org/presentationml/2006/main">
+  <p:cSld>
+    <p:spTree>
+      <p:nvGrpSpPr>
+        <p:cNvPr id="1" name=""/>
+        <p:cNvGrpSpPr/>
+        <p:nvPr/>
+      </p:nvGrpSpPr>
+      <p:grpSpPr>
+        <a:xfrm>
+          <a:off x="0" y="0"/>
+          <a:ext cx="0" cy="0"/>
+          <a:chOff x="0" y="0"/>
+          <a:chExt cx="0" cy="0"/>
+        </a:xfrm>
+      </p:grpSpPr>
+      <p:sp>
+        <p:nvSpPr>
+          <p:cNvPr id="2" name="Título 1">
+            <a:extLst>
+              <a:ext uri="{FF2B5EF4-FFF2-40B4-BE49-F238E27FC236}">
+                <a16:creationId xmlns:a16="http://schemas.microsoft.com/office/drawing/2014/main" id="{448C0760-F27B-460A-8780-668B441A39B9}"/>
+              </a:ext>
+            </a:extLst>
+          </p:cNvPr>
+          <p:cNvSpPr>
+            <a:spLocks noGrp="1"/>
+          </p:cNvSpPr>
+          <p:nvPr>
+            <p:ph type="title"/>
+          </p:nvPr>
+        </p:nvSpPr>
+        <p:spPr/>
+        <p:txBody>
+          <a:bodyPr>
+            <a:normAutofit fontScale="90000"/>
+          </a:bodyPr>
+          <a:lstStyle/>
+          <a:p>
+            <a:r>
+              <a:rPr lang="pt-BR" dirty="0"/>
+              <a:t>Aula 4 – Banco </a:t>
+            </a:r>
+            <a:r>
+              <a:rPr lang="pt-BR" dirty="0" err="1"/>
+              <a:t>NoSQL</a:t>
+            </a:r>
+            <a:r>
+              <a:rPr lang="pt-BR" dirty="0"/>
+              <a:t>: Modelo de Grafos</a:t>
+            </a:r>
+          </a:p>
+        </p:txBody>
+      </p:sp>
+      <p:pic>
+        <p:nvPicPr>
+          <p:cNvPr id="4" name="Imagem 3">
+            <a:extLst>
+              <a:ext uri="{FF2B5EF4-FFF2-40B4-BE49-F238E27FC236}">
+                <a16:creationId xmlns:a16="http://schemas.microsoft.com/office/drawing/2014/main" id="{DECE9347-737D-4FAA-8C2B-0CF73D43BDA7}"/>
+              </a:ext>
+            </a:extLst>
+          </p:cNvPr>
+          <p:cNvPicPr>
+            <a:picLocks noChangeAspect="1"/>
+          </p:cNvPicPr>
+          <p:nvPr/>
+        </p:nvPicPr>
+        <p:blipFill>
+          <a:blip r:embed="rId2"/>
+          <a:stretch>
+            <a:fillRect/>
+          </a:stretch>
+        </p:blipFill>
+        <p:spPr>
+          <a:xfrm>
+            <a:off x="1066859" y="1885516"/>
+            <a:ext cx="4718292" cy="2171812"/>
+          </a:xfrm>
+          <a:prstGeom prst="rect">
+            <a:avLst/>
+          </a:prstGeom>
+        </p:spPr>
+      </p:pic>
+    </p:spTree>
+    <p:extLst>
+      <p:ext uri="{BB962C8B-B14F-4D97-AF65-F5344CB8AC3E}">
+        <p14:creationId xmlns:p14="http://schemas.microsoft.com/office/powerpoint/2010/main" val="988709196"/>
+      </p:ext>
+    </p:extLst>
+  </p:cSld>
+  <p:clrMapOvr>
+    <a:masterClrMapping/>
+  </p:clrMapOvr>
+</p:sld>
+</file>
+
+<file path=ppt/slides/slide9.xml><?xml version="1.0" encoding="utf-8"?>
+<p:sld xmlns:a="http://schemas.openxmlformats.org/drawingml/2006/main" xmlns:r="http://schemas.openxmlformats.org/officeDocument/2006/relationships" xmlns:p="http://schemas.openxmlformats.org/presentationml/2006/main">
+  <p:cSld>
+    <p:spTree>
+      <p:nvGrpSpPr>
+        <p:cNvPr id="1" name=""/>
+        <p:cNvGrpSpPr/>
+        <p:nvPr/>
+      </p:nvGrpSpPr>
+      <p:grpSpPr>
+        <a:xfrm>
+          <a:off x="0" y="0"/>
+          <a:ext cx="0" cy="0"/>
+          <a:chOff x="0" y="0"/>
+          <a:chExt cx="0" cy="0"/>
+        </a:xfrm>
+      </p:grpSpPr>
+      <p:sp>
+        <p:nvSpPr>
+          <p:cNvPr id="2" name="Título 1">
+            <a:extLst>
+              <a:ext uri="{FF2B5EF4-FFF2-40B4-BE49-F238E27FC236}">
+                <a16:creationId xmlns:a16="http://schemas.microsoft.com/office/drawing/2014/main" id="{11617FF3-F87F-4384-B394-ABAEC92D7C5E}"/>
+              </a:ext>
+            </a:extLst>
+          </p:cNvPr>
+          <p:cNvSpPr>
+            <a:spLocks noGrp="1"/>
+          </p:cNvSpPr>
+          <p:nvPr>
+            <p:ph type="title"/>
+          </p:nvPr>
+        </p:nvSpPr>
+        <p:spPr/>
+        <p:txBody>
+          <a:bodyPr/>
+          <a:lstStyle/>
+          <a:p>
+            <a:r>
+              <a:rPr lang="pt-BR" dirty="0"/>
+              <a:t>Referências Arquivos</a:t>
+            </a:r>
+          </a:p>
+        </p:txBody>
+      </p:sp>
+      <p:sp>
+        <p:nvSpPr>
+          <p:cNvPr id="3" name="Espaço Reservado para Conteúdo 2">
+            <a:extLst>
+              <a:ext uri="{FF2B5EF4-FFF2-40B4-BE49-F238E27FC236}">
+                <a16:creationId xmlns:a16="http://schemas.microsoft.com/office/drawing/2014/main" id="{62712FF2-DA2A-4FAF-ACDA-96AC0027E4A8}"/>
+              </a:ext>
+            </a:extLst>
+          </p:cNvPr>
+          <p:cNvSpPr>
+            <a:spLocks noGrp="1"/>
+          </p:cNvSpPr>
+          <p:nvPr>
+            <p:ph idx="1"/>
+          </p:nvPr>
+        </p:nvSpPr>
+        <p:spPr>
+          <a:xfrm>
+            <a:off x="514009" y="1300541"/>
+            <a:ext cx="5823992" cy="3847722"/>
+          </a:xfrm>
+        </p:spPr>
+        <p:txBody>
+          <a:bodyPr>
+            <a:normAutofit/>
+          </a:bodyPr>
+          <a:lstStyle/>
+          <a:p>
+            <a:r>
+              <a:rPr lang="pt-BR" dirty="0"/>
+              <a:t>Aula 1: “Aula1/</a:t>
+            </a:r>
+            <a:r>
+              <a:rPr lang="pt-BR" dirty="0" err="1"/>
+              <a:t>KeyCar.dmd</a:t>
+            </a:r>
+            <a:r>
+              <a:rPr lang="pt-BR" dirty="0"/>
+              <a:t>”</a:t>
+            </a:r>
+          </a:p>
+          <a:p>
+            <a:r>
+              <a:rPr lang="pt-BR" dirty="0"/>
+              <a:t>Aula 2 Relacional Pesquisa: “Aula2/</a:t>
+            </a:r>
+            <a:r>
+              <a:rPr lang="pt-BR" dirty="0" err="1"/>
+              <a:t>KeyCarPesquisa.dmd</a:t>
+            </a:r>
+            <a:r>
+              <a:rPr lang="pt-BR" dirty="0"/>
+              <a:t>”</a:t>
+            </a:r>
+          </a:p>
+          <a:p>
+            <a:r>
+              <a:rPr lang="pt-BR" dirty="0"/>
+              <a:t>Aula 2 Dimensional: “Aula2/</a:t>
+            </a:r>
+            <a:r>
+              <a:rPr lang="pt-BR" dirty="0" err="1"/>
+              <a:t>KeyCarDimensional.dmd</a:t>
+            </a:r>
+            <a:r>
+              <a:rPr lang="pt-BR" dirty="0"/>
+              <a:t>”</a:t>
+            </a:r>
+          </a:p>
+          <a:p>
+            <a:r>
+              <a:rPr lang="pt-BR" dirty="0"/>
+              <a:t>Aula 4 Chave Valor: “Aula4/</a:t>
+            </a:r>
+            <a:r>
+              <a:rPr lang="pt-BR" dirty="0" err="1"/>
+              <a:t>keycar_cotacao.json</a:t>
+            </a:r>
+            <a:r>
+              <a:rPr lang="pt-BR" dirty="0"/>
+              <a:t>”</a:t>
+            </a:r>
+          </a:p>
+          <a:p>
+            <a:pPr lvl="1"/>
+            <a:r>
+              <a:rPr lang="pt-BR" dirty="0"/>
+              <a:t>Modelo JSON: “Aula4/</a:t>
+            </a:r>
+            <a:r>
+              <a:rPr lang="pt-BR" dirty="0" err="1"/>
+              <a:t>SchemasCotacao</a:t>
+            </a:r>
+            <a:r>
+              <a:rPr lang="pt-BR" dirty="0"/>
+              <a:t>/”</a:t>
+            </a:r>
+          </a:p>
+          <a:p>
+            <a:r>
+              <a:rPr lang="pt-BR" dirty="0"/>
+              <a:t>Aula 4 Cadastro de Clientes: “Aula4/</a:t>
+            </a:r>
+            <a:r>
+              <a:rPr lang="pt-BR" dirty="0" err="1"/>
+              <a:t>cliente_model.json</a:t>
+            </a:r>
+            <a:r>
+              <a:rPr lang="pt-BR" dirty="0"/>
+              <a:t>”</a:t>
+            </a:r>
+          </a:p>
+          <a:p>
+            <a:pPr lvl="1"/>
+            <a:r>
+              <a:rPr lang="pt-BR" dirty="0"/>
+              <a:t>Modelo JSON: “Aula4/</a:t>
+            </a:r>
+            <a:r>
+              <a:rPr lang="pt-BR" dirty="0" err="1"/>
+              <a:t>SchemasCadastro</a:t>
+            </a:r>
+            <a:r>
+              <a:rPr lang="pt-BR" dirty="0"/>
+              <a:t>/”</a:t>
+            </a:r>
+          </a:p>
+          <a:p>
+            <a:r>
+              <a:rPr lang="pt-BR" dirty="0"/>
+              <a:t>Aula 4 Documento Pesquisa: “Aula4/</a:t>
+            </a:r>
+            <a:r>
+              <a:rPr lang="pt-BR" dirty="0" err="1"/>
+              <a:t>keycar_pesquisa.json</a:t>
+            </a:r>
+            <a:r>
+              <a:rPr lang="pt-BR" dirty="0"/>
+              <a:t>”</a:t>
+            </a:r>
+          </a:p>
+          <a:p>
+            <a:pPr lvl="1"/>
+            <a:r>
+              <a:rPr lang="pt-BR" dirty="0"/>
+              <a:t>Modelo JSON: “Aula4/</a:t>
+            </a:r>
+            <a:r>
+              <a:rPr lang="pt-BR" dirty="0" err="1"/>
+              <a:t>SchemasPesquisa</a:t>
+            </a:r>
+            <a:r>
+              <a:rPr lang="pt-BR" dirty="0"/>
+              <a:t>/”</a:t>
+            </a:r>
+          </a:p>
+          <a:p>
+            <a:r>
+              <a:rPr lang="pt-BR" dirty="0"/>
+              <a:t>Aula 4 Grafos: “Aula4/</a:t>
+            </a:r>
+            <a:r>
+              <a:rPr lang="pt-BR" dirty="0" err="1"/>
+              <a:t>keycar_graph.json</a:t>
+            </a:r>
+            <a:r>
+              <a:rPr lang="pt-BR" dirty="0"/>
+              <a:t>”</a:t>
+            </a:r>
+          </a:p>
+          <a:p>
+            <a:pPr lvl="1"/>
+            <a:r>
+              <a:rPr lang="pt-BR" dirty="0"/>
+              <a:t>Modelo JSON: “Aula4/</a:t>
+            </a:r>
+            <a:r>
+              <a:rPr lang="pt-BR"/>
+              <a:t>SchemasGrafo/”</a:t>
+            </a:r>
+            <a:endParaRPr lang="pt-BR" dirty="0"/>
+          </a:p>
+          <a:p>
+            <a:endParaRPr lang="pt-BR" dirty="0"/>
+          </a:p>
+        </p:txBody>
+      </p:sp>
+    </p:spTree>
+    <p:extLst>
+      <p:ext uri="{BB962C8B-B14F-4D97-AF65-F5344CB8AC3E}">
+        <p14:creationId xmlns:p14="http://schemas.microsoft.com/office/powerpoint/2010/main" val="865621823"/>
       </p:ext>
     </p:extLst>
   </p:cSld>
@@ -3097,9 +7148,9 @@
 </file>
 
 <file path=ppt/theme/theme1.xml><?xml version="1.0" encoding="utf-8"?>
-<a:theme xmlns:a="http://schemas.openxmlformats.org/drawingml/2006/main" name="Tema do Office">
+<a:theme xmlns:a="http://schemas.openxmlformats.org/drawingml/2006/main" name="Ardósia">
   <a:themeElements>
-    <a:clrScheme name="Tema do Office">
+    <a:clrScheme name="Ardósia">
       <a:dk1>
         <a:sysClr val="windowText" lastClr="000000"/>
       </a:dk1>
@@ -3107,52 +7158,52 @@
         <a:sysClr val="window" lastClr="FFFFFF"/>
       </a:lt1>
       <a:dk2>
-        <a:srgbClr val="44546A"/>
+        <a:srgbClr val="212123"/>
       </a:dk2>
       <a:lt2>
-        <a:srgbClr val="E7E6E6"/>
+        <a:srgbClr val="DADADA"/>
       </a:lt2>
       <a:accent1>
-        <a:srgbClr val="4472C4"/>
+        <a:srgbClr val="BC451B"/>
       </a:accent1>
       <a:accent2>
-        <a:srgbClr val="ED7D31"/>
+        <a:srgbClr val="D3BA68"/>
       </a:accent2>
       <a:accent3>
-        <a:srgbClr val="A5A5A5"/>
+        <a:srgbClr val="BB8640"/>
       </a:accent3>
       <a:accent4>
-        <a:srgbClr val="FFC000"/>
+        <a:srgbClr val="AD9277"/>
       </a:accent4>
       <a:accent5>
-        <a:srgbClr val="5B9BD5"/>
+        <a:srgbClr val="A55A43"/>
       </a:accent5>
       <a:accent6>
-        <a:srgbClr val="70AD47"/>
+        <a:srgbClr val="AD9D7B"/>
       </a:accent6>
       <a:hlink>
-        <a:srgbClr val="0563C1"/>
+        <a:srgbClr val="E98052"/>
       </a:hlink>
       <a:folHlink>
-        <a:srgbClr val="954F72"/>
+        <a:srgbClr val="F4B69B"/>
       </a:folHlink>
     </a:clrScheme>
-    <a:fontScheme name="Tema do Office">
+    <a:fontScheme name="Ardósia">
       <a:majorFont>
-        <a:latin typeface="Calibri Light" panose="020F0302020204030204"/>
+        <a:latin typeface="Calisto MT" panose="02040603050505030304"/>
         <a:ea typeface=""/>
         <a:cs typeface=""/>
-        <a:font script="Jpan" typeface="游ゴシック Light"/>
-        <a:font script="Hang" typeface="맑은 고딕"/>
-        <a:font script="Hans" typeface="等线 Light"/>
-        <a:font script="Hant" typeface="新細明體"/>
-        <a:font script="Arab" typeface="Times New Roman"/>
-        <a:font script="Hebr" typeface="Times New Roman"/>
-        <a:font script="Thai" typeface="Angsana New"/>
+        <a:font script="Jpan" typeface="ＭＳ Ｐゴシック"/>
+        <a:font script="Hang" typeface="돋움"/>
+        <a:font script="Hans" typeface="方正舒体"/>
+        <a:font script="Hant" typeface="微軟正黑體"/>
+        <a:font script="Arab" typeface="Arial"/>
+        <a:font script="Hebr" typeface="Arial"/>
+        <a:font script="Thai" typeface="Cordia New"/>
         <a:font script="Ethi" typeface="Nyala"/>
         <a:font script="Beng" typeface="Vrinda"/>
         <a:font script="Gujr" typeface="Shruti"/>
-        <a:font script="Khmr" typeface="MoolBoran"/>
+        <a:font script="Khmr" typeface="DaunPenh"/>
         <a:font script="Knda" typeface="Tunga"/>
         <a:font script="Guru" typeface="Raavi"/>
         <a:font script="Cans" typeface="Euphemia"/>
@@ -3169,18 +7220,18 @@
         <a:font script="Laoo" typeface="DokChampa"/>
         <a:font script="Sinh" typeface="Iskoola Pota"/>
         <a:font script="Mong" typeface="Mongolian Baiti"/>
-        <a:font script="Viet" typeface="Times New Roman"/>
+        <a:font script="Viet" typeface="Arial"/>
         <a:font script="Uigh" typeface="Microsoft Uighur"/>
         <a:font script="Geor" typeface="Sylfaen"/>
       </a:majorFont>
       <a:minorFont>
-        <a:latin typeface="Calibri" panose="020F0502020204030204"/>
+        <a:latin typeface="Calisto MT" panose="02040603050505030304"/>
         <a:ea typeface=""/>
         <a:cs typeface=""/>
-        <a:font script="Jpan" typeface="游ゴシック"/>
-        <a:font script="Hang" typeface="맑은 고딕"/>
-        <a:font script="Hans" typeface="等线"/>
-        <a:font script="Hant" typeface="新細明體"/>
+        <a:font script="Jpan" typeface="ＭＳ Ｐゴシック"/>
+        <a:font script="Hang" typeface="돋움"/>
+        <a:font script="Hans" typeface="方正舒体"/>
+        <a:font script="Hant" typeface="微軟正黑體"/>
         <a:font script="Arab" typeface="Arial"/>
         <a:font script="Hebr" typeface="Arial"/>
         <a:font script="Thai" typeface="Cordia New"/>
@@ -3209,7 +7260,7 @@
         <a:font script="Geor" typeface="Sylfaen"/>
       </a:minorFont>
     </a:fontScheme>
-    <a:fmtScheme name="Tema do Office">
+    <a:fmtScheme name="Ardósia">
       <a:fillStyleLst>
         <a:solidFill>
           <a:schemeClr val="phClr"/>
@@ -3218,23 +7269,13 @@
           <a:gsLst>
             <a:gs pos="0">
               <a:schemeClr val="phClr">
+                <a:tint val="60000"/>
                 <a:lumMod val="110000"/>
-                <a:satMod val="105000"/>
-                <a:tint val="67000"/>
-              </a:schemeClr>
-            </a:gs>
-            <a:gs pos="50000">
-              <a:schemeClr val="phClr">
-                <a:lumMod val="105000"/>
-                <a:satMod val="103000"/>
-                <a:tint val="73000"/>
               </a:schemeClr>
             </a:gs>
             <a:gs pos="100000">
               <a:schemeClr val="phClr">
-                <a:lumMod val="105000"/>
-                <a:satMod val="109000"/>
-                <a:tint val="81000"/>
+                <a:tint val="88000"/>
               </a:schemeClr>
             </a:gs>
           </a:gsLst>
@@ -3244,23 +7285,14 @@
           <a:gsLst>
             <a:gs pos="0">
               <a:schemeClr val="phClr">
-                <a:satMod val="103000"/>
-                <a:lumMod val="102000"/>
-                <a:tint val="94000"/>
-              </a:schemeClr>
-            </a:gs>
-            <a:gs pos="50000">
-              <a:schemeClr val="phClr">
-                <a:satMod val="110000"/>
-                <a:lumMod val="100000"/>
-                <a:shade val="100000"/>
+                <a:tint val="96000"/>
+                <a:lumMod val="104000"/>
               </a:schemeClr>
             </a:gs>
             <a:gs pos="100000">
               <a:schemeClr val="phClr">
-                <a:lumMod val="99000"/>
-                <a:satMod val="120000"/>
-                <a:shade val="78000"/>
+                <a:shade val="90000"/>
+                <a:lumMod val="90000"/>
               </a:schemeClr>
             </a:gs>
           </a:gsLst>
@@ -3268,26 +7300,25 @@
         </a:gradFill>
       </a:fillStyleLst>
       <a:lnStyleLst>
-        <a:ln w="6350" cap="flat" cmpd="sng" algn="ctr">
+        <a:ln w="9525" cap="rnd" cmpd="sng" algn="ctr">
+          <a:solidFill>
+            <a:schemeClr val="phClr">
+              <a:shade val="90000"/>
+            </a:schemeClr>
+          </a:solidFill>
+          <a:prstDash val="solid"/>
+        </a:ln>
+        <a:ln w="15875" cap="rnd" cmpd="sng" algn="ctr">
           <a:solidFill>
             <a:schemeClr val="phClr"/>
           </a:solidFill>
           <a:prstDash val="solid"/>
-          <a:miter lim="800000"/>
         </a:ln>
-        <a:ln w="12700" cap="flat" cmpd="sng" algn="ctr">
+        <a:ln w="25400" cap="rnd" cmpd="sng" algn="ctr">
           <a:solidFill>
             <a:schemeClr val="phClr"/>
           </a:solidFill>
           <a:prstDash val="solid"/>
-          <a:miter lim="800000"/>
-        </a:ln>
-        <a:ln w="19050" cap="flat" cmpd="sng" algn="ctr">
-          <a:solidFill>
-            <a:schemeClr val="phClr"/>
-          </a:solidFill>
-          <a:prstDash val="solid"/>
-          <a:miter lim="800000"/>
         </a:ln>
       </a:lnStyleLst>
       <a:effectStyleLst>
@@ -3295,16 +7326,33 @@
           <a:effectLst/>
         </a:effectStyle>
         <a:effectStyle>
-          <a:effectLst/>
+          <a:effectLst>
+            <a:outerShdw blurRad="63500" dist="25400" dir="5400000" rotWithShape="0">
+              <a:srgbClr val="000000">
+                <a:alpha val="60000"/>
+              </a:srgbClr>
+            </a:outerShdw>
+          </a:effectLst>
         </a:effectStyle>
         <a:effectStyle>
           <a:effectLst>
-            <a:outerShdw blurRad="57150" dist="19050" dir="5400000" algn="ctr" rotWithShape="0">
+            <a:outerShdw blurRad="76200" dist="38100" dir="5400000" rotWithShape="0">
               <a:srgbClr val="000000">
-                <a:alpha val="63000"/>
+                <a:alpha val="75000"/>
               </a:srgbClr>
             </a:outerShdw>
           </a:effectLst>
+          <a:scene3d>
+            <a:camera prst="orthographicFront">
+              <a:rot lat="0" lon="0" rev="0"/>
+            </a:camera>
+            <a:lightRig rig="threePt" dir="t">
+              <a:rot lat="0" lon="0" rev="1200000"/>
+            </a:lightRig>
+          </a:scene3d>
+          <a:sp3d>
+            <a:bevelT w="63500" h="25400" prst="hardEdge"/>
+          </a:sp3d>
         </a:effectStyle>
       </a:effectStyleLst>
       <a:bgFillStyleLst>
@@ -3312,38 +7360,22 @@
           <a:schemeClr val="phClr"/>
         </a:solidFill>
         <a:solidFill>
-          <a:schemeClr val="phClr">
-            <a:tint val="95000"/>
-            <a:satMod val="170000"/>
-          </a:schemeClr>
+          <a:schemeClr val="phClr"/>
         </a:solidFill>
-        <a:gradFill rotWithShape="1">
-          <a:gsLst>
-            <a:gs pos="0">
+        <a:blipFill rotWithShape="1">
+          <a:blip xmlns:r="http://schemas.openxmlformats.org/officeDocument/2006/relationships" r:embed="rId1">
+            <a:duotone>
               <a:schemeClr val="phClr">
-                <a:tint val="93000"/>
-                <a:satMod val="150000"/>
-                <a:shade val="98000"/>
-                <a:lumMod val="102000"/>
+                <a:shade val="80000"/>
+                <a:lumMod val="80000"/>
               </a:schemeClr>
-            </a:gs>
-            <a:gs pos="50000">
               <a:schemeClr val="phClr">
                 <a:tint val="98000"/>
-                <a:satMod val="130000"/>
-                <a:shade val="90000"/>
-                <a:lumMod val="103000"/>
               </a:schemeClr>
-            </a:gs>
-            <a:gs pos="100000">
-              <a:schemeClr val="phClr">
-                <a:shade val="63000"/>
-                <a:satMod val="120000"/>
-              </a:schemeClr>
-            </a:gs>
-          </a:gsLst>
-          <a:lin ang="5400000" scaled="0"/>
-        </a:gradFill>
+            </a:duotone>
+          </a:blip>
+          <a:stretch/>
+        </a:blipFill>
       </a:bgFillStyleLst>
     </a:fmtScheme>
   </a:themeElements>
@@ -3351,7 +7383,7 @@
   <a:extraClrSchemeLst/>
   <a:extLst>
     <a:ext uri="{05A4C25C-085E-4340-85A3-A5531E510DB2}">
-      <thm15:themeFamily xmlns:thm15="http://schemas.microsoft.com/office/thememl/2012/main" name="Office Theme" id="{62F939B6-93AF-4DB8-9C6B-D6C7DFDC589F}" vid="{4A3C46E8-61CC-4603-A589-7422A47A8E4A}"/>
+      <thm15:themeFamily xmlns:thm15="http://schemas.microsoft.com/office/thememl/2012/main" name="Slate" id="{C3F70B94-7CE9-428E-ADC1-3269CC2C3385}" vid="{3F2DE9A5-64E6-437C-A389-CC4477E817E8}"/>
     </a:ext>
   </a:extLst>
 </a:theme>
